--- a/docs/jessner_Portfolio.pptx
+++ b/docs/jessner_Portfolio.pptx
@@ -11,10 +11,12 @@
     <p:sldId id="258" r:id="rId5"/>
     <p:sldId id="259" r:id="rId6"/>
     <p:sldId id="260" r:id="rId7"/>
-    <p:sldId id="261" r:id="rId8"/>
-    <p:sldId id="262" r:id="rId9"/>
-    <p:sldId id="263" r:id="rId10"/>
-    <p:sldId id="264" r:id="rId11"/>
+    <p:sldId id="266" r:id="rId8"/>
+    <p:sldId id="261" r:id="rId9"/>
+    <p:sldId id="267" r:id="rId10"/>
+    <p:sldId id="262" r:id="rId11"/>
+    <p:sldId id="263" r:id="rId12"/>
+    <p:sldId id="264" r:id="rId13"/>
   </p:sldIdLst>
   <p:sldSz cx="12192000" cy="6858000"/>
   <p:notesSz cx="6858000" cy="9144000"/>
@@ -113,6 +115,11 @@
       </a:defRPr>
     </a:lvl9pPr>
   </p:defaultTextStyle>
+  <p:extLst>
+    <p:ext uri="{EFAFB233-063F-42B5-8137-9DF3F51BA10A}">
+      <p15:sldGuideLst xmlns:p15="http://schemas.microsoft.com/office/powerpoint/2012/main"/>
+    </p:ext>
+  </p:extLst>
 </p:presentation>
 </file>
 
@@ -1036,6 +1043,788 @@
 </file>
 
 <file path=ppt/diagrams/colors2.xml><?xml version="1.0" encoding="utf-8"?>
+<dgm:colorsDef xmlns:dgm="http://schemas.openxmlformats.org/drawingml/2006/diagram" xmlns:a="http://schemas.openxmlformats.org/drawingml/2006/main" uniqueId="urn:microsoft.com/office/officeart/2005/8/colors/colorful5">
+  <dgm:title val=""/>
+  <dgm:desc val=""/>
+  <dgm:catLst>
+    <dgm:cat type="colorful" pri="10500"/>
+  </dgm:catLst>
+  <dgm:styleLbl name="node0">
+    <dgm:fillClrLst meth="repeat">
+      <a:schemeClr val="accent4"/>
+    </dgm:fillClrLst>
+    <dgm:linClrLst meth="repeat">
+      <a:schemeClr val="lt1"/>
+    </dgm:linClrLst>
+    <dgm:effectClrLst/>
+    <dgm:txLinClrLst/>
+    <dgm:txFillClrLst/>
+    <dgm:txEffectClrLst/>
+  </dgm:styleLbl>
+  <dgm:styleLbl name="node1">
+    <dgm:fillClrLst>
+      <a:schemeClr val="accent5"/>
+      <a:schemeClr val="accent6"/>
+    </dgm:fillClrLst>
+    <dgm:linClrLst meth="repeat">
+      <a:schemeClr val="lt1"/>
+    </dgm:linClrLst>
+    <dgm:effectClrLst/>
+    <dgm:txLinClrLst/>
+    <dgm:txFillClrLst/>
+    <dgm:txEffectClrLst/>
+  </dgm:styleLbl>
+  <dgm:styleLbl name="alignNode1">
+    <dgm:fillClrLst>
+      <a:schemeClr val="accent5"/>
+      <a:schemeClr val="accent6"/>
+    </dgm:fillClrLst>
+    <dgm:linClrLst>
+      <a:schemeClr val="accent5"/>
+      <a:schemeClr val="accent6"/>
+    </dgm:linClrLst>
+    <dgm:effectClrLst/>
+    <dgm:txLinClrLst/>
+    <dgm:txFillClrLst/>
+    <dgm:txEffectClrLst/>
+  </dgm:styleLbl>
+  <dgm:styleLbl name="lnNode1">
+    <dgm:fillClrLst>
+      <a:schemeClr val="accent5"/>
+      <a:schemeClr val="accent6"/>
+    </dgm:fillClrLst>
+    <dgm:linClrLst meth="repeat">
+      <a:schemeClr val="lt1"/>
+    </dgm:linClrLst>
+    <dgm:effectClrLst/>
+    <dgm:txLinClrLst/>
+    <dgm:txFillClrLst/>
+    <dgm:txEffectClrLst/>
+  </dgm:styleLbl>
+  <dgm:styleLbl name="vennNode1">
+    <dgm:fillClrLst>
+      <a:schemeClr val="accent5">
+        <a:alpha val="50000"/>
+      </a:schemeClr>
+      <a:schemeClr val="accent6">
+        <a:alpha val="50000"/>
+      </a:schemeClr>
+    </dgm:fillClrLst>
+    <dgm:linClrLst meth="repeat">
+      <a:schemeClr val="lt1"/>
+    </dgm:linClrLst>
+    <dgm:effectClrLst/>
+    <dgm:txLinClrLst/>
+    <dgm:txFillClrLst/>
+    <dgm:txEffectClrLst/>
+  </dgm:styleLbl>
+  <dgm:styleLbl name="node2">
+    <dgm:fillClrLst>
+      <a:schemeClr val="accent6"/>
+    </dgm:fillClrLst>
+    <dgm:linClrLst meth="repeat">
+      <a:schemeClr val="lt1"/>
+    </dgm:linClrLst>
+    <dgm:effectClrLst/>
+    <dgm:txLinClrLst/>
+    <dgm:txFillClrLst/>
+    <dgm:txEffectClrLst/>
+  </dgm:styleLbl>
+  <dgm:styleLbl name="node3">
+    <dgm:fillClrLst>
+      <a:schemeClr val="accent1"/>
+    </dgm:fillClrLst>
+    <dgm:linClrLst meth="repeat">
+      <a:schemeClr val="lt1"/>
+    </dgm:linClrLst>
+    <dgm:effectClrLst/>
+    <dgm:txLinClrLst/>
+    <dgm:txFillClrLst/>
+    <dgm:txEffectClrLst/>
+  </dgm:styleLbl>
+  <dgm:styleLbl name="node4">
+    <dgm:fillClrLst>
+      <a:schemeClr val="accent2"/>
+    </dgm:fillClrLst>
+    <dgm:linClrLst meth="repeat">
+      <a:schemeClr val="lt1"/>
+    </dgm:linClrLst>
+    <dgm:effectClrLst/>
+    <dgm:txLinClrLst/>
+    <dgm:txFillClrLst/>
+    <dgm:txEffectClrLst/>
+  </dgm:styleLbl>
+  <dgm:styleLbl name="fgImgPlace1">
+    <dgm:fillClrLst>
+      <a:schemeClr val="accent5">
+        <a:tint val="50000"/>
+      </a:schemeClr>
+      <a:schemeClr val="accent6">
+        <a:tint val="50000"/>
+      </a:schemeClr>
+    </dgm:fillClrLst>
+    <dgm:linClrLst meth="repeat">
+      <a:schemeClr val="lt1"/>
+    </dgm:linClrLst>
+    <dgm:effectClrLst/>
+    <dgm:txLinClrLst/>
+    <dgm:txFillClrLst meth="repeat">
+      <a:schemeClr val="lt1"/>
+    </dgm:txFillClrLst>
+    <dgm:txEffectClrLst/>
+  </dgm:styleLbl>
+  <dgm:styleLbl name="alignImgPlace1">
+    <dgm:fillClrLst>
+      <a:schemeClr val="accent5">
+        <a:tint val="50000"/>
+      </a:schemeClr>
+      <a:schemeClr val="accent6">
+        <a:tint val="20000"/>
+      </a:schemeClr>
+    </dgm:fillClrLst>
+    <dgm:linClrLst meth="repeat">
+      <a:schemeClr val="lt1"/>
+    </dgm:linClrLst>
+    <dgm:effectClrLst/>
+    <dgm:txLinClrLst/>
+    <dgm:txFillClrLst meth="repeat">
+      <a:schemeClr val="lt1"/>
+    </dgm:txFillClrLst>
+    <dgm:txEffectClrLst/>
+  </dgm:styleLbl>
+  <dgm:styleLbl name="bgImgPlace1">
+    <dgm:fillClrLst>
+      <a:schemeClr val="accent5">
+        <a:tint val="50000"/>
+      </a:schemeClr>
+      <a:schemeClr val="accent6">
+        <a:tint val="20000"/>
+      </a:schemeClr>
+    </dgm:fillClrLst>
+    <dgm:linClrLst meth="repeat">
+      <a:schemeClr val="lt1"/>
+    </dgm:linClrLst>
+    <dgm:effectClrLst/>
+    <dgm:txLinClrLst/>
+    <dgm:txFillClrLst meth="repeat">
+      <a:schemeClr val="lt1"/>
+    </dgm:txFillClrLst>
+    <dgm:txEffectClrLst/>
+  </dgm:styleLbl>
+  <dgm:styleLbl name="sibTrans2D1">
+    <dgm:fillClrLst>
+      <a:schemeClr val="accent5"/>
+      <a:schemeClr val="accent6"/>
+    </dgm:fillClrLst>
+    <dgm:linClrLst meth="repeat">
+      <a:schemeClr val="lt1"/>
+    </dgm:linClrLst>
+    <dgm:effectClrLst/>
+    <dgm:txLinClrLst/>
+    <dgm:txFillClrLst/>
+    <dgm:txEffectClrLst/>
+  </dgm:styleLbl>
+  <dgm:styleLbl name="fgSibTrans2D1">
+    <dgm:fillClrLst>
+      <a:schemeClr val="accent5"/>
+      <a:schemeClr val="accent6"/>
+    </dgm:fillClrLst>
+    <dgm:linClrLst meth="repeat">
+      <a:schemeClr val="lt1"/>
+    </dgm:linClrLst>
+    <dgm:effectClrLst/>
+    <dgm:txLinClrLst/>
+    <dgm:txFillClrLst meth="repeat">
+      <a:schemeClr val="lt1"/>
+    </dgm:txFillClrLst>
+    <dgm:txEffectClrLst/>
+  </dgm:styleLbl>
+  <dgm:styleLbl name="bgSibTrans2D1">
+    <dgm:fillClrLst>
+      <a:schemeClr val="accent5"/>
+      <a:schemeClr val="accent6"/>
+    </dgm:fillClrLst>
+    <dgm:linClrLst meth="repeat">
+      <a:schemeClr val="lt1"/>
+    </dgm:linClrLst>
+    <dgm:effectClrLst/>
+    <dgm:txLinClrLst/>
+    <dgm:txFillClrLst meth="repeat">
+      <a:schemeClr val="lt1"/>
+    </dgm:txFillClrLst>
+    <dgm:txEffectClrLst/>
+  </dgm:styleLbl>
+  <dgm:styleLbl name="sibTrans1D1">
+    <dgm:fillClrLst/>
+    <dgm:linClrLst>
+      <a:schemeClr val="accent5"/>
+      <a:schemeClr val="accent6"/>
+    </dgm:linClrLst>
+    <dgm:effectClrLst/>
+    <dgm:txLinClrLst/>
+    <dgm:txFillClrLst meth="repeat">
+      <a:schemeClr val="tx1"/>
+    </dgm:txFillClrLst>
+    <dgm:txEffectClrLst/>
+  </dgm:styleLbl>
+  <dgm:styleLbl name="callout">
+    <dgm:fillClrLst meth="repeat">
+      <a:schemeClr val="accent5"/>
+    </dgm:fillClrLst>
+    <dgm:linClrLst meth="repeat">
+      <a:schemeClr val="accent5">
+        <a:tint val="50000"/>
+      </a:schemeClr>
+    </dgm:linClrLst>
+    <dgm:effectClrLst/>
+    <dgm:txLinClrLst/>
+    <dgm:txFillClrLst meth="repeat">
+      <a:schemeClr val="tx1"/>
+    </dgm:txFillClrLst>
+    <dgm:txEffectClrLst/>
+  </dgm:styleLbl>
+  <dgm:styleLbl name="asst0">
+    <dgm:fillClrLst meth="repeat">
+      <a:schemeClr val="accent5"/>
+    </dgm:fillClrLst>
+    <dgm:linClrLst meth="repeat">
+      <a:schemeClr val="lt1">
+        <a:shade val="80000"/>
+      </a:schemeClr>
+    </dgm:linClrLst>
+    <dgm:effectClrLst/>
+    <dgm:txLinClrLst/>
+    <dgm:txFillClrLst/>
+    <dgm:txEffectClrLst/>
+  </dgm:styleLbl>
+  <dgm:styleLbl name="asst1">
+    <dgm:fillClrLst meth="repeat">
+      <a:schemeClr val="accent6"/>
+    </dgm:fillClrLst>
+    <dgm:linClrLst meth="repeat">
+      <a:schemeClr val="lt1">
+        <a:shade val="80000"/>
+      </a:schemeClr>
+    </dgm:linClrLst>
+    <dgm:effectClrLst/>
+    <dgm:txLinClrLst/>
+    <dgm:txFillClrLst/>
+    <dgm:txEffectClrLst/>
+  </dgm:styleLbl>
+  <dgm:styleLbl name="asst2">
+    <dgm:fillClrLst>
+      <a:schemeClr val="accent1"/>
+    </dgm:fillClrLst>
+    <dgm:linClrLst meth="repeat">
+      <a:schemeClr val="lt1"/>
+    </dgm:linClrLst>
+    <dgm:effectClrLst/>
+    <dgm:txLinClrLst/>
+    <dgm:txFillClrLst/>
+    <dgm:txEffectClrLst/>
+  </dgm:styleLbl>
+  <dgm:styleLbl name="asst3">
+    <dgm:fillClrLst>
+      <a:schemeClr val="accent2"/>
+    </dgm:fillClrLst>
+    <dgm:linClrLst meth="repeat">
+      <a:schemeClr val="lt1"/>
+    </dgm:linClrLst>
+    <dgm:effectClrLst/>
+    <dgm:txLinClrLst/>
+    <dgm:txFillClrLst/>
+    <dgm:txEffectClrLst/>
+  </dgm:styleLbl>
+  <dgm:styleLbl name="asst4">
+    <dgm:fillClrLst>
+      <a:schemeClr val="accent3"/>
+    </dgm:fillClrLst>
+    <dgm:linClrLst meth="repeat">
+      <a:schemeClr val="lt1"/>
+    </dgm:linClrLst>
+    <dgm:effectClrLst/>
+    <dgm:txLinClrLst/>
+    <dgm:txFillClrLst/>
+    <dgm:txEffectClrLst/>
+  </dgm:styleLbl>
+  <dgm:styleLbl name="parChTrans2D1">
+    <dgm:fillClrLst meth="repeat">
+      <a:schemeClr val="accent5"/>
+    </dgm:fillClrLst>
+    <dgm:linClrLst meth="repeat">
+      <a:schemeClr val="lt1"/>
+    </dgm:linClrLst>
+    <dgm:effectClrLst/>
+    <dgm:txLinClrLst/>
+    <dgm:txFillClrLst meth="repeat">
+      <a:schemeClr val="lt1"/>
+    </dgm:txFillClrLst>
+    <dgm:txEffectClrLst/>
+  </dgm:styleLbl>
+  <dgm:styleLbl name="parChTrans2D2">
+    <dgm:fillClrLst meth="repeat">
+      <a:schemeClr val="accent6"/>
+    </dgm:fillClrLst>
+    <dgm:linClrLst meth="repeat">
+      <a:schemeClr val="lt1"/>
+    </dgm:linClrLst>
+    <dgm:effectClrLst/>
+    <dgm:txLinClrLst/>
+    <dgm:txFillClrLst/>
+    <dgm:txEffectClrLst/>
+  </dgm:styleLbl>
+  <dgm:styleLbl name="parChTrans2D3">
+    <dgm:fillClrLst meth="repeat">
+      <a:schemeClr val="accent6"/>
+    </dgm:fillClrLst>
+    <dgm:linClrLst meth="repeat">
+      <a:schemeClr val="lt1"/>
+    </dgm:linClrLst>
+    <dgm:effectClrLst/>
+    <dgm:txLinClrLst/>
+    <dgm:txFillClrLst/>
+    <dgm:txEffectClrLst/>
+  </dgm:styleLbl>
+  <dgm:styleLbl name="parChTrans2D4">
+    <dgm:fillClrLst meth="repeat">
+      <a:schemeClr val="accent1"/>
+    </dgm:fillClrLst>
+    <dgm:linClrLst meth="repeat">
+      <a:schemeClr val="lt1"/>
+    </dgm:linClrLst>
+    <dgm:effectClrLst/>
+    <dgm:txLinClrLst/>
+    <dgm:txFillClrLst meth="repeat">
+      <a:schemeClr val="lt1"/>
+    </dgm:txFillClrLst>
+    <dgm:txEffectClrLst/>
+  </dgm:styleLbl>
+  <dgm:styleLbl name="parChTrans1D1">
+    <dgm:fillClrLst meth="repeat">
+      <a:schemeClr val="accent5"/>
+    </dgm:fillClrLst>
+    <dgm:linClrLst meth="repeat">
+      <a:schemeClr val="accent5"/>
+    </dgm:linClrLst>
+    <dgm:effectClrLst/>
+    <dgm:txLinClrLst/>
+    <dgm:txFillClrLst meth="repeat">
+      <a:schemeClr val="tx1"/>
+    </dgm:txFillClrLst>
+    <dgm:txEffectClrLst/>
+  </dgm:styleLbl>
+  <dgm:styleLbl name="parChTrans1D2">
+    <dgm:fillClrLst meth="repeat">
+      <a:schemeClr val="accent6">
+        <a:tint val="90000"/>
+      </a:schemeClr>
+    </dgm:fillClrLst>
+    <dgm:linClrLst meth="repeat">
+      <a:schemeClr val="accent6"/>
+    </dgm:linClrLst>
+    <dgm:effectClrLst/>
+    <dgm:txLinClrLst/>
+    <dgm:txFillClrLst meth="repeat">
+      <a:schemeClr val="tx1"/>
+    </dgm:txFillClrLst>
+    <dgm:txEffectClrLst/>
+  </dgm:styleLbl>
+  <dgm:styleLbl name="parChTrans1D3">
+    <dgm:fillClrLst meth="repeat">
+      <a:schemeClr val="accent6">
+        <a:tint val="70000"/>
+      </a:schemeClr>
+    </dgm:fillClrLst>
+    <dgm:linClrLst meth="repeat">
+      <a:schemeClr val="accent1"/>
+    </dgm:linClrLst>
+    <dgm:effectClrLst/>
+    <dgm:txLinClrLst/>
+    <dgm:txFillClrLst meth="repeat">
+      <a:schemeClr val="tx1"/>
+    </dgm:txFillClrLst>
+    <dgm:txEffectClrLst/>
+  </dgm:styleLbl>
+  <dgm:styleLbl name="parChTrans1D4">
+    <dgm:fillClrLst meth="repeat">
+      <a:schemeClr val="accent6">
+        <a:tint val="50000"/>
+      </a:schemeClr>
+    </dgm:fillClrLst>
+    <dgm:linClrLst meth="repeat">
+      <a:schemeClr val="accent2"/>
+    </dgm:linClrLst>
+    <dgm:effectClrLst/>
+    <dgm:txLinClrLst/>
+    <dgm:txFillClrLst meth="repeat">
+      <a:schemeClr val="tx1"/>
+    </dgm:txFillClrLst>
+    <dgm:txEffectClrLst/>
+  </dgm:styleLbl>
+  <dgm:styleLbl name="fgAcc1">
+    <dgm:fillClrLst meth="repeat">
+      <a:schemeClr val="lt1">
+        <a:alpha val="90000"/>
+      </a:schemeClr>
+    </dgm:fillClrLst>
+    <dgm:linClrLst>
+      <a:schemeClr val="accent5"/>
+      <a:schemeClr val="accent6"/>
+    </dgm:linClrLst>
+    <dgm:effectClrLst/>
+    <dgm:txLinClrLst/>
+    <dgm:txFillClrLst meth="repeat">
+      <a:schemeClr val="dk1"/>
+    </dgm:txFillClrLst>
+    <dgm:txEffectClrLst/>
+  </dgm:styleLbl>
+  <dgm:styleLbl name="conFgAcc1">
+    <dgm:fillClrLst meth="repeat">
+      <a:schemeClr val="lt1">
+        <a:alpha val="90000"/>
+      </a:schemeClr>
+    </dgm:fillClrLst>
+    <dgm:linClrLst>
+      <a:schemeClr val="accent5"/>
+      <a:schemeClr val="accent6"/>
+    </dgm:linClrLst>
+    <dgm:effectClrLst/>
+    <dgm:txLinClrLst/>
+    <dgm:txFillClrLst meth="repeat">
+      <a:schemeClr val="dk1"/>
+    </dgm:txFillClrLst>
+    <dgm:txEffectClrLst/>
+  </dgm:styleLbl>
+  <dgm:styleLbl name="alignAcc1">
+    <dgm:fillClrLst meth="repeat">
+      <a:schemeClr val="lt1">
+        <a:alpha val="90000"/>
+      </a:schemeClr>
+    </dgm:fillClrLst>
+    <dgm:linClrLst>
+      <a:schemeClr val="accent5"/>
+      <a:schemeClr val="accent6"/>
+    </dgm:linClrLst>
+    <dgm:effectClrLst/>
+    <dgm:txLinClrLst/>
+    <dgm:txFillClrLst meth="repeat">
+      <a:schemeClr val="dk1"/>
+    </dgm:txFillClrLst>
+    <dgm:txEffectClrLst/>
+  </dgm:styleLbl>
+  <dgm:styleLbl name="trAlignAcc1">
+    <dgm:fillClrLst meth="repeat">
+      <a:schemeClr val="lt1">
+        <a:alpha val="40000"/>
+      </a:schemeClr>
+    </dgm:fillClrLst>
+    <dgm:linClrLst meth="repeat">
+      <a:schemeClr val="accent5"/>
+    </dgm:linClrLst>
+    <dgm:effectClrLst/>
+    <dgm:txLinClrLst/>
+    <dgm:txFillClrLst meth="repeat">
+      <a:schemeClr val="dk1"/>
+    </dgm:txFillClrLst>
+    <dgm:txEffectClrLst/>
+  </dgm:styleLbl>
+  <dgm:styleLbl name="bgAcc1">
+    <dgm:fillClrLst meth="repeat">
+      <a:schemeClr val="lt1">
+        <a:alpha val="90000"/>
+      </a:schemeClr>
+    </dgm:fillClrLst>
+    <dgm:linClrLst>
+      <a:schemeClr val="accent5"/>
+      <a:schemeClr val="accent6"/>
+    </dgm:linClrLst>
+    <dgm:effectClrLst/>
+    <dgm:txLinClrLst/>
+    <dgm:txFillClrLst meth="repeat">
+      <a:schemeClr val="dk1"/>
+    </dgm:txFillClrLst>
+    <dgm:txEffectClrLst/>
+  </dgm:styleLbl>
+  <dgm:styleLbl name="solidFgAcc1">
+    <dgm:fillClrLst meth="repeat">
+      <a:schemeClr val="lt1"/>
+    </dgm:fillClrLst>
+    <dgm:linClrLst>
+      <a:schemeClr val="accent5"/>
+      <a:schemeClr val="accent6"/>
+    </dgm:linClrLst>
+    <dgm:effectClrLst/>
+    <dgm:txLinClrLst/>
+    <dgm:txFillClrLst meth="repeat">
+      <a:schemeClr val="dk1"/>
+    </dgm:txFillClrLst>
+    <dgm:txEffectClrLst/>
+  </dgm:styleLbl>
+  <dgm:styleLbl name="solidAlignAcc1">
+    <dgm:fillClrLst meth="repeat">
+      <a:schemeClr val="lt1"/>
+    </dgm:fillClrLst>
+    <dgm:linClrLst>
+      <a:schemeClr val="accent5"/>
+      <a:schemeClr val="accent6"/>
+    </dgm:linClrLst>
+    <dgm:effectClrLst/>
+    <dgm:txLinClrLst/>
+    <dgm:txFillClrLst meth="repeat">
+      <a:schemeClr val="dk1"/>
+    </dgm:txFillClrLst>
+    <dgm:txEffectClrLst/>
+  </dgm:styleLbl>
+  <dgm:styleLbl name="solidBgAcc1">
+    <dgm:fillClrLst meth="repeat">
+      <a:schemeClr val="lt1"/>
+    </dgm:fillClrLst>
+    <dgm:linClrLst>
+      <a:schemeClr val="accent5"/>
+      <a:schemeClr val="accent6"/>
+    </dgm:linClrLst>
+    <dgm:effectClrLst/>
+    <dgm:txLinClrLst/>
+    <dgm:txFillClrLst meth="repeat">
+      <a:schemeClr val="dk1"/>
+    </dgm:txFillClrLst>
+    <dgm:txEffectClrLst/>
+  </dgm:styleLbl>
+  <dgm:styleLbl name="fgAccFollowNode1">
+    <dgm:fillClrLst>
+      <a:schemeClr val="accent5">
+        <a:tint val="40000"/>
+        <a:alpha val="90000"/>
+      </a:schemeClr>
+      <a:schemeClr val="accent6">
+        <a:tint val="40000"/>
+        <a:alpha val="90000"/>
+      </a:schemeClr>
+    </dgm:fillClrLst>
+    <dgm:linClrLst>
+      <a:schemeClr val="accent5">
+        <a:tint val="40000"/>
+        <a:alpha val="90000"/>
+      </a:schemeClr>
+      <a:schemeClr val="accent5">
+        <a:tint val="40000"/>
+        <a:alpha val="90000"/>
+      </a:schemeClr>
+    </dgm:linClrLst>
+    <dgm:effectClrLst/>
+    <dgm:txLinClrLst/>
+    <dgm:txFillClrLst meth="repeat">
+      <a:schemeClr val="dk1"/>
+    </dgm:txFillClrLst>
+    <dgm:txEffectClrLst/>
+  </dgm:styleLbl>
+  <dgm:styleLbl name="alignAccFollowNode1">
+    <dgm:fillClrLst>
+      <a:schemeClr val="accent5">
+        <a:tint val="40000"/>
+        <a:alpha val="90000"/>
+      </a:schemeClr>
+      <a:schemeClr val="accent6">
+        <a:tint val="40000"/>
+        <a:alpha val="90000"/>
+      </a:schemeClr>
+    </dgm:fillClrLst>
+    <dgm:linClrLst>
+      <a:schemeClr val="accent5">
+        <a:tint val="40000"/>
+        <a:alpha val="90000"/>
+      </a:schemeClr>
+      <a:schemeClr val="accent6">
+        <a:tint val="40000"/>
+        <a:alpha val="90000"/>
+      </a:schemeClr>
+    </dgm:linClrLst>
+    <dgm:effectClrLst/>
+    <dgm:txLinClrLst/>
+    <dgm:txFillClrLst meth="repeat">
+      <a:schemeClr val="dk1"/>
+    </dgm:txFillClrLst>
+    <dgm:txEffectClrLst/>
+  </dgm:styleLbl>
+  <dgm:styleLbl name="bgAccFollowNode1">
+    <dgm:fillClrLst>
+      <a:schemeClr val="accent5">
+        <a:tint val="40000"/>
+        <a:alpha val="90000"/>
+      </a:schemeClr>
+      <a:schemeClr val="accent6">
+        <a:tint val="40000"/>
+        <a:alpha val="90000"/>
+      </a:schemeClr>
+    </dgm:fillClrLst>
+    <dgm:linClrLst>
+      <a:schemeClr val="accent5">
+        <a:tint val="40000"/>
+        <a:alpha val="90000"/>
+      </a:schemeClr>
+      <a:schemeClr val="accent6">
+        <a:tint val="40000"/>
+        <a:alpha val="90000"/>
+      </a:schemeClr>
+    </dgm:linClrLst>
+    <dgm:effectClrLst/>
+    <dgm:txLinClrLst/>
+    <dgm:txFillClrLst meth="repeat">
+      <a:schemeClr val="dk1"/>
+    </dgm:txFillClrLst>
+    <dgm:txEffectClrLst/>
+  </dgm:styleLbl>
+  <dgm:styleLbl name="fgAcc0">
+    <dgm:fillClrLst meth="repeat">
+      <a:schemeClr val="lt1">
+        <a:alpha val="90000"/>
+      </a:schemeClr>
+    </dgm:fillClrLst>
+    <dgm:linClrLst>
+      <a:schemeClr val="accent4"/>
+    </dgm:linClrLst>
+    <dgm:effectClrLst/>
+    <dgm:txLinClrLst/>
+    <dgm:txFillClrLst meth="repeat">
+      <a:schemeClr val="dk1"/>
+    </dgm:txFillClrLst>
+    <dgm:txEffectClrLst/>
+  </dgm:styleLbl>
+  <dgm:styleLbl name="fgAcc2">
+    <dgm:fillClrLst meth="repeat">
+      <a:schemeClr val="lt1">
+        <a:alpha val="90000"/>
+      </a:schemeClr>
+    </dgm:fillClrLst>
+    <dgm:linClrLst>
+      <a:schemeClr val="accent6"/>
+    </dgm:linClrLst>
+    <dgm:effectClrLst/>
+    <dgm:txLinClrLst/>
+    <dgm:txFillClrLst meth="repeat">
+      <a:schemeClr val="dk1"/>
+    </dgm:txFillClrLst>
+    <dgm:txEffectClrLst/>
+  </dgm:styleLbl>
+  <dgm:styleLbl name="fgAcc3">
+    <dgm:fillClrLst meth="repeat">
+      <a:schemeClr val="lt1">
+        <a:alpha val="90000"/>
+      </a:schemeClr>
+    </dgm:fillClrLst>
+    <dgm:linClrLst>
+      <a:schemeClr val="accent1"/>
+    </dgm:linClrLst>
+    <dgm:effectClrLst/>
+    <dgm:txLinClrLst/>
+    <dgm:txFillClrLst meth="repeat">
+      <a:schemeClr val="dk1"/>
+    </dgm:txFillClrLst>
+    <dgm:txEffectClrLst/>
+  </dgm:styleLbl>
+  <dgm:styleLbl name="fgAcc4">
+    <dgm:fillClrLst meth="repeat">
+      <a:schemeClr val="lt1">
+        <a:alpha val="90000"/>
+      </a:schemeClr>
+    </dgm:fillClrLst>
+    <dgm:linClrLst>
+      <a:schemeClr val="accent2"/>
+    </dgm:linClrLst>
+    <dgm:effectClrLst/>
+    <dgm:txLinClrLst/>
+    <dgm:txFillClrLst meth="repeat">
+      <a:schemeClr val="dk1"/>
+    </dgm:txFillClrLst>
+    <dgm:txEffectClrLst/>
+  </dgm:styleLbl>
+  <dgm:styleLbl name="bgShp">
+    <dgm:fillClrLst meth="repeat">
+      <a:schemeClr val="accent5">
+        <a:tint val="40000"/>
+      </a:schemeClr>
+    </dgm:fillClrLst>
+    <dgm:linClrLst meth="repeat">
+      <a:schemeClr val="dk1"/>
+    </dgm:linClrLst>
+    <dgm:effectClrLst/>
+    <dgm:txLinClrLst/>
+    <dgm:txFillClrLst meth="repeat">
+      <a:schemeClr val="dk1"/>
+    </dgm:txFillClrLst>
+    <dgm:txEffectClrLst/>
+  </dgm:styleLbl>
+  <dgm:styleLbl name="dkBgShp">
+    <dgm:fillClrLst meth="repeat">
+      <a:schemeClr val="accent5">
+        <a:shade val="90000"/>
+      </a:schemeClr>
+    </dgm:fillClrLst>
+    <dgm:linClrLst meth="repeat">
+      <a:schemeClr val="dk1"/>
+    </dgm:linClrLst>
+    <dgm:effectClrLst/>
+    <dgm:txLinClrLst/>
+    <dgm:txFillClrLst meth="repeat">
+      <a:schemeClr val="lt1"/>
+    </dgm:txFillClrLst>
+    <dgm:txEffectClrLst/>
+  </dgm:styleLbl>
+  <dgm:styleLbl name="trBgShp">
+    <dgm:fillClrLst meth="repeat">
+      <a:schemeClr val="accent5">
+        <a:tint val="50000"/>
+        <a:alpha val="40000"/>
+      </a:schemeClr>
+    </dgm:fillClrLst>
+    <dgm:linClrLst meth="repeat">
+      <a:schemeClr val="accent5"/>
+    </dgm:linClrLst>
+    <dgm:effectClrLst/>
+    <dgm:txLinClrLst/>
+    <dgm:txFillClrLst meth="repeat">
+      <a:schemeClr val="lt1"/>
+    </dgm:txFillClrLst>
+    <dgm:txEffectClrLst/>
+  </dgm:styleLbl>
+  <dgm:styleLbl name="fgShp">
+    <dgm:fillClrLst meth="repeat">
+      <a:schemeClr val="accent5">
+        <a:tint val="40000"/>
+      </a:schemeClr>
+    </dgm:fillClrLst>
+    <dgm:linClrLst meth="repeat">
+      <a:schemeClr val="lt1"/>
+    </dgm:linClrLst>
+    <dgm:effectClrLst/>
+    <dgm:txLinClrLst/>
+    <dgm:txFillClrLst meth="repeat">
+      <a:schemeClr val="dk1"/>
+    </dgm:txFillClrLst>
+    <dgm:txEffectClrLst/>
+  </dgm:styleLbl>
+  <dgm:styleLbl name="revTx">
+    <dgm:fillClrLst meth="repeat">
+      <a:schemeClr val="lt1">
+        <a:alpha val="0"/>
+      </a:schemeClr>
+    </dgm:fillClrLst>
+    <dgm:linClrLst meth="repeat">
+      <a:schemeClr val="dk1">
+        <a:alpha val="0"/>
+      </a:schemeClr>
+    </dgm:linClrLst>
+    <dgm:effectClrLst/>
+    <dgm:txLinClrLst/>
+    <dgm:txFillClrLst meth="repeat">
+      <a:schemeClr val="tx1"/>
+    </dgm:txFillClrLst>
+    <dgm:txEffectClrLst/>
+  </dgm:styleLbl>
+</dgm:colorsDef>
+</file>
+
+<file path=ppt/diagrams/colors3.xml><?xml version="1.0" encoding="utf-8"?>
 <dgm:colorsDef xmlns:dgm="http://schemas.openxmlformats.org/drawingml/2006/diagram" xmlns:a="http://schemas.openxmlformats.org/drawingml/2006/main" uniqueId="urn:microsoft.com/office/officeart/2005/8/colors/colorful1">
   <dgm:title val=""/>
   <dgm:desc val=""/>
@@ -2191,6 +2980,459 @@
 </file>
 
 <file path=ppt/diagrams/data2.xml><?xml version="1.0" encoding="utf-8"?>
+<dgm:dataModel xmlns:dgm="http://schemas.openxmlformats.org/drawingml/2006/diagram" xmlns:a="http://schemas.openxmlformats.org/drawingml/2006/main">
+  <dgm:ptLst>
+    <dgm:pt modelId="{A085E5DC-7CD2-4AD3-AB4C-F8C9DDBA65B1}" type="doc">
+      <dgm:prSet loTypeId="urn:microsoft.com/office/officeart/2005/8/layout/orgChart1" loCatId="hierarchy" qsTypeId="urn:microsoft.com/office/officeart/2005/8/quickstyle/simple1" qsCatId="simple" csTypeId="urn:microsoft.com/office/officeart/2005/8/colors/colorful5" csCatId="colorful" phldr="1"/>
+      <dgm:spPr/>
+      <dgm:t>
+        <a:bodyPr/>
+        <a:lstStyle/>
+        <a:p>
+          <a:endParaRPr lang="en-US"/>
+        </a:p>
+      </dgm:t>
+    </dgm:pt>
+    <dgm:pt modelId="{19C3FA2E-DD5F-427E-B5F5-37E21975BC87}">
+      <dgm:prSet phldrT="[Text]"/>
+      <dgm:spPr/>
+      <dgm:t>
+        <a:bodyPr/>
+        <a:lstStyle/>
+        <a:p>
+          <a:r>
+            <a:rPr lang="en-US" dirty="0"/>
+            <a:t>Netlify</a:t>
+          </a:r>
+        </a:p>
+      </dgm:t>
+    </dgm:pt>
+    <dgm:pt modelId="{D33BD54B-4F27-4B1D-BA35-29061D19C040}" type="parTrans" cxnId="{35704D0C-FB8A-4904-A52D-E13C6DB24BB9}">
+      <dgm:prSet/>
+      <dgm:spPr/>
+      <dgm:t>
+        <a:bodyPr/>
+        <a:lstStyle/>
+        <a:p>
+          <a:endParaRPr lang="en-US"/>
+        </a:p>
+      </dgm:t>
+    </dgm:pt>
+    <dgm:pt modelId="{244AB615-14F0-471F-854B-B541D9F9B7C2}" type="sibTrans" cxnId="{35704D0C-FB8A-4904-A52D-E13C6DB24BB9}">
+      <dgm:prSet/>
+      <dgm:spPr/>
+      <dgm:t>
+        <a:bodyPr/>
+        <a:lstStyle/>
+        <a:p>
+          <a:endParaRPr lang="en-US"/>
+        </a:p>
+      </dgm:t>
+    </dgm:pt>
+    <dgm:pt modelId="{72AEE5C7-A963-490D-9B44-C62CD6DBEDE6}">
+      <dgm:prSet phldrT="[Text]"/>
+      <dgm:spPr/>
+      <dgm:t>
+        <a:bodyPr/>
+        <a:lstStyle/>
+        <a:p>
+          <a:r>
+            <a:rPr lang="en-US" dirty="0" err="1"/>
+            <a:t>netlify</a:t>
+          </a:r>
+          <a:endParaRPr lang="en-US" dirty="0"/>
+        </a:p>
+      </dgm:t>
+    </dgm:pt>
+    <dgm:pt modelId="{07E00A41-521D-4E8B-B85D-FCAFAEDCD4BE}" type="parTrans" cxnId="{E0ED2DFF-75A4-4737-9ABB-FAA3D694F088}">
+      <dgm:prSet/>
+      <dgm:spPr/>
+      <dgm:t>
+        <a:bodyPr/>
+        <a:lstStyle/>
+        <a:p>
+          <a:endParaRPr lang="en-US"/>
+        </a:p>
+      </dgm:t>
+    </dgm:pt>
+    <dgm:pt modelId="{169E5C09-8099-4249-81EE-CCB9C55FACB6}" type="sibTrans" cxnId="{E0ED2DFF-75A4-4737-9ABB-FAA3D694F088}">
+      <dgm:prSet/>
+      <dgm:spPr/>
+      <dgm:t>
+        <a:bodyPr/>
+        <a:lstStyle/>
+        <a:p>
+          <a:endParaRPr lang="en-US"/>
+        </a:p>
+      </dgm:t>
+    </dgm:pt>
+    <dgm:pt modelId="{B4CB614C-DA9B-46E5-B271-BC7784DEB33D}">
+      <dgm:prSet phldrT="[Text]"/>
+      <dgm:spPr/>
+      <dgm:t>
+        <a:bodyPr/>
+        <a:lstStyle/>
+        <a:p>
+          <a:r>
+            <a:rPr lang="en-US" dirty="0" err="1"/>
+            <a:t>src</a:t>
+          </a:r>
+          <a:endParaRPr lang="en-US" dirty="0"/>
+        </a:p>
+      </dgm:t>
+    </dgm:pt>
+    <dgm:pt modelId="{61C6CC66-C398-4CA7-85F1-5A850E14984A}" type="parTrans" cxnId="{29E30259-E53B-4C41-944B-18BECCB03AD0}">
+      <dgm:prSet/>
+      <dgm:spPr/>
+      <dgm:t>
+        <a:bodyPr/>
+        <a:lstStyle/>
+        <a:p>
+          <a:endParaRPr lang="en-US"/>
+        </a:p>
+      </dgm:t>
+    </dgm:pt>
+    <dgm:pt modelId="{09477989-E906-4F3B-978D-CCD6CF12B5D3}" type="sibTrans" cxnId="{29E30259-E53B-4C41-944B-18BECCB03AD0}">
+      <dgm:prSet/>
+      <dgm:spPr/>
+      <dgm:t>
+        <a:bodyPr/>
+        <a:lstStyle/>
+        <a:p>
+          <a:endParaRPr lang="en-US"/>
+        </a:p>
+      </dgm:t>
+    </dgm:pt>
+    <dgm:pt modelId="{F83B128D-B38D-4FAA-977A-7F6ECC92A356}">
+      <dgm:prSet phldrT="[Text]"/>
+      <dgm:spPr/>
+      <dgm:t>
+        <a:bodyPr/>
+        <a:lstStyle/>
+        <a:p>
+          <a:r>
+            <a:rPr lang="en-US" dirty="0"/>
+            <a:t>packages</a:t>
+          </a:r>
+        </a:p>
+      </dgm:t>
+    </dgm:pt>
+    <dgm:pt modelId="{23080D89-B673-4351-8019-3BDBE65A08CD}" type="parTrans" cxnId="{AD10C155-E1CE-4D8C-BC86-F7A92E9E7D38}">
+      <dgm:prSet/>
+      <dgm:spPr/>
+      <dgm:t>
+        <a:bodyPr/>
+        <a:lstStyle/>
+        <a:p>
+          <a:endParaRPr lang="en-US"/>
+        </a:p>
+      </dgm:t>
+    </dgm:pt>
+    <dgm:pt modelId="{28A46EE7-4C93-4DA8-90AC-ECAF85405974}" type="sibTrans" cxnId="{AD10C155-E1CE-4D8C-BC86-F7A92E9E7D38}">
+      <dgm:prSet/>
+      <dgm:spPr/>
+      <dgm:t>
+        <a:bodyPr/>
+        <a:lstStyle/>
+        <a:p>
+          <a:endParaRPr lang="en-US"/>
+        </a:p>
+      </dgm:t>
+    </dgm:pt>
+    <dgm:pt modelId="{F52BF9BD-6C19-491B-8642-3F8D1AF19F28}">
+      <dgm:prSet phldrT="[Text]"/>
+      <dgm:spPr/>
+      <dgm:t>
+        <a:bodyPr/>
+        <a:lstStyle/>
+        <a:p>
+          <a:r>
+            <a:rPr lang="en-US"/>
+            <a:t>Project</a:t>
+          </a:r>
+          <a:endParaRPr lang="en-US" dirty="0"/>
+        </a:p>
+      </dgm:t>
+    </dgm:pt>
+    <dgm:pt modelId="{82E755B0-C063-49C6-A738-62A8C2B88DB8}" type="parTrans" cxnId="{6E3CE478-5AFA-4AE5-B151-CA1E20B5A52A}">
+      <dgm:prSet/>
+      <dgm:spPr/>
+      <dgm:t>
+        <a:bodyPr/>
+        <a:lstStyle/>
+        <a:p>
+          <a:endParaRPr lang="en-US"/>
+        </a:p>
+      </dgm:t>
+    </dgm:pt>
+    <dgm:pt modelId="{01F3A225-32E2-43A3-94F6-7CB16A7F783D}" type="sibTrans" cxnId="{6E3CE478-5AFA-4AE5-B151-CA1E20B5A52A}">
+      <dgm:prSet/>
+      <dgm:spPr/>
+      <dgm:t>
+        <a:bodyPr/>
+        <a:lstStyle/>
+        <a:p>
+          <a:endParaRPr lang="en-US"/>
+        </a:p>
+      </dgm:t>
+    </dgm:pt>
+    <dgm:pt modelId="{311BE0BD-172F-4FC6-82DC-15FFF33562C0}" type="pres">
+      <dgm:prSet presAssocID="{A085E5DC-7CD2-4AD3-AB4C-F8C9DDBA65B1}" presName="hierChild1" presStyleCnt="0">
+        <dgm:presLayoutVars>
+          <dgm:orgChart val="1"/>
+          <dgm:chPref val="1"/>
+          <dgm:dir/>
+          <dgm:animOne val="branch"/>
+          <dgm:animLvl val="lvl"/>
+          <dgm:resizeHandles/>
+        </dgm:presLayoutVars>
+      </dgm:prSet>
+      <dgm:spPr/>
+    </dgm:pt>
+    <dgm:pt modelId="{42D8134C-C412-4AB1-9338-FEE543808830}" type="pres">
+      <dgm:prSet presAssocID="{19C3FA2E-DD5F-427E-B5F5-37E21975BC87}" presName="hierRoot1" presStyleCnt="0">
+        <dgm:presLayoutVars>
+          <dgm:hierBranch val="init"/>
+        </dgm:presLayoutVars>
+      </dgm:prSet>
+      <dgm:spPr/>
+    </dgm:pt>
+    <dgm:pt modelId="{54EC4B63-B72C-47E9-990D-CB92178E61D0}" type="pres">
+      <dgm:prSet presAssocID="{19C3FA2E-DD5F-427E-B5F5-37E21975BC87}" presName="rootComposite1" presStyleCnt="0"/>
+      <dgm:spPr/>
+    </dgm:pt>
+    <dgm:pt modelId="{06B596D7-22E2-439C-B3D0-84D9CD319256}" type="pres">
+      <dgm:prSet presAssocID="{19C3FA2E-DD5F-427E-B5F5-37E21975BC87}" presName="rootText1" presStyleLbl="node0" presStyleIdx="0" presStyleCnt="1">
+        <dgm:presLayoutVars>
+          <dgm:chPref val="3"/>
+        </dgm:presLayoutVars>
+      </dgm:prSet>
+      <dgm:spPr/>
+    </dgm:pt>
+    <dgm:pt modelId="{8B26EB27-93E6-4DAD-BA15-DA6A7EEE910A}" type="pres">
+      <dgm:prSet presAssocID="{19C3FA2E-DD5F-427E-B5F5-37E21975BC87}" presName="rootConnector1" presStyleLbl="node1" presStyleIdx="0" presStyleCnt="0"/>
+      <dgm:spPr/>
+    </dgm:pt>
+    <dgm:pt modelId="{4F2589B6-C915-4CB8-BA9A-45A3539E6747}" type="pres">
+      <dgm:prSet presAssocID="{19C3FA2E-DD5F-427E-B5F5-37E21975BC87}" presName="hierChild2" presStyleCnt="0"/>
+      <dgm:spPr/>
+    </dgm:pt>
+    <dgm:pt modelId="{BFFEF618-A211-4A47-9420-4F157D697A10}" type="pres">
+      <dgm:prSet presAssocID="{82E755B0-C063-49C6-A738-62A8C2B88DB8}" presName="Name37" presStyleLbl="parChTrans1D2" presStyleIdx="0" presStyleCnt="1"/>
+      <dgm:spPr/>
+    </dgm:pt>
+    <dgm:pt modelId="{46A5C182-F9EA-4E84-8794-D74CBA9DF7BF}" type="pres">
+      <dgm:prSet presAssocID="{F52BF9BD-6C19-491B-8642-3F8D1AF19F28}" presName="hierRoot2" presStyleCnt="0">
+        <dgm:presLayoutVars>
+          <dgm:hierBranch val="init"/>
+        </dgm:presLayoutVars>
+      </dgm:prSet>
+      <dgm:spPr/>
+    </dgm:pt>
+    <dgm:pt modelId="{0EAA819E-EC03-4EC2-8D3E-DC51753AC644}" type="pres">
+      <dgm:prSet presAssocID="{F52BF9BD-6C19-491B-8642-3F8D1AF19F28}" presName="rootComposite" presStyleCnt="0"/>
+      <dgm:spPr/>
+    </dgm:pt>
+    <dgm:pt modelId="{F5AED42D-C926-4D6F-B8DD-9D4C0E0E2786}" type="pres">
+      <dgm:prSet presAssocID="{F52BF9BD-6C19-491B-8642-3F8D1AF19F28}" presName="rootText" presStyleLbl="node2" presStyleIdx="0" presStyleCnt="1">
+        <dgm:presLayoutVars>
+          <dgm:chPref val="3"/>
+        </dgm:presLayoutVars>
+      </dgm:prSet>
+      <dgm:spPr/>
+    </dgm:pt>
+    <dgm:pt modelId="{BBCE6532-8657-44F8-9829-B2AFDD4A11D7}" type="pres">
+      <dgm:prSet presAssocID="{F52BF9BD-6C19-491B-8642-3F8D1AF19F28}" presName="rootConnector" presStyleLbl="node2" presStyleIdx="0" presStyleCnt="1"/>
+      <dgm:spPr/>
+    </dgm:pt>
+    <dgm:pt modelId="{70EC7C9A-F765-4FFB-AAE6-DACE94C1A7B2}" type="pres">
+      <dgm:prSet presAssocID="{F52BF9BD-6C19-491B-8642-3F8D1AF19F28}" presName="hierChild4" presStyleCnt="0"/>
+      <dgm:spPr/>
+    </dgm:pt>
+    <dgm:pt modelId="{7E1D7641-A71B-4930-A840-54CD38826BD1}" type="pres">
+      <dgm:prSet presAssocID="{07E00A41-521D-4E8B-B85D-FCAFAEDCD4BE}" presName="Name37" presStyleLbl="parChTrans1D3" presStyleIdx="0" presStyleCnt="3"/>
+      <dgm:spPr/>
+    </dgm:pt>
+    <dgm:pt modelId="{26CA19C3-203B-430D-AC12-250778E3FADE}" type="pres">
+      <dgm:prSet presAssocID="{72AEE5C7-A963-490D-9B44-C62CD6DBEDE6}" presName="hierRoot2" presStyleCnt="0">
+        <dgm:presLayoutVars>
+          <dgm:hierBranch val="init"/>
+        </dgm:presLayoutVars>
+      </dgm:prSet>
+      <dgm:spPr/>
+    </dgm:pt>
+    <dgm:pt modelId="{4EAEEE27-8745-454E-8C62-DF9C8C11A71D}" type="pres">
+      <dgm:prSet presAssocID="{72AEE5C7-A963-490D-9B44-C62CD6DBEDE6}" presName="rootComposite" presStyleCnt="0"/>
+      <dgm:spPr/>
+    </dgm:pt>
+    <dgm:pt modelId="{EB235F00-0E1C-4BB5-88A1-A2825E61ED0E}" type="pres">
+      <dgm:prSet presAssocID="{72AEE5C7-A963-490D-9B44-C62CD6DBEDE6}" presName="rootText" presStyleLbl="node3" presStyleIdx="0" presStyleCnt="3">
+        <dgm:presLayoutVars>
+          <dgm:chPref val="3"/>
+        </dgm:presLayoutVars>
+      </dgm:prSet>
+      <dgm:spPr/>
+    </dgm:pt>
+    <dgm:pt modelId="{27E4A555-7F5F-45A0-A56F-C1E69A1ADF6F}" type="pres">
+      <dgm:prSet presAssocID="{72AEE5C7-A963-490D-9B44-C62CD6DBEDE6}" presName="rootConnector" presStyleLbl="node3" presStyleIdx="0" presStyleCnt="3"/>
+      <dgm:spPr/>
+    </dgm:pt>
+    <dgm:pt modelId="{FB57FDE8-32E3-499A-8F70-0ABE3B8A0D25}" type="pres">
+      <dgm:prSet presAssocID="{72AEE5C7-A963-490D-9B44-C62CD6DBEDE6}" presName="hierChild4" presStyleCnt="0"/>
+      <dgm:spPr/>
+    </dgm:pt>
+    <dgm:pt modelId="{362533AB-6208-4A2D-A075-16034090C7E7}" type="pres">
+      <dgm:prSet presAssocID="{72AEE5C7-A963-490D-9B44-C62CD6DBEDE6}" presName="hierChild5" presStyleCnt="0"/>
+      <dgm:spPr/>
+    </dgm:pt>
+    <dgm:pt modelId="{3A203595-47BE-4BD3-ABF1-5AC3C2653FE0}" type="pres">
+      <dgm:prSet presAssocID="{61C6CC66-C398-4CA7-85F1-5A850E14984A}" presName="Name37" presStyleLbl="parChTrans1D3" presStyleIdx="1" presStyleCnt="3"/>
+      <dgm:spPr/>
+    </dgm:pt>
+    <dgm:pt modelId="{FA74C9AE-8D71-4254-BA3C-690FE89CC51A}" type="pres">
+      <dgm:prSet presAssocID="{B4CB614C-DA9B-46E5-B271-BC7784DEB33D}" presName="hierRoot2" presStyleCnt="0">
+        <dgm:presLayoutVars>
+          <dgm:hierBranch val="init"/>
+        </dgm:presLayoutVars>
+      </dgm:prSet>
+      <dgm:spPr/>
+    </dgm:pt>
+    <dgm:pt modelId="{E35DAFC9-42C4-4899-92DF-F3C16CB021E0}" type="pres">
+      <dgm:prSet presAssocID="{B4CB614C-DA9B-46E5-B271-BC7784DEB33D}" presName="rootComposite" presStyleCnt="0"/>
+      <dgm:spPr/>
+    </dgm:pt>
+    <dgm:pt modelId="{2175EDA4-CDAB-4E70-A75E-6FC273A49A96}" type="pres">
+      <dgm:prSet presAssocID="{B4CB614C-DA9B-46E5-B271-BC7784DEB33D}" presName="rootText" presStyleLbl="node3" presStyleIdx="1" presStyleCnt="3">
+        <dgm:presLayoutVars>
+          <dgm:chPref val="3"/>
+        </dgm:presLayoutVars>
+      </dgm:prSet>
+      <dgm:spPr/>
+    </dgm:pt>
+    <dgm:pt modelId="{067DE77C-214A-4B30-8D69-D751B9D43073}" type="pres">
+      <dgm:prSet presAssocID="{B4CB614C-DA9B-46E5-B271-BC7784DEB33D}" presName="rootConnector" presStyleLbl="node3" presStyleIdx="1" presStyleCnt="3"/>
+      <dgm:spPr/>
+    </dgm:pt>
+    <dgm:pt modelId="{198FDD66-41DF-471C-BE87-7F58ACF8E217}" type="pres">
+      <dgm:prSet presAssocID="{B4CB614C-DA9B-46E5-B271-BC7784DEB33D}" presName="hierChild4" presStyleCnt="0"/>
+      <dgm:spPr/>
+    </dgm:pt>
+    <dgm:pt modelId="{1D64231D-4890-4CE6-84D7-D1F9C2B6EE30}" type="pres">
+      <dgm:prSet presAssocID="{B4CB614C-DA9B-46E5-B271-BC7784DEB33D}" presName="hierChild5" presStyleCnt="0"/>
+      <dgm:spPr/>
+    </dgm:pt>
+    <dgm:pt modelId="{5967BA27-85C9-44AC-B854-F0DDC324F58C}" type="pres">
+      <dgm:prSet presAssocID="{23080D89-B673-4351-8019-3BDBE65A08CD}" presName="Name37" presStyleLbl="parChTrans1D3" presStyleIdx="2" presStyleCnt="3"/>
+      <dgm:spPr/>
+    </dgm:pt>
+    <dgm:pt modelId="{11A5D108-B583-413F-9C42-A9FF66B242C2}" type="pres">
+      <dgm:prSet presAssocID="{F83B128D-B38D-4FAA-977A-7F6ECC92A356}" presName="hierRoot2" presStyleCnt="0">
+        <dgm:presLayoutVars>
+          <dgm:hierBranch val="init"/>
+        </dgm:presLayoutVars>
+      </dgm:prSet>
+      <dgm:spPr/>
+    </dgm:pt>
+    <dgm:pt modelId="{63046A70-2668-4BE6-A276-DFA78270F5B0}" type="pres">
+      <dgm:prSet presAssocID="{F83B128D-B38D-4FAA-977A-7F6ECC92A356}" presName="rootComposite" presStyleCnt="0"/>
+      <dgm:spPr/>
+    </dgm:pt>
+    <dgm:pt modelId="{5524E993-1FD9-47E7-91F3-28A5CAA909A2}" type="pres">
+      <dgm:prSet presAssocID="{F83B128D-B38D-4FAA-977A-7F6ECC92A356}" presName="rootText" presStyleLbl="node3" presStyleIdx="2" presStyleCnt="3">
+        <dgm:presLayoutVars>
+          <dgm:chPref val="3"/>
+        </dgm:presLayoutVars>
+      </dgm:prSet>
+      <dgm:spPr/>
+    </dgm:pt>
+    <dgm:pt modelId="{9AF6182F-87DB-499F-93F2-376D1427849F}" type="pres">
+      <dgm:prSet presAssocID="{F83B128D-B38D-4FAA-977A-7F6ECC92A356}" presName="rootConnector" presStyleLbl="node3" presStyleIdx="2" presStyleCnt="3"/>
+      <dgm:spPr/>
+    </dgm:pt>
+    <dgm:pt modelId="{3C11C373-AB71-41AE-9230-FDBE027FED1F}" type="pres">
+      <dgm:prSet presAssocID="{F83B128D-B38D-4FAA-977A-7F6ECC92A356}" presName="hierChild4" presStyleCnt="0"/>
+      <dgm:spPr/>
+    </dgm:pt>
+    <dgm:pt modelId="{2CF10CF2-0139-4166-9954-329CE089407A}" type="pres">
+      <dgm:prSet presAssocID="{F83B128D-B38D-4FAA-977A-7F6ECC92A356}" presName="hierChild5" presStyleCnt="0"/>
+      <dgm:spPr/>
+    </dgm:pt>
+    <dgm:pt modelId="{CB100896-FD57-4EE6-B940-FCDD87EC105F}" type="pres">
+      <dgm:prSet presAssocID="{F52BF9BD-6C19-491B-8642-3F8D1AF19F28}" presName="hierChild5" presStyleCnt="0"/>
+      <dgm:spPr/>
+    </dgm:pt>
+    <dgm:pt modelId="{454B56D4-62B4-467F-8F73-602C5055AB73}" type="pres">
+      <dgm:prSet presAssocID="{19C3FA2E-DD5F-427E-B5F5-37E21975BC87}" presName="hierChild3" presStyleCnt="0"/>
+      <dgm:spPr/>
+    </dgm:pt>
+  </dgm:ptLst>
+  <dgm:cxnLst>
+    <dgm:cxn modelId="{1EC82103-56DC-46CF-ABFF-A7DC97D035B1}" type="presOf" srcId="{F52BF9BD-6C19-491B-8642-3F8D1AF19F28}" destId="{F5AED42D-C926-4D6F-B8DD-9D4C0E0E2786}" srcOrd="0" destOrd="0" presId="urn:microsoft.com/office/officeart/2005/8/layout/orgChart1"/>
+    <dgm:cxn modelId="{35704D0C-FB8A-4904-A52D-E13C6DB24BB9}" srcId="{A085E5DC-7CD2-4AD3-AB4C-F8C9DDBA65B1}" destId="{19C3FA2E-DD5F-427E-B5F5-37E21975BC87}" srcOrd="0" destOrd="0" parTransId="{D33BD54B-4F27-4B1D-BA35-29061D19C040}" sibTransId="{244AB615-14F0-471F-854B-B541D9F9B7C2}"/>
+    <dgm:cxn modelId="{546D550E-3F82-4CB1-A84A-2247B34ADD45}" type="presOf" srcId="{61C6CC66-C398-4CA7-85F1-5A850E14984A}" destId="{3A203595-47BE-4BD3-ABF1-5AC3C2653FE0}" srcOrd="0" destOrd="0" presId="urn:microsoft.com/office/officeart/2005/8/layout/orgChart1"/>
+    <dgm:cxn modelId="{E675AA15-A7D3-4CB1-B1E8-37443215F9B9}" type="presOf" srcId="{F83B128D-B38D-4FAA-977A-7F6ECC92A356}" destId="{9AF6182F-87DB-499F-93F2-376D1427849F}" srcOrd="1" destOrd="0" presId="urn:microsoft.com/office/officeart/2005/8/layout/orgChart1"/>
+    <dgm:cxn modelId="{9A83E825-7B30-4B2C-B88D-A37A059FD667}" type="presOf" srcId="{B4CB614C-DA9B-46E5-B271-BC7784DEB33D}" destId="{2175EDA4-CDAB-4E70-A75E-6FC273A49A96}" srcOrd="0" destOrd="0" presId="urn:microsoft.com/office/officeart/2005/8/layout/orgChart1"/>
+    <dgm:cxn modelId="{4507B430-FAF8-4191-BF2D-D1EB6645304B}" type="presOf" srcId="{07E00A41-521D-4E8B-B85D-FCAFAEDCD4BE}" destId="{7E1D7641-A71B-4930-A840-54CD38826BD1}" srcOrd="0" destOrd="0" presId="urn:microsoft.com/office/officeart/2005/8/layout/orgChart1"/>
+    <dgm:cxn modelId="{5DE64E35-3A62-4580-89AE-FFA8F2EB1D18}" type="presOf" srcId="{23080D89-B673-4351-8019-3BDBE65A08CD}" destId="{5967BA27-85C9-44AC-B854-F0DDC324F58C}" srcOrd="0" destOrd="0" presId="urn:microsoft.com/office/officeart/2005/8/layout/orgChart1"/>
+    <dgm:cxn modelId="{AE550D5C-798E-456B-9457-FB464FA2B7AA}" type="presOf" srcId="{B4CB614C-DA9B-46E5-B271-BC7784DEB33D}" destId="{067DE77C-214A-4B30-8D69-D751B9D43073}" srcOrd="1" destOrd="0" presId="urn:microsoft.com/office/officeart/2005/8/layout/orgChart1"/>
+    <dgm:cxn modelId="{92C99442-4C5D-488A-BD94-4072E4D66DF2}" type="presOf" srcId="{72AEE5C7-A963-490D-9B44-C62CD6DBEDE6}" destId="{EB235F00-0E1C-4BB5-88A1-A2825E61ED0E}" srcOrd="0" destOrd="0" presId="urn:microsoft.com/office/officeart/2005/8/layout/orgChart1"/>
+    <dgm:cxn modelId="{1A96A86B-405E-4959-85A7-C1A593404C1C}" type="presOf" srcId="{F83B128D-B38D-4FAA-977A-7F6ECC92A356}" destId="{5524E993-1FD9-47E7-91F3-28A5CAA909A2}" srcOrd="0" destOrd="0" presId="urn:microsoft.com/office/officeart/2005/8/layout/orgChart1"/>
+    <dgm:cxn modelId="{AD10C155-E1CE-4D8C-BC86-F7A92E9E7D38}" srcId="{F52BF9BD-6C19-491B-8642-3F8D1AF19F28}" destId="{F83B128D-B38D-4FAA-977A-7F6ECC92A356}" srcOrd="2" destOrd="0" parTransId="{23080D89-B673-4351-8019-3BDBE65A08CD}" sibTransId="{28A46EE7-4C93-4DA8-90AC-ECAF85405974}"/>
+    <dgm:cxn modelId="{6E3CE478-5AFA-4AE5-B151-CA1E20B5A52A}" srcId="{19C3FA2E-DD5F-427E-B5F5-37E21975BC87}" destId="{F52BF9BD-6C19-491B-8642-3F8D1AF19F28}" srcOrd="0" destOrd="0" parTransId="{82E755B0-C063-49C6-A738-62A8C2B88DB8}" sibTransId="{01F3A225-32E2-43A3-94F6-7CB16A7F783D}"/>
+    <dgm:cxn modelId="{29E30259-E53B-4C41-944B-18BECCB03AD0}" srcId="{F52BF9BD-6C19-491B-8642-3F8D1AF19F28}" destId="{B4CB614C-DA9B-46E5-B271-BC7784DEB33D}" srcOrd="1" destOrd="0" parTransId="{61C6CC66-C398-4CA7-85F1-5A850E14984A}" sibTransId="{09477989-E906-4F3B-978D-CCD6CF12B5D3}"/>
+    <dgm:cxn modelId="{486AD39B-C3AF-4456-8826-5944CFCBB5FB}" type="presOf" srcId="{A085E5DC-7CD2-4AD3-AB4C-F8C9DDBA65B1}" destId="{311BE0BD-172F-4FC6-82DC-15FFF33562C0}" srcOrd="0" destOrd="0" presId="urn:microsoft.com/office/officeart/2005/8/layout/orgChart1"/>
+    <dgm:cxn modelId="{F121F09B-1274-40CC-92B7-B2E6F16B034B}" type="presOf" srcId="{72AEE5C7-A963-490D-9B44-C62CD6DBEDE6}" destId="{27E4A555-7F5F-45A0-A56F-C1E69A1ADF6F}" srcOrd="1" destOrd="0" presId="urn:microsoft.com/office/officeart/2005/8/layout/orgChart1"/>
+    <dgm:cxn modelId="{966BE2A4-AF28-4085-92A8-CB0B0728B9B5}" type="presOf" srcId="{19C3FA2E-DD5F-427E-B5F5-37E21975BC87}" destId="{06B596D7-22E2-439C-B3D0-84D9CD319256}" srcOrd="0" destOrd="0" presId="urn:microsoft.com/office/officeart/2005/8/layout/orgChart1"/>
+    <dgm:cxn modelId="{66D84AC7-E989-4809-8338-0A12D0AA64E5}" type="presOf" srcId="{19C3FA2E-DD5F-427E-B5F5-37E21975BC87}" destId="{8B26EB27-93E6-4DAD-BA15-DA6A7EEE910A}" srcOrd="1" destOrd="0" presId="urn:microsoft.com/office/officeart/2005/8/layout/orgChart1"/>
+    <dgm:cxn modelId="{E410E3D7-C709-4F55-A6DA-B46E2E82258B}" type="presOf" srcId="{F52BF9BD-6C19-491B-8642-3F8D1AF19F28}" destId="{BBCE6532-8657-44F8-9829-B2AFDD4A11D7}" srcOrd="1" destOrd="0" presId="urn:microsoft.com/office/officeart/2005/8/layout/orgChart1"/>
+    <dgm:cxn modelId="{E0ED2DFF-75A4-4737-9ABB-FAA3D694F088}" srcId="{F52BF9BD-6C19-491B-8642-3F8D1AF19F28}" destId="{72AEE5C7-A963-490D-9B44-C62CD6DBEDE6}" srcOrd="0" destOrd="0" parTransId="{07E00A41-521D-4E8B-B85D-FCAFAEDCD4BE}" sibTransId="{169E5C09-8099-4249-81EE-CCB9C55FACB6}"/>
+    <dgm:cxn modelId="{000C3BFF-BAAE-4503-92D8-0C885FADCD30}" type="presOf" srcId="{82E755B0-C063-49C6-A738-62A8C2B88DB8}" destId="{BFFEF618-A211-4A47-9420-4F157D697A10}" srcOrd="0" destOrd="0" presId="urn:microsoft.com/office/officeart/2005/8/layout/orgChart1"/>
+    <dgm:cxn modelId="{FECB9FEF-355B-48E0-8512-151A03B5704A}" type="presParOf" srcId="{311BE0BD-172F-4FC6-82DC-15FFF33562C0}" destId="{42D8134C-C412-4AB1-9338-FEE543808830}" srcOrd="0" destOrd="0" presId="urn:microsoft.com/office/officeart/2005/8/layout/orgChart1"/>
+    <dgm:cxn modelId="{2C97A297-B43E-490B-A926-5DCB718775FD}" type="presParOf" srcId="{42D8134C-C412-4AB1-9338-FEE543808830}" destId="{54EC4B63-B72C-47E9-990D-CB92178E61D0}" srcOrd="0" destOrd="0" presId="urn:microsoft.com/office/officeart/2005/8/layout/orgChart1"/>
+    <dgm:cxn modelId="{3675B386-5ED0-4055-8EE9-B25FFCECE878}" type="presParOf" srcId="{54EC4B63-B72C-47E9-990D-CB92178E61D0}" destId="{06B596D7-22E2-439C-B3D0-84D9CD319256}" srcOrd="0" destOrd="0" presId="urn:microsoft.com/office/officeart/2005/8/layout/orgChart1"/>
+    <dgm:cxn modelId="{A1CE1CEE-F052-45C7-A78F-4E01B7B8CFB0}" type="presParOf" srcId="{54EC4B63-B72C-47E9-990D-CB92178E61D0}" destId="{8B26EB27-93E6-4DAD-BA15-DA6A7EEE910A}" srcOrd="1" destOrd="0" presId="urn:microsoft.com/office/officeart/2005/8/layout/orgChart1"/>
+    <dgm:cxn modelId="{940C94A5-44DA-45D5-86FF-784B1C446CA8}" type="presParOf" srcId="{42D8134C-C412-4AB1-9338-FEE543808830}" destId="{4F2589B6-C915-4CB8-BA9A-45A3539E6747}" srcOrd="1" destOrd="0" presId="urn:microsoft.com/office/officeart/2005/8/layout/orgChart1"/>
+    <dgm:cxn modelId="{E45F4031-7CEF-40F6-80E8-EB9AD4F3A21C}" type="presParOf" srcId="{4F2589B6-C915-4CB8-BA9A-45A3539E6747}" destId="{BFFEF618-A211-4A47-9420-4F157D697A10}" srcOrd="0" destOrd="0" presId="urn:microsoft.com/office/officeart/2005/8/layout/orgChart1"/>
+    <dgm:cxn modelId="{2D4BAE0A-D1D7-4D6D-9052-22E4359081C4}" type="presParOf" srcId="{4F2589B6-C915-4CB8-BA9A-45A3539E6747}" destId="{46A5C182-F9EA-4E84-8794-D74CBA9DF7BF}" srcOrd="1" destOrd="0" presId="urn:microsoft.com/office/officeart/2005/8/layout/orgChart1"/>
+    <dgm:cxn modelId="{B4A8AC7C-010F-458A-826A-369A1CC7451F}" type="presParOf" srcId="{46A5C182-F9EA-4E84-8794-D74CBA9DF7BF}" destId="{0EAA819E-EC03-4EC2-8D3E-DC51753AC644}" srcOrd="0" destOrd="0" presId="urn:microsoft.com/office/officeart/2005/8/layout/orgChart1"/>
+    <dgm:cxn modelId="{FC43C3B9-52C0-4375-BF9F-D0AD29A7AED2}" type="presParOf" srcId="{0EAA819E-EC03-4EC2-8D3E-DC51753AC644}" destId="{F5AED42D-C926-4D6F-B8DD-9D4C0E0E2786}" srcOrd="0" destOrd="0" presId="urn:microsoft.com/office/officeart/2005/8/layout/orgChart1"/>
+    <dgm:cxn modelId="{7A3CB5F3-8F59-4C28-9BBB-BC987E80503D}" type="presParOf" srcId="{0EAA819E-EC03-4EC2-8D3E-DC51753AC644}" destId="{BBCE6532-8657-44F8-9829-B2AFDD4A11D7}" srcOrd="1" destOrd="0" presId="urn:microsoft.com/office/officeart/2005/8/layout/orgChart1"/>
+    <dgm:cxn modelId="{A538A76B-8177-4676-8BF8-61B3D886F904}" type="presParOf" srcId="{46A5C182-F9EA-4E84-8794-D74CBA9DF7BF}" destId="{70EC7C9A-F765-4FFB-AAE6-DACE94C1A7B2}" srcOrd="1" destOrd="0" presId="urn:microsoft.com/office/officeart/2005/8/layout/orgChart1"/>
+    <dgm:cxn modelId="{169C01FF-06D9-42A6-B736-CC341649E45D}" type="presParOf" srcId="{70EC7C9A-F765-4FFB-AAE6-DACE94C1A7B2}" destId="{7E1D7641-A71B-4930-A840-54CD38826BD1}" srcOrd="0" destOrd="0" presId="urn:microsoft.com/office/officeart/2005/8/layout/orgChart1"/>
+    <dgm:cxn modelId="{0CC65357-5E9C-48D5-BC09-E811BD7538CC}" type="presParOf" srcId="{70EC7C9A-F765-4FFB-AAE6-DACE94C1A7B2}" destId="{26CA19C3-203B-430D-AC12-250778E3FADE}" srcOrd="1" destOrd="0" presId="urn:microsoft.com/office/officeart/2005/8/layout/orgChart1"/>
+    <dgm:cxn modelId="{8FF37F71-670F-434E-B18F-2ACE31F660AC}" type="presParOf" srcId="{26CA19C3-203B-430D-AC12-250778E3FADE}" destId="{4EAEEE27-8745-454E-8C62-DF9C8C11A71D}" srcOrd="0" destOrd="0" presId="urn:microsoft.com/office/officeart/2005/8/layout/orgChart1"/>
+    <dgm:cxn modelId="{6ACED10E-850E-485B-908A-96B92623FEED}" type="presParOf" srcId="{4EAEEE27-8745-454E-8C62-DF9C8C11A71D}" destId="{EB235F00-0E1C-4BB5-88A1-A2825E61ED0E}" srcOrd="0" destOrd="0" presId="urn:microsoft.com/office/officeart/2005/8/layout/orgChart1"/>
+    <dgm:cxn modelId="{F715C013-6907-4BF5-AD21-DB6EFCDBF440}" type="presParOf" srcId="{4EAEEE27-8745-454E-8C62-DF9C8C11A71D}" destId="{27E4A555-7F5F-45A0-A56F-C1E69A1ADF6F}" srcOrd="1" destOrd="0" presId="urn:microsoft.com/office/officeart/2005/8/layout/orgChart1"/>
+    <dgm:cxn modelId="{D9C9D417-402C-4CF5-83FC-7B976CD92F57}" type="presParOf" srcId="{26CA19C3-203B-430D-AC12-250778E3FADE}" destId="{FB57FDE8-32E3-499A-8F70-0ABE3B8A0D25}" srcOrd="1" destOrd="0" presId="urn:microsoft.com/office/officeart/2005/8/layout/orgChart1"/>
+    <dgm:cxn modelId="{15A5F13D-7140-401B-A16F-6455746E26D6}" type="presParOf" srcId="{26CA19C3-203B-430D-AC12-250778E3FADE}" destId="{362533AB-6208-4A2D-A075-16034090C7E7}" srcOrd="2" destOrd="0" presId="urn:microsoft.com/office/officeart/2005/8/layout/orgChart1"/>
+    <dgm:cxn modelId="{8976939E-561D-4744-8481-CBD826090E71}" type="presParOf" srcId="{70EC7C9A-F765-4FFB-AAE6-DACE94C1A7B2}" destId="{3A203595-47BE-4BD3-ABF1-5AC3C2653FE0}" srcOrd="2" destOrd="0" presId="urn:microsoft.com/office/officeart/2005/8/layout/orgChart1"/>
+    <dgm:cxn modelId="{CF55FF2D-E848-46F7-9275-CFA3002C7B89}" type="presParOf" srcId="{70EC7C9A-F765-4FFB-AAE6-DACE94C1A7B2}" destId="{FA74C9AE-8D71-4254-BA3C-690FE89CC51A}" srcOrd="3" destOrd="0" presId="urn:microsoft.com/office/officeart/2005/8/layout/orgChart1"/>
+    <dgm:cxn modelId="{14C843B6-1E12-4A11-9626-DD90303A60D0}" type="presParOf" srcId="{FA74C9AE-8D71-4254-BA3C-690FE89CC51A}" destId="{E35DAFC9-42C4-4899-92DF-F3C16CB021E0}" srcOrd="0" destOrd="0" presId="urn:microsoft.com/office/officeart/2005/8/layout/orgChart1"/>
+    <dgm:cxn modelId="{3F2CCAD3-716E-416C-9E8B-211615FA09C4}" type="presParOf" srcId="{E35DAFC9-42C4-4899-92DF-F3C16CB021E0}" destId="{2175EDA4-CDAB-4E70-A75E-6FC273A49A96}" srcOrd="0" destOrd="0" presId="urn:microsoft.com/office/officeart/2005/8/layout/orgChart1"/>
+    <dgm:cxn modelId="{E284DE9A-1F58-45E3-BB10-D8C3D9C9C776}" type="presParOf" srcId="{E35DAFC9-42C4-4899-92DF-F3C16CB021E0}" destId="{067DE77C-214A-4B30-8D69-D751B9D43073}" srcOrd="1" destOrd="0" presId="urn:microsoft.com/office/officeart/2005/8/layout/orgChart1"/>
+    <dgm:cxn modelId="{378E8D6E-F93C-4177-BD54-CC2472E6A1B0}" type="presParOf" srcId="{FA74C9AE-8D71-4254-BA3C-690FE89CC51A}" destId="{198FDD66-41DF-471C-BE87-7F58ACF8E217}" srcOrd="1" destOrd="0" presId="urn:microsoft.com/office/officeart/2005/8/layout/orgChart1"/>
+    <dgm:cxn modelId="{AC63FCD1-2795-411D-80BD-833F3ED20F8F}" type="presParOf" srcId="{FA74C9AE-8D71-4254-BA3C-690FE89CC51A}" destId="{1D64231D-4890-4CE6-84D7-D1F9C2B6EE30}" srcOrd="2" destOrd="0" presId="urn:microsoft.com/office/officeart/2005/8/layout/orgChart1"/>
+    <dgm:cxn modelId="{5A205239-8343-4000-8E0B-3D163986DEFC}" type="presParOf" srcId="{70EC7C9A-F765-4FFB-AAE6-DACE94C1A7B2}" destId="{5967BA27-85C9-44AC-B854-F0DDC324F58C}" srcOrd="4" destOrd="0" presId="urn:microsoft.com/office/officeart/2005/8/layout/orgChart1"/>
+    <dgm:cxn modelId="{E9BC43EC-0357-446B-9666-6665F4DE7C5D}" type="presParOf" srcId="{70EC7C9A-F765-4FFB-AAE6-DACE94C1A7B2}" destId="{11A5D108-B583-413F-9C42-A9FF66B242C2}" srcOrd="5" destOrd="0" presId="urn:microsoft.com/office/officeart/2005/8/layout/orgChart1"/>
+    <dgm:cxn modelId="{F3D895CA-FA1B-47F4-ABB2-CAB978224799}" type="presParOf" srcId="{11A5D108-B583-413F-9C42-A9FF66B242C2}" destId="{63046A70-2668-4BE6-A276-DFA78270F5B0}" srcOrd="0" destOrd="0" presId="urn:microsoft.com/office/officeart/2005/8/layout/orgChart1"/>
+    <dgm:cxn modelId="{F8E66CBD-EC06-4E1D-872E-F1AD75ABA0CD}" type="presParOf" srcId="{63046A70-2668-4BE6-A276-DFA78270F5B0}" destId="{5524E993-1FD9-47E7-91F3-28A5CAA909A2}" srcOrd="0" destOrd="0" presId="urn:microsoft.com/office/officeart/2005/8/layout/orgChart1"/>
+    <dgm:cxn modelId="{89DDAF4A-6DBA-4FE0-8BEC-FC26DF1A0567}" type="presParOf" srcId="{63046A70-2668-4BE6-A276-DFA78270F5B0}" destId="{9AF6182F-87DB-499F-93F2-376D1427849F}" srcOrd="1" destOrd="0" presId="urn:microsoft.com/office/officeart/2005/8/layout/orgChart1"/>
+    <dgm:cxn modelId="{71562497-996A-4854-92D8-A3CD2365E6D7}" type="presParOf" srcId="{11A5D108-B583-413F-9C42-A9FF66B242C2}" destId="{3C11C373-AB71-41AE-9230-FDBE027FED1F}" srcOrd="1" destOrd="0" presId="urn:microsoft.com/office/officeart/2005/8/layout/orgChart1"/>
+    <dgm:cxn modelId="{14750A1F-431A-4B19-BCE2-D872F71414F6}" type="presParOf" srcId="{11A5D108-B583-413F-9C42-A9FF66B242C2}" destId="{2CF10CF2-0139-4166-9954-329CE089407A}" srcOrd="2" destOrd="0" presId="urn:microsoft.com/office/officeart/2005/8/layout/orgChart1"/>
+    <dgm:cxn modelId="{17914BA5-0E3A-4F44-AA33-5A06C8E0DB69}" type="presParOf" srcId="{46A5C182-F9EA-4E84-8794-D74CBA9DF7BF}" destId="{CB100896-FD57-4EE6-B940-FCDD87EC105F}" srcOrd="2" destOrd="0" presId="urn:microsoft.com/office/officeart/2005/8/layout/orgChart1"/>
+    <dgm:cxn modelId="{45D1116B-CE05-4591-AADB-ECDC8C8CFADC}" type="presParOf" srcId="{42D8134C-C412-4AB1-9338-FEE543808830}" destId="{454B56D4-62B4-467F-8F73-602C5055AB73}" srcOrd="2" destOrd="0" presId="urn:microsoft.com/office/officeart/2005/8/layout/orgChart1"/>
+  </dgm:cxnLst>
+  <dgm:bg/>
+  <dgm:whole/>
+  <dgm:extLst>
+    <a:ext uri="http://schemas.microsoft.com/office/drawing/2008/diagram">
+      <dsp:dataModelExt xmlns:dsp="http://schemas.microsoft.com/office/drawing/2008/diagram" relId="rId7" minVer="http://schemas.openxmlformats.org/drawingml/2006/diagram"/>
+    </a:ext>
+  </dgm:extLst>
+</dgm:dataModel>
+</file>
+
+<file path=ppt/diagrams/data3.xml><?xml version="1.0" encoding="utf-8"?>
 <dgm:dataModel xmlns:dgm="http://schemas.openxmlformats.org/drawingml/2006/diagram" xmlns:a="http://schemas.openxmlformats.org/drawingml/2006/main">
   <dgm:ptLst>
     <dgm:pt modelId="{8F1896C6-2D54-494F-87CD-C0F1FAFD933D}" type="doc">
@@ -3077,6 +4319,640 @@
 </file>
 
 <file path=ppt/diagrams/drawing2.xml><?xml version="1.0" encoding="utf-8"?>
+<dsp:drawing xmlns:dgm="http://schemas.openxmlformats.org/drawingml/2006/diagram" xmlns:dsp="http://schemas.microsoft.com/office/drawing/2008/diagram" xmlns:a="http://schemas.openxmlformats.org/drawingml/2006/main">
+  <dsp:spTree>
+    <dsp:nvGrpSpPr>
+      <dsp:cNvPr id="0" name=""/>
+      <dsp:cNvGrpSpPr/>
+    </dsp:nvGrpSpPr>
+    <dsp:grpSpPr/>
+    <dsp:sp modelId="{5967BA27-85C9-44AC-B854-F0DDC324F58C}">
+      <dsp:nvSpPr>
+        <dsp:cNvPr id="0" name=""/>
+        <dsp:cNvSpPr/>
+      </dsp:nvSpPr>
+      <dsp:spPr>
+        <a:xfrm>
+          <a:off x="3212331" y="1963109"/>
+          <a:ext cx="243333" cy="3049785"/>
+        </a:xfrm>
+        <a:custGeom>
+          <a:avLst/>
+          <a:gdLst/>
+          <a:ahLst/>
+          <a:cxnLst/>
+          <a:rect l="0" t="0" r="0" b="0"/>
+          <a:pathLst>
+            <a:path>
+              <a:moveTo>
+                <a:pt x="0" y="0"/>
+              </a:moveTo>
+              <a:lnTo>
+                <a:pt x="0" y="3049785"/>
+              </a:lnTo>
+              <a:lnTo>
+                <a:pt x="243333" y="3049785"/>
+              </a:lnTo>
+            </a:path>
+          </a:pathLst>
+        </a:custGeom>
+        <a:noFill/>
+        <a:ln w="12700" cap="flat" cmpd="sng" algn="ctr">
+          <a:solidFill>
+            <a:schemeClr val="accent1">
+              <a:hueOff val="0"/>
+              <a:satOff val="0"/>
+              <a:lumOff val="0"/>
+              <a:alphaOff val="0"/>
+            </a:schemeClr>
+          </a:solidFill>
+          <a:prstDash val="solid"/>
+          <a:miter lim="800000"/>
+        </a:ln>
+        <a:effectLst/>
+      </dsp:spPr>
+      <dsp:style>
+        <a:lnRef idx="2">
+          <a:scrgbClr r="0" g="0" b="0"/>
+        </a:lnRef>
+        <a:fillRef idx="0">
+          <a:scrgbClr r="0" g="0" b="0"/>
+        </a:fillRef>
+        <a:effectRef idx="0">
+          <a:scrgbClr r="0" g="0" b="0"/>
+        </a:effectRef>
+        <a:fontRef idx="minor"/>
+      </dsp:style>
+    </dsp:sp>
+    <dsp:sp modelId="{3A203595-47BE-4BD3-ABF1-5AC3C2653FE0}">
+      <dsp:nvSpPr>
+        <dsp:cNvPr id="0" name=""/>
+        <dsp:cNvSpPr/>
+      </dsp:nvSpPr>
+      <dsp:spPr>
+        <a:xfrm>
+          <a:off x="3212331" y="1963109"/>
+          <a:ext cx="243333" cy="1898005"/>
+        </a:xfrm>
+        <a:custGeom>
+          <a:avLst/>
+          <a:gdLst/>
+          <a:ahLst/>
+          <a:cxnLst/>
+          <a:rect l="0" t="0" r="0" b="0"/>
+          <a:pathLst>
+            <a:path>
+              <a:moveTo>
+                <a:pt x="0" y="0"/>
+              </a:moveTo>
+              <a:lnTo>
+                <a:pt x="0" y="1898005"/>
+              </a:lnTo>
+              <a:lnTo>
+                <a:pt x="243333" y="1898005"/>
+              </a:lnTo>
+            </a:path>
+          </a:pathLst>
+        </a:custGeom>
+        <a:noFill/>
+        <a:ln w="12700" cap="flat" cmpd="sng" algn="ctr">
+          <a:solidFill>
+            <a:schemeClr val="accent1">
+              <a:hueOff val="0"/>
+              <a:satOff val="0"/>
+              <a:lumOff val="0"/>
+              <a:alphaOff val="0"/>
+            </a:schemeClr>
+          </a:solidFill>
+          <a:prstDash val="solid"/>
+          <a:miter lim="800000"/>
+        </a:ln>
+        <a:effectLst/>
+      </dsp:spPr>
+      <dsp:style>
+        <a:lnRef idx="2">
+          <a:scrgbClr r="0" g="0" b="0"/>
+        </a:lnRef>
+        <a:fillRef idx="0">
+          <a:scrgbClr r="0" g="0" b="0"/>
+        </a:fillRef>
+        <a:effectRef idx="0">
+          <a:scrgbClr r="0" g="0" b="0"/>
+        </a:effectRef>
+        <a:fontRef idx="minor"/>
+      </dsp:style>
+    </dsp:sp>
+    <dsp:sp modelId="{7E1D7641-A71B-4930-A840-54CD38826BD1}">
+      <dsp:nvSpPr>
+        <dsp:cNvPr id="0" name=""/>
+        <dsp:cNvSpPr/>
+      </dsp:nvSpPr>
+      <dsp:spPr>
+        <a:xfrm>
+          <a:off x="3212331" y="1963109"/>
+          <a:ext cx="243333" cy="746224"/>
+        </a:xfrm>
+        <a:custGeom>
+          <a:avLst/>
+          <a:gdLst/>
+          <a:ahLst/>
+          <a:cxnLst/>
+          <a:rect l="0" t="0" r="0" b="0"/>
+          <a:pathLst>
+            <a:path>
+              <a:moveTo>
+                <a:pt x="0" y="0"/>
+              </a:moveTo>
+              <a:lnTo>
+                <a:pt x="0" y="746224"/>
+              </a:lnTo>
+              <a:lnTo>
+                <a:pt x="243333" y="746224"/>
+              </a:lnTo>
+            </a:path>
+          </a:pathLst>
+        </a:custGeom>
+        <a:noFill/>
+        <a:ln w="12700" cap="flat" cmpd="sng" algn="ctr">
+          <a:solidFill>
+            <a:schemeClr val="accent1">
+              <a:hueOff val="0"/>
+              <a:satOff val="0"/>
+              <a:lumOff val="0"/>
+              <a:alphaOff val="0"/>
+            </a:schemeClr>
+          </a:solidFill>
+          <a:prstDash val="solid"/>
+          <a:miter lim="800000"/>
+        </a:ln>
+        <a:effectLst/>
+      </dsp:spPr>
+      <dsp:style>
+        <a:lnRef idx="2">
+          <a:scrgbClr r="0" g="0" b="0"/>
+        </a:lnRef>
+        <a:fillRef idx="0">
+          <a:scrgbClr r="0" g="0" b="0"/>
+        </a:fillRef>
+        <a:effectRef idx="0">
+          <a:scrgbClr r="0" g="0" b="0"/>
+        </a:effectRef>
+        <a:fontRef idx="minor"/>
+      </dsp:style>
+    </dsp:sp>
+    <dsp:sp modelId="{BFFEF618-A211-4A47-9420-4F157D697A10}">
+      <dsp:nvSpPr>
+        <dsp:cNvPr id="0" name=""/>
+        <dsp:cNvSpPr/>
+      </dsp:nvSpPr>
+      <dsp:spPr>
+        <a:xfrm>
+          <a:off x="3815501" y="811328"/>
+          <a:ext cx="91440" cy="340667"/>
+        </a:xfrm>
+        <a:custGeom>
+          <a:avLst/>
+          <a:gdLst/>
+          <a:ahLst/>
+          <a:cxnLst/>
+          <a:rect l="0" t="0" r="0" b="0"/>
+          <a:pathLst>
+            <a:path>
+              <a:moveTo>
+                <a:pt x="45720" y="0"/>
+              </a:moveTo>
+              <a:lnTo>
+                <a:pt x="45720" y="340667"/>
+              </a:lnTo>
+            </a:path>
+          </a:pathLst>
+        </a:custGeom>
+        <a:noFill/>
+        <a:ln w="12700" cap="flat" cmpd="sng" algn="ctr">
+          <a:solidFill>
+            <a:schemeClr val="accent6">
+              <a:hueOff val="0"/>
+              <a:satOff val="0"/>
+              <a:lumOff val="0"/>
+              <a:alphaOff val="0"/>
+            </a:schemeClr>
+          </a:solidFill>
+          <a:prstDash val="solid"/>
+          <a:miter lim="800000"/>
+        </a:ln>
+        <a:effectLst/>
+      </dsp:spPr>
+      <dsp:style>
+        <a:lnRef idx="2">
+          <a:scrgbClr r="0" g="0" b="0"/>
+        </a:lnRef>
+        <a:fillRef idx="0">
+          <a:scrgbClr r="0" g="0" b="0"/>
+        </a:fillRef>
+        <a:effectRef idx="0">
+          <a:scrgbClr r="0" g="0" b="0"/>
+        </a:effectRef>
+        <a:fontRef idx="minor"/>
+      </dsp:style>
+    </dsp:sp>
+    <dsp:sp modelId="{06B596D7-22E2-439C-B3D0-84D9CD319256}">
+      <dsp:nvSpPr>
+        <dsp:cNvPr id="0" name=""/>
+        <dsp:cNvSpPr/>
+      </dsp:nvSpPr>
+      <dsp:spPr>
+        <a:xfrm>
+          <a:off x="3050108" y="215"/>
+          <a:ext cx="1622226" cy="811113"/>
+        </a:xfrm>
+        <a:prstGeom prst="rect">
+          <a:avLst/>
+        </a:prstGeom>
+        <a:solidFill>
+          <a:schemeClr val="accent4">
+            <a:hueOff val="0"/>
+            <a:satOff val="0"/>
+            <a:lumOff val="0"/>
+            <a:alphaOff val="0"/>
+          </a:schemeClr>
+        </a:solidFill>
+        <a:ln w="12700" cap="flat" cmpd="sng" algn="ctr">
+          <a:solidFill>
+            <a:schemeClr val="lt1">
+              <a:hueOff val="0"/>
+              <a:satOff val="0"/>
+              <a:lumOff val="0"/>
+              <a:alphaOff val="0"/>
+            </a:schemeClr>
+          </a:solidFill>
+          <a:prstDash val="solid"/>
+          <a:miter lim="800000"/>
+        </a:ln>
+        <a:effectLst/>
+      </dsp:spPr>
+      <dsp:style>
+        <a:lnRef idx="2">
+          <a:scrgbClr r="0" g="0" b="0"/>
+        </a:lnRef>
+        <a:fillRef idx="1">
+          <a:scrgbClr r="0" g="0" b="0"/>
+        </a:fillRef>
+        <a:effectRef idx="0">
+          <a:scrgbClr r="0" g="0" b="0"/>
+        </a:effectRef>
+        <a:fontRef idx="minor">
+          <a:schemeClr val="lt1"/>
+        </a:fontRef>
+      </dsp:style>
+      <dsp:txBody>
+        <a:bodyPr spcFirstLastPara="0" vert="horz" wrap="square" lIns="17780" tIns="17780" rIns="17780" bIns="17780" numCol="1" spcCol="1270" anchor="ctr" anchorCtr="0">
+          <a:noAutofit/>
+        </a:bodyPr>
+        <a:lstStyle/>
+        <a:p>
+          <a:pPr marL="0" lvl="0" indent="0" algn="ctr" defTabSz="1244600">
+            <a:lnSpc>
+              <a:spcPct val="90000"/>
+            </a:lnSpc>
+            <a:spcBef>
+              <a:spcPct val="0"/>
+            </a:spcBef>
+            <a:spcAft>
+              <a:spcPct val="35000"/>
+            </a:spcAft>
+            <a:buNone/>
+          </a:pPr>
+          <a:r>
+            <a:rPr lang="en-US" sz="2800" kern="1200" dirty="0"/>
+            <a:t>Netlify</a:t>
+          </a:r>
+        </a:p>
+      </dsp:txBody>
+      <dsp:txXfrm>
+        <a:off x="3050108" y="215"/>
+        <a:ext cx="1622226" cy="811113"/>
+      </dsp:txXfrm>
+    </dsp:sp>
+    <dsp:sp modelId="{F5AED42D-C926-4D6F-B8DD-9D4C0E0E2786}">
+      <dsp:nvSpPr>
+        <dsp:cNvPr id="0" name=""/>
+        <dsp:cNvSpPr/>
+      </dsp:nvSpPr>
+      <dsp:spPr>
+        <a:xfrm>
+          <a:off x="3050108" y="1151996"/>
+          <a:ext cx="1622226" cy="811113"/>
+        </a:xfrm>
+        <a:prstGeom prst="rect">
+          <a:avLst/>
+        </a:prstGeom>
+        <a:solidFill>
+          <a:schemeClr val="accent6">
+            <a:hueOff val="0"/>
+            <a:satOff val="0"/>
+            <a:lumOff val="0"/>
+            <a:alphaOff val="0"/>
+          </a:schemeClr>
+        </a:solidFill>
+        <a:ln w="12700" cap="flat" cmpd="sng" algn="ctr">
+          <a:solidFill>
+            <a:schemeClr val="lt1">
+              <a:hueOff val="0"/>
+              <a:satOff val="0"/>
+              <a:lumOff val="0"/>
+              <a:alphaOff val="0"/>
+            </a:schemeClr>
+          </a:solidFill>
+          <a:prstDash val="solid"/>
+          <a:miter lim="800000"/>
+        </a:ln>
+        <a:effectLst/>
+      </dsp:spPr>
+      <dsp:style>
+        <a:lnRef idx="2">
+          <a:scrgbClr r="0" g="0" b="0"/>
+        </a:lnRef>
+        <a:fillRef idx="1">
+          <a:scrgbClr r="0" g="0" b="0"/>
+        </a:fillRef>
+        <a:effectRef idx="0">
+          <a:scrgbClr r="0" g="0" b="0"/>
+        </a:effectRef>
+        <a:fontRef idx="minor">
+          <a:schemeClr val="lt1"/>
+        </a:fontRef>
+      </dsp:style>
+      <dsp:txBody>
+        <a:bodyPr spcFirstLastPara="0" vert="horz" wrap="square" lIns="17780" tIns="17780" rIns="17780" bIns="17780" numCol="1" spcCol="1270" anchor="ctr" anchorCtr="0">
+          <a:noAutofit/>
+        </a:bodyPr>
+        <a:lstStyle/>
+        <a:p>
+          <a:pPr marL="0" lvl="0" indent="0" algn="ctr" defTabSz="1244600">
+            <a:lnSpc>
+              <a:spcPct val="90000"/>
+            </a:lnSpc>
+            <a:spcBef>
+              <a:spcPct val="0"/>
+            </a:spcBef>
+            <a:spcAft>
+              <a:spcPct val="35000"/>
+            </a:spcAft>
+            <a:buNone/>
+          </a:pPr>
+          <a:r>
+            <a:rPr lang="en-US" sz="2800" kern="1200"/>
+            <a:t>Project</a:t>
+          </a:r>
+          <a:endParaRPr lang="en-US" sz="2800" kern="1200" dirty="0"/>
+        </a:p>
+      </dsp:txBody>
+      <dsp:txXfrm>
+        <a:off x="3050108" y="1151996"/>
+        <a:ext cx="1622226" cy="811113"/>
+      </dsp:txXfrm>
+    </dsp:sp>
+    <dsp:sp modelId="{EB235F00-0E1C-4BB5-88A1-A2825E61ED0E}">
+      <dsp:nvSpPr>
+        <dsp:cNvPr id="0" name=""/>
+        <dsp:cNvSpPr/>
+      </dsp:nvSpPr>
+      <dsp:spPr>
+        <a:xfrm>
+          <a:off x="3455665" y="2303776"/>
+          <a:ext cx="1622226" cy="811113"/>
+        </a:xfrm>
+        <a:prstGeom prst="rect">
+          <a:avLst/>
+        </a:prstGeom>
+        <a:solidFill>
+          <a:schemeClr val="accent1">
+            <a:hueOff val="0"/>
+            <a:satOff val="0"/>
+            <a:lumOff val="0"/>
+            <a:alphaOff val="0"/>
+          </a:schemeClr>
+        </a:solidFill>
+        <a:ln w="12700" cap="flat" cmpd="sng" algn="ctr">
+          <a:solidFill>
+            <a:schemeClr val="lt1">
+              <a:hueOff val="0"/>
+              <a:satOff val="0"/>
+              <a:lumOff val="0"/>
+              <a:alphaOff val="0"/>
+            </a:schemeClr>
+          </a:solidFill>
+          <a:prstDash val="solid"/>
+          <a:miter lim="800000"/>
+        </a:ln>
+        <a:effectLst/>
+      </dsp:spPr>
+      <dsp:style>
+        <a:lnRef idx="2">
+          <a:scrgbClr r="0" g="0" b="0"/>
+        </a:lnRef>
+        <a:fillRef idx="1">
+          <a:scrgbClr r="0" g="0" b="0"/>
+        </a:fillRef>
+        <a:effectRef idx="0">
+          <a:scrgbClr r="0" g="0" b="0"/>
+        </a:effectRef>
+        <a:fontRef idx="minor">
+          <a:schemeClr val="lt1"/>
+        </a:fontRef>
+      </dsp:style>
+      <dsp:txBody>
+        <a:bodyPr spcFirstLastPara="0" vert="horz" wrap="square" lIns="17780" tIns="17780" rIns="17780" bIns="17780" numCol="1" spcCol="1270" anchor="ctr" anchorCtr="0">
+          <a:noAutofit/>
+        </a:bodyPr>
+        <a:lstStyle/>
+        <a:p>
+          <a:pPr marL="0" lvl="0" indent="0" algn="ctr" defTabSz="1244600">
+            <a:lnSpc>
+              <a:spcPct val="90000"/>
+            </a:lnSpc>
+            <a:spcBef>
+              <a:spcPct val="0"/>
+            </a:spcBef>
+            <a:spcAft>
+              <a:spcPct val="35000"/>
+            </a:spcAft>
+            <a:buNone/>
+          </a:pPr>
+          <a:r>
+            <a:rPr lang="en-US" sz="2800" kern="1200" dirty="0" err="1"/>
+            <a:t>netlify</a:t>
+          </a:r>
+          <a:endParaRPr lang="en-US" sz="2800" kern="1200" dirty="0"/>
+        </a:p>
+      </dsp:txBody>
+      <dsp:txXfrm>
+        <a:off x="3455665" y="2303776"/>
+        <a:ext cx="1622226" cy="811113"/>
+      </dsp:txXfrm>
+    </dsp:sp>
+    <dsp:sp modelId="{2175EDA4-CDAB-4E70-A75E-6FC273A49A96}">
+      <dsp:nvSpPr>
+        <dsp:cNvPr id="0" name=""/>
+        <dsp:cNvSpPr/>
+      </dsp:nvSpPr>
+      <dsp:spPr>
+        <a:xfrm>
+          <a:off x="3455665" y="3455557"/>
+          <a:ext cx="1622226" cy="811113"/>
+        </a:xfrm>
+        <a:prstGeom prst="rect">
+          <a:avLst/>
+        </a:prstGeom>
+        <a:solidFill>
+          <a:schemeClr val="accent1">
+            <a:hueOff val="0"/>
+            <a:satOff val="0"/>
+            <a:lumOff val="0"/>
+            <a:alphaOff val="0"/>
+          </a:schemeClr>
+        </a:solidFill>
+        <a:ln w="12700" cap="flat" cmpd="sng" algn="ctr">
+          <a:solidFill>
+            <a:schemeClr val="lt1">
+              <a:hueOff val="0"/>
+              <a:satOff val="0"/>
+              <a:lumOff val="0"/>
+              <a:alphaOff val="0"/>
+            </a:schemeClr>
+          </a:solidFill>
+          <a:prstDash val="solid"/>
+          <a:miter lim="800000"/>
+        </a:ln>
+        <a:effectLst/>
+      </dsp:spPr>
+      <dsp:style>
+        <a:lnRef idx="2">
+          <a:scrgbClr r="0" g="0" b="0"/>
+        </a:lnRef>
+        <a:fillRef idx="1">
+          <a:scrgbClr r="0" g="0" b="0"/>
+        </a:fillRef>
+        <a:effectRef idx="0">
+          <a:scrgbClr r="0" g="0" b="0"/>
+        </a:effectRef>
+        <a:fontRef idx="minor">
+          <a:schemeClr val="lt1"/>
+        </a:fontRef>
+      </dsp:style>
+      <dsp:txBody>
+        <a:bodyPr spcFirstLastPara="0" vert="horz" wrap="square" lIns="17780" tIns="17780" rIns="17780" bIns="17780" numCol="1" spcCol="1270" anchor="ctr" anchorCtr="0">
+          <a:noAutofit/>
+        </a:bodyPr>
+        <a:lstStyle/>
+        <a:p>
+          <a:pPr marL="0" lvl="0" indent="0" algn="ctr" defTabSz="1244600">
+            <a:lnSpc>
+              <a:spcPct val="90000"/>
+            </a:lnSpc>
+            <a:spcBef>
+              <a:spcPct val="0"/>
+            </a:spcBef>
+            <a:spcAft>
+              <a:spcPct val="35000"/>
+            </a:spcAft>
+            <a:buNone/>
+          </a:pPr>
+          <a:r>
+            <a:rPr lang="en-US" sz="2800" kern="1200" dirty="0" err="1"/>
+            <a:t>src</a:t>
+          </a:r>
+          <a:endParaRPr lang="en-US" sz="2800" kern="1200" dirty="0"/>
+        </a:p>
+      </dsp:txBody>
+      <dsp:txXfrm>
+        <a:off x="3455665" y="3455557"/>
+        <a:ext cx="1622226" cy="811113"/>
+      </dsp:txXfrm>
+    </dsp:sp>
+    <dsp:sp modelId="{5524E993-1FD9-47E7-91F3-28A5CAA909A2}">
+      <dsp:nvSpPr>
+        <dsp:cNvPr id="0" name=""/>
+        <dsp:cNvSpPr/>
+      </dsp:nvSpPr>
+      <dsp:spPr>
+        <a:xfrm>
+          <a:off x="3455665" y="4607338"/>
+          <a:ext cx="1622226" cy="811113"/>
+        </a:xfrm>
+        <a:prstGeom prst="rect">
+          <a:avLst/>
+        </a:prstGeom>
+        <a:solidFill>
+          <a:schemeClr val="accent1">
+            <a:hueOff val="0"/>
+            <a:satOff val="0"/>
+            <a:lumOff val="0"/>
+            <a:alphaOff val="0"/>
+          </a:schemeClr>
+        </a:solidFill>
+        <a:ln w="12700" cap="flat" cmpd="sng" algn="ctr">
+          <a:solidFill>
+            <a:schemeClr val="lt1">
+              <a:hueOff val="0"/>
+              <a:satOff val="0"/>
+              <a:lumOff val="0"/>
+              <a:alphaOff val="0"/>
+            </a:schemeClr>
+          </a:solidFill>
+          <a:prstDash val="solid"/>
+          <a:miter lim="800000"/>
+        </a:ln>
+        <a:effectLst/>
+      </dsp:spPr>
+      <dsp:style>
+        <a:lnRef idx="2">
+          <a:scrgbClr r="0" g="0" b="0"/>
+        </a:lnRef>
+        <a:fillRef idx="1">
+          <a:scrgbClr r="0" g="0" b="0"/>
+        </a:fillRef>
+        <a:effectRef idx="0">
+          <a:scrgbClr r="0" g="0" b="0"/>
+        </a:effectRef>
+        <a:fontRef idx="minor">
+          <a:schemeClr val="lt1"/>
+        </a:fontRef>
+      </dsp:style>
+      <dsp:txBody>
+        <a:bodyPr spcFirstLastPara="0" vert="horz" wrap="square" lIns="17780" tIns="17780" rIns="17780" bIns="17780" numCol="1" spcCol="1270" anchor="ctr" anchorCtr="0">
+          <a:noAutofit/>
+        </a:bodyPr>
+        <a:lstStyle/>
+        <a:p>
+          <a:pPr marL="0" lvl="0" indent="0" algn="ctr" defTabSz="1244600">
+            <a:lnSpc>
+              <a:spcPct val="90000"/>
+            </a:lnSpc>
+            <a:spcBef>
+              <a:spcPct val="0"/>
+            </a:spcBef>
+            <a:spcAft>
+              <a:spcPct val="35000"/>
+            </a:spcAft>
+            <a:buNone/>
+          </a:pPr>
+          <a:r>
+            <a:rPr lang="en-US" sz="2800" kern="1200" dirty="0"/>
+            <a:t>packages</a:t>
+          </a:r>
+        </a:p>
+      </dsp:txBody>
+      <dsp:txXfrm>
+        <a:off x="3455665" y="4607338"/>
+        <a:ext cx="1622226" cy="811113"/>
+      </dsp:txXfrm>
+    </dsp:sp>
+  </dsp:spTree>
+</dsp:drawing>
+</file>
+
+<file path=ppt/diagrams/drawing3.xml><?xml version="1.0" encoding="utf-8"?>
 <dsp:drawing xmlns:dgm="http://schemas.openxmlformats.org/drawingml/2006/diagram" xmlns:dsp="http://schemas.microsoft.com/office/drawing/2008/diagram" xmlns:a="http://schemas.openxmlformats.org/drawingml/2006/main">
   <dsp:spTree>
     <dsp:nvGrpSpPr>
@@ -5353,6 +7229,1152 @@
 </file>
 
 <file path=ppt/diagrams/layout2.xml><?xml version="1.0" encoding="utf-8"?>
+<dgm:layoutDef xmlns:dgm="http://schemas.openxmlformats.org/drawingml/2006/diagram" xmlns:a="http://schemas.openxmlformats.org/drawingml/2006/main" uniqueId="urn:microsoft.com/office/officeart/2005/8/layout/orgChart1">
+  <dgm:title val=""/>
+  <dgm:desc val=""/>
+  <dgm:catLst>
+    <dgm:cat type="hierarchy" pri="1000"/>
+    <dgm:cat type="convert" pri="6000"/>
+  </dgm:catLst>
+  <dgm:sampData>
+    <dgm:dataModel>
+      <dgm:ptLst>
+        <dgm:pt modelId="0" type="doc"/>
+        <dgm:pt modelId="1">
+          <dgm:prSet phldr="1"/>
+        </dgm:pt>
+        <dgm:pt modelId="2" type="asst">
+          <dgm:prSet phldr="1"/>
+        </dgm:pt>
+        <dgm:pt modelId="3">
+          <dgm:prSet phldr="1"/>
+        </dgm:pt>
+        <dgm:pt modelId="4">
+          <dgm:prSet phldr="1"/>
+        </dgm:pt>
+        <dgm:pt modelId="5">
+          <dgm:prSet phldr="1"/>
+        </dgm:pt>
+      </dgm:ptLst>
+      <dgm:cxnLst>
+        <dgm:cxn modelId="5" srcId="0" destId="1" srcOrd="0" destOrd="0"/>
+        <dgm:cxn modelId="6" srcId="1" destId="2" srcOrd="0" destOrd="0"/>
+        <dgm:cxn modelId="7" srcId="1" destId="3" srcOrd="1" destOrd="0"/>
+        <dgm:cxn modelId="8" srcId="1" destId="4" srcOrd="2" destOrd="0"/>
+        <dgm:cxn modelId="9" srcId="1" destId="5" srcOrd="3" destOrd="0"/>
+      </dgm:cxnLst>
+      <dgm:bg/>
+      <dgm:whole/>
+    </dgm:dataModel>
+  </dgm:sampData>
+  <dgm:styleData>
+    <dgm:dataModel>
+      <dgm:ptLst>
+        <dgm:pt modelId="0" type="doc"/>
+        <dgm:pt modelId="1"/>
+        <dgm:pt modelId="12"/>
+        <dgm:pt modelId="13"/>
+      </dgm:ptLst>
+      <dgm:cxnLst>
+        <dgm:cxn modelId="2" srcId="0" destId="1" srcOrd="0" destOrd="0"/>
+        <dgm:cxn modelId="16" srcId="1" destId="12" srcOrd="1" destOrd="0"/>
+        <dgm:cxn modelId="17" srcId="1" destId="13" srcOrd="2" destOrd="0"/>
+      </dgm:cxnLst>
+      <dgm:bg/>
+      <dgm:whole/>
+    </dgm:dataModel>
+  </dgm:styleData>
+  <dgm:clrData>
+    <dgm:dataModel>
+      <dgm:ptLst>
+        <dgm:pt modelId="0" type="doc"/>
+        <dgm:pt modelId="1"/>
+        <dgm:pt modelId="11" type="asst"/>
+        <dgm:pt modelId="12"/>
+        <dgm:pt modelId="13"/>
+        <dgm:pt modelId="14"/>
+      </dgm:ptLst>
+      <dgm:cxnLst>
+        <dgm:cxn modelId="2" srcId="0" destId="1" srcOrd="0" destOrd="0"/>
+        <dgm:cxn modelId="15" srcId="1" destId="11" srcOrd="0" destOrd="0"/>
+        <dgm:cxn modelId="16" srcId="1" destId="12" srcOrd="1" destOrd="0"/>
+        <dgm:cxn modelId="17" srcId="1" destId="13" srcOrd="2" destOrd="0"/>
+        <dgm:cxn modelId="18" srcId="1" destId="14" srcOrd="2" destOrd="0"/>
+      </dgm:cxnLst>
+      <dgm:bg/>
+      <dgm:whole/>
+    </dgm:dataModel>
+  </dgm:clrData>
+  <dgm:layoutNode name="hierChild1">
+    <dgm:varLst>
+      <dgm:orgChart val="1"/>
+      <dgm:chPref val="1"/>
+      <dgm:dir/>
+      <dgm:animOne val="branch"/>
+      <dgm:animLvl val="lvl"/>
+      <dgm:resizeHandles/>
+    </dgm:varLst>
+    <dgm:choose name="Name0">
+      <dgm:if name="Name1" func="var" arg="dir" op="equ" val="norm">
+        <dgm:alg type="hierChild">
+          <dgm:param type="linDir" val="fromL"/>
+        </dgm:alg>
+      </dgm:if>
+      <dgm:else name="Name2">
+        <dgm:alg type="hierChild">
+          <dgm:param type="linDir" val="fromR"/>
+        </dgm:alg>
+      </dgm:else>
+    </dgm:choose>
+    <dgm:shape xmlns:r="http://schemas.openxmlformats.org/officeDocument/2006/relationships" r:blip="">
+      <dgm:adjLst/>
+    </dgm:shape>
+    <dgm:presOf/>
+    <dgm:constrLst>
+      <dgm:constr type="w" for="des" forName="rootComposite1" refType="w" fact="10"/>
+      <dgm:constr type="h" for="des" forName="rootComposite1" refType="w" refFor="des" refForName="rootComposite1" fact="0.5"/>
+      <dgm:constr type="w" for="des" forName="rootComposite" refType="w" fact="10"/>
+      <dgm:constr type="h" for="des" forName="rootComposite" refType="w" refFor="des" refForName="rootComposite1" fact="0.5"/>
+      <dgm:constr type="w" for="des" forName="rootComposite3" refType="w" fact="10"/>
+      <dgm:constr type="h" for="des" forName="rootComposite3" refType="w" refFor="des" refForName="rootComposite1" fact="0.5"/>
+      <dgm:constr type="primFontSz" for="des" ptType="node" op="equ"/>
+      <dgm:constr type="sp" for="des" op="equ"/>
+      <dgm:constr type="sp" for="des" forName="hierRoot1" refType="w" refFor="des" refForName="rootComposite1" fact="0.21"/>
+      <dgm:constr type="sp" for="des" forName="hierRoot2" refType="sp" refFor="des" refForName="hierRoot1"/>
+      <dgm:constr type="sp" for="des" forName="hierRoot3" refType="sp" refFor="des" refForName="hierRoot1"/>
+      <dgm:constr type="sibSp" refType="w" refFor="des" refForName="rootComposite1" fact="0.21"/>
+      <dgm:constr type="sibSp" for="des" forName="hierChild2" refType="sibSp"/>
+      <dgm:constr type="sibSp" for="des" forName="hierChild3" refType="sibSp"/>
+      <dgm:constr type="sibSp" for="des" forName="hierChild4" refType="sibSp"/>
+      <dgm:constr type="sibSp" for="des" forName="hierChild5" refType="sibSp"/>
+      <dgm:constr type="sibSp" for="des" forName="hierChild6" refType="sibSp"/>
+      <dgm:constr type="sibSp" for="des" forName="hierChild7" refType="sibSp"/>
+      <dgm:constr type="secSibSp" refType="w" refFor="des" refForName="rootComposite1" fact="0.21"/>
+      <dgm:constr type="secSibSp" for="des" forName="hierChild2" refType="secSibSp"/>
+      <dgm:constr type="secSibSp" for="des" forName="hierChild3" refType="secSibSp"/>
+      <dgm:constr type="secSibSp" for="des" forName="hierChild4" refType="secSibSp"/>
+      <dgm:constr type="secSibSp" for="des" forName="hierChild5" refType="secSibSp"/>
+      <dgm:constr type="secSibSp" for="des" forName="hierChild6" refType="secSibSp"/>
+      <dgm:constr type="secSibSp" for="des" forName="hierChild7" refType="secSibSp"/>
+    </dgm:constrLst>
+    <dgm:ruleLst/>
+    <dgm:forEach name="Name3" axis="ch">
+      <dgm:forEach name="Name4" axis="self" ptType="node">
+        <dgm:layoutNode name="hierRoot1">
+          <dgm:varLst>
+            <dgm:hierBranch val="init"/>
+          </dgm:varLst>
+          <dgm:choose name="Name5">
+            <dgm:if name="Name6" func="var" arg="hierBranch" op="equ" val="l">
+              <dgm:choose name="Name7">
+                <dgm:if name="Name8" axis="ch" ptType="asst" func="cnt" op="gte" val="1">
+                  <dgm:alg type="hierRoot">
+                    <dgm:param type="hierAlign" val="tR"/>
+                  </dgm:alg>
+                  <dgm:constrLst>
+                    <dgm:constr type="alignOff" val="0.65"/>
+                  </dgm:constrLst>
+                </dgm:if>
+                <dgm:else name="Name9">
+                  <dgm:alg type="hierRoot">
+                    <dgm:param type="hierAlign" val="tR"/>
+                  </dgm:alg>
+                  <dgm:constrLst>
+                    <dgm:constr type="alignOff" val="0.25"/>
+                  </dgm:constrLst>
+                </dgm:else>
+              </dgm:choose>
+            </dgm:if>
+            <dgm:if name="Name10" func="var" arg="hierBranch" op="equ" val="r">
+              <dgm:choose name="Name11">
+                <dgm:if name="Name12" axis="ch" ptType="asst" func="cnt" op="gte" val="1">
+                  <dgm:alg type="hierRoot">
+                    <dgm:param type="hierAlign" val="tL"/>
+                  </dgm:alg>
+                  <dgm:constrLst>
+                    <dgm:constr type="alignOff" val="0.65"/>
+                  </dgm:constrLst>
+                </dgm:if>
+                <dgm:else name="Name13">
+                  <dgm:alg type="hierRoot">
+                    <dgm:param type="hierAlign" val="tL"/>
+                  </dgm:alg>
+                  <dgm:constrLst>
+                    <dgm:constr type="alignOff" val="0.25"/>
+                  </dgm:constrLst>
+                </dgm:else>
+              </dgm:choose>
+            </dgm:if>
+            <dgm:if name="Name14" func="var" arg="hierBranch" op="equ" val="hang">
+              <dgm:alg type="hierRoot"/>
+              <dgm:constrLst>
+                <dgm:constr type="alignOff" val="0.65"/>
+              </dgm:constrLst>
+            </dgm:if>
+            <dgm:else name="Name15">
+              <dgm:alg type="hierRoot"/>
+              <dgm:constrLst>
+                <dgm:constr type="alignOff"/>
+                <dgm:constr type="bendDist" for="des" ptType="parTrans" refType="sp" fact="0.5"/>
+              </dgm:constrLst>
+            </dgm:else>
+          </dgm:choose>
+          <dgm:shape xmlns:r="http://schemas.openxmlformats.org/officeDocument/2006/relationships" r:blip="">
+            <dgm:adjLst/>
+          </dgm:shape>
+          <dgm:presOf/>
+          <dgm:ruleLst/>
+          <dgm:layoutNode name="rootComposite1">
+            <dgm:alg type="composite"/>
+            <dgm:shape xmlns:r="http://schemas.openxmlformats.org/officeDocument/2006/relationships" r:blip="">
+              <dgm:adjLst/>
+            </dgm:shape>
+            <dgm:presOf axis="self" ptType="node" cnt="1"/>
+            <dgm:choose name="Name16">
+              <dgm:if name="Name17" func="var" arg="hierBranch" op="equ" val="init">
+                <dgm:constrLst>
+                  <dgm:constr type="l" for="ch" forName="rootText1"/>
+                  <dgm:constr type="t" for="ch" forName="rootText1"/>
+                  <dgm:constr type="w" for="ch" forName="rootText1" refType="w"/>
+                  <dgm:constr type="h" for="ch" forName="rootText1" refType="h"/>
+                  <dgm:constr type="l" for="ch" forName="rootConnector1"/>
+                  <dgm:constr type="t" for="ch" forName="rootConnector1"/>
+                  <dgm:constr type="w" for="ch" forName="rootConnector1" refType="w" refFor="ch" refForName="rootText1" fact="0.2"/>
+                  <dgm:constr type="h" for="ch" forName="rootConnector1" refType="h" refFor="ch" refForName="rootText1"/>
+                </dgm:constrLst>
+              </dgm:if>
+              <dgm:if name="Name18" func="var" arg="hierBranch" op="equ" val="l">
+                <dgm:constrLst>
+                  <dgm:constr type="l" for="ch" forName="rootText1"/>
+                  <dgm:constr type="t" for="ch" forName="rootText1"/>
+                  <dgm:constr type="w" for="ch" forName="rootText1" refType="w"/>
+                  <dgm:constr type="h" for="ch" forName="rootText1" refType="h"/>
+                  <dgm:constr type="r" for="ch" forName="rootConnector1" refType="w"/>
+                  <dgm:constr type="t" for="ch" forName="rootConnector1"/>
+                  <dgm:constr type="w" for="ch" forName="rootConnector1" refType="w" refFor="ch" refForName="rootText1" fact="0.2"/>
+                  <dgm:constr type="h" for="ch" forName="rootConnector1" refType="h" refFor="ch" refForName="rootText1"/>
+                </dgm:constrLst>
+              </dgm:if>
+              <dgm:if name="Name19" func="var" arg="hierBranch" op="equ" val="r">
+                <dgm:constrLst>
+                  <dgm:constr type="l" for="ch" forName="rootText1"/>
+                  <dgm:constr type="t" for="ch" forName="rootText1"/>
+                  <dgm:constr type="w" for="ch" forName="rootText1" refType="w"/>
+                  <dgm:constr type="h" for="ch" forName="rootText1" refType="h"/>
+                  <dgm:constr type="l" for="ch" forName="rootConnector1"/>
+                  <dgm:constr type="t" for="ch" forName="rootConnector1"/>
+                  <dgm:constr type="w" for="ch" forName="rootConnector1" refType="w" refFor="ch" refForName="rootText1" fact="0.2"/>
+                  <dgm:constr type="h" for="ch" forName="rootConnector1" refType="h" refFor="ch" refForName="rootText1"/>
+                </dgm:constrLst>
+              </dgm:if>
+              <dgm:else name="Name20">
+                <dgm:constrLst>
+                  <dgm:constr type="l" for="ch" forName="rootText1"/>
+                  <dgm:constr type="t" for="ch" forName="rootText1"/>
+                  <dgm:constr type="w" for="ch" forName="rootText1" refType="w"/>
+                  <dgm:constr type="h" for="ch" forName="rootText1" refType="h"/>
+                  <dgm:constr type="r" for="ch" forName="rootConnector1" refType="w"/>
+                  <dgm:constr type="t" for="ch" forName="rootConnector1"/>
+                  <dgm:constr type="w" for="ch" forName="rootConnector1" refType="w" refFor="ch" refForName="rootText1" fact="0.2"/>
+                  <dgm:constr type="h" for="ch" forName="rootConnector1" refType="h" refFor="ch" refForName="rootText1"/>
+                </dgm:constrLst>
+              </dgm:else>
+            </dgm:choose>
+            <dgm:ruleLst/>
+            <dgm:layoutNode name="rootText1" styleLbl="node0">
+              <dgm:varLst>
+                <dgm:chPref val="3"/>
+              </dgm:varLst>
+              <dgm:alg type="tx"/>
+              <dgm:shape xmlns:r="http://schemas.openxmlformats.org/officeDocument/2006/relationships" type="rect" r:blip="">
+                <dgm:adjLst/>
+              </dgm:shape>
+              <dgm:presOf axis="self" ptType="node" cnt="1"/>
+              <dgm:constrLst>
+                <dgm:constr type="primFontSz" val="65"/>
+                <dgm:constr type="lMarg" refType="primFontSz" fact="0.05"/>
+                <dgm:constr type="rMarg" refType="primFontSz" fact="0.05"/>
+                <dgm:constr type="tMarg" refType="primFontSz" fact="0.05"/>
+                <dgm:constr type="bMarg" refType="primFontSz" fact="0.05"/>
+              </dgm:constrLst>
+              <dgm:ruleLst>
+                <dgm:rule type="primFontSz" val="5" fact="NaN" max="NaN"/>
+              </dgm:ruleLst>
+            </dgm:layoutNode>
+            <dgm:layoutNode name="rootConnector1" moveWith="rootText1">
+              <dgm:alg type="sp"/>
+              <dgm:shape xmlns:r="http://schemas.openxmlformats.org/officeDocument/2006/relationships" type="rect" r:blip="" hideGeom="1">
+                <dgm:adjLst/>
+              </dgm:shape>
+              <dgm:presOf axis="self" ptType="node" cnt="1"/>
+              <dgm:constrLst/>
+              <dgm:ruleLst/>
+            </dgm:layoutNode>
+          </dgm:layoutNode>
+          <dgm:layoutNode name="hierChild2">
+            <dgm:choose name="Name21">
+              <dgm:if name="Name22" func="var" arg="hierBranch" op="equ" val="l">
+                <dgm:alg type="hierChild">
+                  <dgm:param type="chAlign" val="r"/>
+                  <dgm:param type="linDir" val="fromT"/>
+                </dgm:alg>
+              </dgm:if>
+              <dgm:if name="Name23" func="var" arg="hierBranch" op="equ" val="r">
+                <dgm:alg type="hierChild">
+                  <dgm:param type="chAlign" val="l"/>
+                  <dgm:param type="linDir" val="fromT"/>
+                </dgm:alg>
+              </dgm:if>
+              <dgm:if name="Name24" func="var" arg="hierBranch" op="equ" val="hang">
+                <dgm:choose name="Name25">
+                  <dgm:if name="Name26" func="var" arg="dir" op="equ" val="norm">
+                    <dgm:alg type="hierChild">
+                      <dgm:param type="chAlign" val="l"/>
+                      <dgm:param type="linDir" val="fromL"/>
+                      <dgm:param type="secChAlign" val="t"/>
+                      <dgm:param type="secLinDir" val="fromT"/>
+                    </dgm:alg>
+                  </dgm:if>
+                  <dgm:else name="Name27">
+                    <dgm:alg type="hierChild">
+                      <dgm:param type="chAlign" val="l"/>
+                      <dgm:param type="linDir" val="fromR"/>
+                      <dgm:param type="secChAlign" val="t"/>
+                      <dgm:param type="secLinDir" val="fromT"/>
+                    </dgm:alg>
+                  </dgm:else>
+                </dgm:choose>
+              </dgm:if>
+              <dgm:else name="Name28">
+                <dgm:choose name="Name29">
+                  <dgm:if name="Name30" func="var" arg="dir" op="equ" val="norm">
+                    <dgm:alg type="hierChild"/>
+                  </dgm:if>
+                  <dgm:else name="Name31">
+                    <dgm:alg type="hierChild">
+                      <dgm:param type="linDir" val="fromR"/>
+                    </dgm:alg>
+                  </dgm:else>
+                </dgm:choose>
+              </dgm:else>
+            </dgm:choose>
+            <dgm:shape xmlns:r="http://schemas.openxmlformats.org/officeDocument/2006/relationships" r:blip="">
+              <dgm:adjLst/>
+            </dgm:shape>
+            <dgm:presOf/>
+            <dgm:constrLst/>
+            <dgm:ruleLst/>
+            <dgm:forEach name="rep2a" axis="ch" ptType="nonAsst">
+              <dgm:forEach name="Name32" axis="precedSib" ptType="parTrans" st="-1" cnt="1">
+                <dgm:choose name="Name33">
+                  <dgm:if name="Name34" func="var" arg="hierBranch" op="equ" val="std">
+                    <dgm:layoutNode name="Name35">
+                      <dgm:alg type="conn">
+                        <dgm:param type="connRout" val="bend"/>
+                        <dgm:param type="dim" val="1D"/>
+                        <dgm:param type="endSty" val="noArr"/>
+                        <dgm:param type="begPts" val="bCtr"/>
+                        <dgm:param type="endPts" val="tCtr"/>
+                        <dgm:param type="bendPt" val="end"/>
+                      </dgm:alg>
+                      <dgm:shape xmlns:r="http://schemas.openxmlformats.org/officeDocument/2006/relationships" type="conn" r:blip="" zOrderOff="-99999">
+                        <dgm:adjLst/>
+                      </dgm:shape>
+                      <dgm:presOf axis="self"/>
+                      <dgm:constrLst>
+                        <dgm:constr type="begPad"/>
+                        <dgm:constr type="endPad"/>
+                      </dgm:constrLst>
+                      <dgm:ruleLst/>
+                    </dgm:layoutNode>
+                  </dgm:if>
+                  <dgm:if name="Name36" func="var" arg="hierBranch" op="equ" val="init">
+                    <dgm:layoutNode name="Name37">
+                      <dgm:choose name="Name38">
+                        <dgm:if name="Name39" axis="self" func="depth" op="lte" val="2">
+                          <dgm:alg type="conn">
+                            <dgm:param type="connRout" val="bend"/>
+                            <dgm:param type="dim" val="1D"/>
+                            <dgm:param type="endSty" val="noArr"/>
+                            <dgm:param type="begPts" val="bCtr"/>
+                            <dgm:param type="endPts" val="tCtr"/>
+                            <dgm:param type="bendPt" val="end"/>
+                          </dgm:alg>
+                        </dgm:if>
+                        <dgm:else name="Name40">
+                          <dgm:choose name="Name41">
+                            <dgm:if name="Name42" axis="par des" func="maxDepth" op="lte" val="1">
+                              <dgm:choose name="Name43">
+                                <dgm:if name="Name44" axis="par ch" ptType="node asst" func="cnt" op="gte" val="1">
+                                  <dgm:alg type="conn">
+                                    <dgm:param type="connRout" val="bend"/>
+                                    <dgm:param type="dim" val="1D"/>
+                                    <dgm:param type="endSty" val="noArr"/>
+                                    <dgm:param type="begPts" val="bCtr"/>
+                                    <dgm:param type="endPts" val="midL midR"/>
+                                  </dgm:alg>
+                                </dgm:if>
+                                <dgm:else name="Name45">
+                                  <dgm:alg type="conn">
+                                    <dgm:param type="connRout" val="bend"/>
+                                    <dgm:param type="dim" val="1D"/>
+                                    <dgm:param type="endSty" val="noArr"/>
+                                    <dgm:param type="begPts" val="bCtr"/>
+                                    <dgm:param type="endPts" val="midL midR"/>
+                                    <dgm:param type="srcNode" val="rootConnector"/>
+                                  </dgm:alg>
+                                </dgm:else>
+                              </dgm:choose>
+                            </dgm:if>
+                            <dgm:else name="Name46">
+                              <dgm:alg type="conn">
+                                <dgm:param type="connRout" val="bend"/>
+                                <dgm:param type="dim" val="1D"/>
+                                <dgm:param type="endSty" val="noArr"/>
+                                <dgm:param type="begPts" val="bCtr"/>
+                                <dgm:param type="endPts" val="tCtr"/>
+                                <dgm:param type="bendPt" val="end"/>
+                              </dgm:alg>
+                            </dgm:else>
+                          </dgm:choose>
+                        </dgm:else>
+                      </dgm:choose>
+                      <dgm:shape xmlns:r="http://schemas.openxmlformats.org/officeDocument/2006/relationships" type="conn" r:blip="" zOrderOff="-99999">
+                        <dgm:adjLst/>
+                      </dgm:shape>
+                      <dgm:presOf axis="self"/>
+                      <dgm:constrLst>
+                        <dgm:constr type="begPad"/>
+                        <dgm:constr type="endPad"/>
+                      </dgm:constrLst>
+                      <dgm:ruleLst/>
+                    </dgm:layoutNode>
+                  </dgm:if>
+                  <dgm:if name="Name47" func="var" arg="hierBranch" op="equ" val="hang">
+                    <dgm:layoutNode name="Name48">
+                      <dgm:alg type="conn">
+                        <dgm:param type="connRout" val="bend"/>
+                        <dgm:param type="dim" val="1D"/>
+                        <dgm:param type="endSty" val="noArr"/>
+                        <dgm:param type="begPts" val="bCtr"/>
+                        <dgm:param type="endPts" val="midL midR"/>
+                      </dgm:alg>
+                      <dgm:shape xmlns:r="http://schemas.openxmlformats.org/officeDocument/2006/relationships" type="conn" r:blip="" zOrderOff="-99999">
+                        <dgm:adjLst/>
+                      </dgm:shape>
+                      <dgm:presOf axis="self"/>
+                      <dgm:constrLst>
+                        <dgm:constr type="begPad"/>
+                        <dgm:constr type="endPad"/>
+                      </dgm:constrLst>
+                      <dgm:ruleLst/>
+                    </dgm:layoutNode>
+                  </dgm:if>
+                  <dgm:else name="Name49">
+                    <dgm:layoutNode name="Name50">
+                      <dgm:choose name="Name51">
+                        <dgm:if name="Name52" axis="self" func="depth" op="lte" val="2">
+                          <dgm:choose name="Name53">
+                            <dgm:if name="Name54" axis="par ch" ptType="node asst" func="cnt" op="gte" val="1">
+                              <dgm:alg type="conn">
+                                <dgm:param type="connRout" val="bend"/>
+                                <dgm:param type="dim" val="1D"/>
+                                <dgm:param type="endSty" val="noArr"/>
+                                <dgm:param type="begPts" val="bCtr"/>
+                                <dgm:param type="endPts" val="midL midR"/>
+                              </dgm:alg>
+                            </dgm:if>
+                            <dgm:else name="Name55">
+                              <dgm:alg type="conn">
+                                <dgm:param type="connRout" val="bend"/>
+                                <dgm:param type="dim" val="1D"/>
+                                <dgm:param type="endSty" val="noArr"/>
+                                <dgm:param type="begPts" val="bCtr"/>
+                                <dgm:param type="endPts" val="midL midR"/>
+                                <dgm:param type="srcNode" val="rootConnector1"/>
+                              </dgm:alg>
+                            </dgm:else>
+                          </dgm:choose>
+                        </dgm:if>
+                        <dgm:else name="Name56">
+                          <dgm:choose name="Name57">
+                            <dgm:if name="Name58" axis="par ch" ptType="node asst" func="cnt" op="gte" val="1">
+                              <dgm:alg type="conn">
+                                <dgm:param type="connRout" val="bend"/>
+                                <dgm:param type="dim" val="1D"/>
+                                <dgm:param type="endSty" val="noArr"/>
+                                <dgm:param type="begPts" val="bCtr"/>
+                                <dgm:param type="endPts" val="midL midR"/>
+                              </dgm:alg>
+                            </dgm:if>
+                            <dgm:else name="Name59">
+                              <dgm:alg type="conn">
+                                <dgm:param type="connRout" val="bend"/>
+                                <dgm:param type="dim" val="1D"/>
+                                <dgm:param type="endSty" val="noArr"/>
+                                <dgm:param type="begPts" val="bCtr"/>
+                                <dgm:param type="endPts" val="midL midR"/>
+                                <dgm:param type="srcNode" val="rootConnector"/>
+                              </dgm:alg>
+                            </dgm:else>
+                          </dgm:choose>
+                        </dgm:else>
+                      </dgm:choose>
+                      <dgm:shape xmlns:r="http://schemas.openxmlformats.org/officeDocument/2006/relationships" type="conn" r:blip="" zOrderOff="-99999">
+                        <dgm:adjLst/>
+                      </dgm:shape>
+                      <dgm:presOf axis="self"/>
+                      <dgm:constrLst>
+                        <dgm:constr type="begPad"/>
+                        <dgm:constr type="endPad"/>
+                      </dgm:constrLst>
+                      <dgm:ruleLst/>
+                    </dgm:layoutNode>
+                  </dgm:else>
+                </dgm:choose>
+              </dgm:forEach>
+              <dgm:layoutNode name="hierRoot2">
+                <dgm:varLst>
+                  <dgm:hierBranch val="init"/>
+                </dgm:varLst>
+                <dgm:choose name="Name60">
+                  <dgm:if name="Name61" func="var" arg="hierBranch" op="equ" val="l">
+                    <dgm:choose name="Name62">
+                      <dgm:if name="Name63" axis="ch" ptType="asst" func="cnt" op="gte" val="1">
+                        <dgm:alg type="hierRoot">
+                          <dgm:param type="hierAlign" val="tR"/>
+                        </dgm:alg>
+                        <dgm:shape xmlns:r="http://schemas.openxmlformats.org/officeDocument/2006/relationships" r:blip="">
+                          <dgm:adjLst/>
+                        </dgm:shape>
+                        <dgm:presOf/>
+                        <dgm:constrLst>
+                          <dgm:constr type="alignOff" val="0.65"/>
+                        </dgm:constrLst>
+                      </dgm:if>
+                      <dgm:else name="Name64">
+                        <dgm:alg type="hierRoot">
+                          <dgm:param type="hierAlign" val="tR"/>
+                        </dgm:alg>
+                        <dgm:shape xmlns:r="http://schemas.openxmlformats.org/officeDocument/2006/relationships" r:blip="">
+                          <dgm:adjLst/>
+                        </dgm:shape>
+                        <dgm:presOf/>
+                        <dgm:constrLst>
+                          <dgm:constr type="alignOff" val="0.25"/>
+                        </dgm:constrLst>
+                      </dgm:else>
+                    </dgm:choose>
+                  </dgm:if>
+                  <dgm:if name="Name65" func="var" arg="hierBranch" op="equ" val="r">
+                    <dgm:choose name="Name66">
+                      <dgm:if name="Name67" axis="ch" ptType="asst" func="cnt" op="gte" val="1">
+                        <dgm:alg type="hierRoot">
+                          <dgm:param type="hierAlign" val="tL"/>
+                        </dgm:alg>
+                        <dgm:shape xmlns:r="http://schemas.openxmlformats.org/officeDocument/2006/relationships" r:blip="">
+                          <dgm:adjLst/>
+                        </dgm:shape>
+                        <dgm:presOf/>
+                        <dgm:constrLst>
+                          <dgm:constr type="alignOff" val="0.65"/>
+                        </dgm:constrLst>
+                      </dgm:if>
+                      <dgm:else name="Name68">
+                        <dgm:alg type="hierRoot">
+                          <dgm:param type="hierAlign" val="tL"/>
+                        </dgm:alg>
+                        <dgm:shape xmlns:r="http://schemas.openxmlformats.org/officeDocument/2006/relationships" r:blip="">
+                          <dgm:adjLst/>
+                        </dgm:shape>
+                        <dgm:presOf/>
+                        <dgm:constrLst>
+                          <dgm:constr type="alignOff" val="0.25"/>
+                        </dgm:constrLst>
+                      </dgm:else>
+                    </dgm:choose>
+                  </dgm:if>
+                  <dgm:if name="Name69" func="var" arg="hierBranch" op="equ" val="std">
+                    <dgm:alg type="hierRoot"/>
+                    <dgm:shape xmlns:r="http://schemas.openxmlformats.org/officeDocument/2006/relationships" r:blip="">
+                      <dgm:adjLst/>
+                    </dgm:shape>
+                    <dgm:presOf/>
+                    <dgm:constrLst>
+                      <dgm:constr type="alignOff"/>
+                      <dgm:constr type="bendDist" for="des" ptType="parTrans" refType="sp" fact="0.5"/>
+                    </dgm:constrLst>
+                  </dgm:if>
+                  <dgm:if name="Name70" func="var" arg="hierBranch" op="equ" val="init">
+                    <dgm:choose name="Name71">
+                      <dgm:if name="Name72" axis="des" func="maxDepth" op="lte" val="1">
+                        <dgm:choose name="Name73">
+                          <dgm:if name="Name74" axis="ch" ptType="asst" func="cnt" op="gte" val="1">
+                            <dgm:alg type="hierRoot">
+                              <dgm:param type="hierAlign" val="tL"/>
+                            </dgm:alg>
+                            <dgm:shape xmlns:r="http://schemas.openxmlformats.org/officeDocument/2006/relationships" r:blip="">
+                              <dgm:adjLst/>
+                            </dgm:shape>
+                            <dgm:presOf/>
+                            <dgm:constrLst>
+                              <dgm:constr type="alignOff" val="0.65"/>
+                            </dgm:constrLst>
+                          </dgm:if>
+                          <dgm:else name="Name75">
+                            <dgm:alg type="hierRoot">
+                              <dgm:param type="hierAlign" val="tL"/>
+                            </dgm:alg>
+                            <dgm:shape xmlns:r="http://schemas.openxmlformats.org/officeDocument/2006/relationships" r:blip="">
+                              <dgm:adjLst/>
+                            </dgm:shape>
+                            <dgm:presOf/>
+                            <dgm:constrLst>
+                              <dgm:constr type="alignOff" val="0.25"/>
+                            </dgm:constrLst>
+                          </dgm:else>
+                        </dgm:choose>
+                      </dgm:if>
+                      <dgm:else name="Name76">
+                        <dgm:alg type="hierRoot"/>
+                        <dgm:shape xmlns:r="http://schemas.openxmlformats.org/officeDocument/2006/relationships" r:blip="">
+                          <dgm:adjLst/>
+                        </dgm:shape>
+                        <dgm:presOf/>
+                        <dgm:constrLst>
+                          <dgm:constr type="alignOff"/>
+                          <dgm:constr type="bendDist" for="des" ptType="parTrans" refType="sp" fact="0.5"/>
+                        </dgm:constrLst>
+                      </dgm:else>
+                    </dgm:choose>
+                  </dgm:if>
+                  <dgm:else name="Name77">
+                    <dgm:alg type="hierRoot"/>
+                    <dgm:shape xmlns:r="http://schemas.openxmlformats.org/officeDocument/2006/relationships" r:blip="">
+                      <dgm:adjLst/>
+                    </dgm:shape>
+                    <dgm:presOf/>
+                    <dgm:constrLst>
+                      <dgm:constr type="alignOff" val="0.65"/>
+                    </dgm:constrLst>
+                  </dgm:else>
+                </dgm:choose>
+                <dgm:ruleLst/>
+                <dgm:layoutNode name="rootComposite">
+                  <dgm:alg type="composite"/>
+                  <dgm:shape xmlns:r="http://schemas.openxmlformats.org/officeDocument/2006/relationships" r:blip="">
+                    <dgm:adjLst/>
+                  </dgm:shape>
+                  <dgm:presOf axis="self" ptType="node" cnt="1"/>
+                  <dgm:choose name="Name78">
+                    <dgm:if name="Name79" func="var" arg="hierBranch" op="equ" val="init">
+                      <dgm:constrLst>
+                        <dgm:constr type="l" for="ch" forName="rootText"/>
+                        <dgm:constr type="t" for="ch" forName="rootText"/>
+                        <dgm:constr type="w" for="ch" forName="rootText" refType="w"/>
+                        <dgm:constr type="h" for="ch" forName="rootText" refType="h"/>
+                        <dgm:constr type="l" for="ch" forName="rootConnector"/>
+                        <dgm:constr type="t" for="ch" forName="rootConnector"/>
+                        <dgm:constr type="w" for="ch" forName="rootConnector" refType="w" refFor="ch" refForName="rootText" fact="0.2"/>
+                        <dgm:constr type="h" for="ch" forName="rootConnector" refType="h" refFor="ch" refForName="rootText"/>
+                      </dgm:constrLst>
+                    </dgm:if>
+                    <dgm:if name="Name80" func="var" arg="hierBranch" op="equ" val="l">
+                      <dgm:constrLst>
+                        <dgm:constr type="l" for="ch" forName="rootText"/>
+                        <dgm:constr type="t" for="ch" forName="rootText"/>
+                        <dgm:constr type="w" for="ch" forName="rootText" refType="w"/>
+                        <dgm:constr type="h" for="ch" forName="rootText" refType="h"/>
+                        <dgm:constr type="r" for="ch" forName="rootConnector" refType="w"/>
+                        <dgm:constr type="t" for="ch" forName="rootConnector"/>
+                        <dgm:constr type="w" for="ch" forName="rootConnector" refType="w" refFor="ch" refForName="rootText" fact="0.2"/>
+                        <dgm:constr type="h" for="ch" forName="rootConnector" refType="h" refFor="ch" refForName="rootText"/>
+                      </dgm:constrLst>
+                    </dgm:if>
+                    <dgm:if name="Name81" func="var" arg="hierBranch" op="equ" val="r">
+                      <dgm:constrLst>
+                        <dgm:constr type="l" for="ch" forName="rootText"/>
+                        <dgm:constr type="t" for="ch" forName="rootText"/>
+                        <dgm:constr type="w" for="ch" forName="rootText" refType="w"/>
+                        <dgm:constr type="h" for="ch" forName="rootText" refType="h"/>
+                        <dgm:constr type="l" for="ch" forName="rootConnector"/>
+                        <dgm:constr type="t" for="ch" forName="rootConnector"/>
+                        <dgm:constr type="w" for="ch" forName="rootConnector" refType="w" refFor="ch" refForName="rootText" fact="0.2"/>
+                        <dgm:constr type="h" for="ch" forName="rootConnector" refType="h" refFor="ch" refForName="rootText"/>
+                      </dgm:constrLst>
+                    </dgm:if>
+                    <dgm:else name="Name82">
+                      <dgm:constrLst>
+                        <dgm:constr type="l" for="ch" forName="rootText"/>
+                        <dgm:constr type="t" for="ch" forName="rootText"/>
+                        <dgm:constr type="w" for="ch" forName="rootText" refType="w"/>
+                        <dgm:constr type="h" for="ch" forName="rootText" refType="h"/>
+                        <dgm:constr type="r" for="ch" forName="rootConnector" refType="w"/>
+                        <dgm:constr type="t" for="ch" forName="rootConnector"/>
+                        <dgm:constr type="w" for="ch" forName="rootConnector" refType="w" refFor="ch" refForName="rootText" fact="0.2"/>
+                        <dgm:constr type="h" for="ch" forName="rootConnector" refType="h" refFor="ch" refForName="rootText"/>
+                      </dgm:constrLst>
+                    </dgm:else>
+                  </dgm:choose>
+                  <dgm:ruleLst/>
+                  <dgm:layoutNode name="rootText">
+                    <dgm:varLst>
+                      <dgm:chPref val="3"/>
+                    </dgm:varLst>
+                    <dgm:alg type="tx"/>
+                    <dgm:shape xmlns:r="http://schemas.openxmlformats.org/officeDocument/2006/relationships" type="rect" r:blip="">
+                      <dgm:adjLst/>
+                    </dgm:shape>
+                    <dgm:presOf axis="self" ptType="node" cnt="1"/>
+                    <dgm:constrLst>
+                      <dgm:constr type="primFontSz" val="65"/>
+                      <dgm:constr type="lMarg" refType="primFontSz" fact="0.05"/>
+                      <dgm:constr type="rMarg" refType="primFontSz" fact="0.05"/>
+                      <dgm:constr type="tMarg" refType="primFontSz" fact="0.05"/>
+                      <dgm:constr type="bMarg" refType="primFontSz" fact="0.05"/>
+                    </dgm:constrLst>
+                    <dgm:ruleLst>
+                      <dgm:rule type="primFontSz" val="5" fact="NaN" max="NaN"/>
+                    </dgm:ruleLst>
+                  </dgm:layoutNode>
+                  <dgm:layoutNode name="rootConnector" moveWith="rootText">
+                    <dgm:alg type="sp"/>
+                    <dgm:shape xmlns:r="http://schemas.openxmlformats.org/officeDocument/2006/relationships" type="rect" r:blip="" hideGeom="1">
+                      <dgm:adjLst/>
+                    </dgm:shape>
+                    <dgm:presOf axis="self" ptType="node" cnt="1"/>
+                    <dgm:constrLst/>
+                    <dgm:ruleLst/>
+                  </dgm:layoutNode>
+                </dgm:layoutNode>
+                <dgm:layoutNode name="hierChild4">
+                  <dgm:choose name="Name83">
+                    <dgm:if name="Name84" func="var" arg="hierBranch" op="equ" val="l">
+                      <dgm:alg type="hierChild">
+                        <dgm:param type="chAlign" val="r"/>
+                        <dgm:param type="linDir" val="fromT"/>
+                      </dgm:alg>
+                    </dgm:if>
+                    <dgm:if name="Name85" func="var" arg="hierBranch" op="equ" val="r">
+                      <dgm:alg type="hierChild">
+                        <dgm:param type="chAlign" val="l"/>
+                        <dgm:param type="linDir" val="fromT"/>
+                      </dgm:alg>
+                    </dgm:if>
+                    <dgm:if name="Name86" func="var" arg="hierBranch" op="equ" val="hang">
+                      <dgm:choose name="Name87">
+                        <dgm:if name="Name88" func="var" arg="dir" op="equ" val="norm">
+                          <dgm:alg type="hierChild">
+                            <dgm:param type="chAlign" val="l"/>
+                            <dgm:param type="linDir" val="fromL"/>
+                            <dgm:param type="secChAlign" val="t"/>
+                            <dgm:param type="secLinDir" val="fromT"/>
+                          </dgm:alg>
+                        </dgm:if>
+                        <dgm:else name="Name89">
+                          <dgm:alg type="hierChild">
+                            <dgm:param type="chAlign" val="l"/>
+                            <dgm:param type="linDir" val="fromR"/>
+                            <dgm:param type="secChAlign" val="t"/>
+                            <dgm:param type="secLinDir" val="fromT"/>
+                          </dgm:alg>
+                        </dgm:else>
+                      </dgm:choose>
+                    </dgm:if>
+                    <dgm:if name="Name90" func="var" arg="hierBranch" op="equ" val="std">
+                      <dgm:choose name="Name91">
+                        <dgm:if name="Name92" func="var" arg="dir" op="equ" val="norm">
+                          <dgm:alg type="hierChild"/>
+                        </dgm:if>
+                        <dgm:else name="Name93">
+                          <dgm:alg type="hierChild">
+                            <dgm:param type="linDir" val="fromR"/>
+                          </dgm:alg>
+                        </dgm:else>
+                      </dgm:choose>
+                    </dgm:if>
+                    <dgm:if name="Name94" func="var" arg="hierBranch" op="equ" val="init">
+                      <dgm:choose name="Name95">
+                        <dgm:if name="Name96" axis="des" func="maxDepth" op="lte" val="1">
+                          <dgm:alg type="hierChild">
+                            <dgm:param type="chAlign" val="l"/>
+                            <dgm:param type="linDir" val="fromT"/>
+                          </dgm:alg>
+                        </dgm:if>
+                        <dgm:else name="Name97">
+                          <dgm:choose name="Name98">
+                            <dgm:if name="Name99" func="var" arg="dir" op="equ" val="norm">
+                              <dgm:alg type="hierChild"/>
+                            </dgm:if>
+                            <dgm:else name="Name100">
+                              <dgm:alg type="hierChild">
+                                <dgm:param type="linDir" val="fromR"/>
+                              </dgm:alg>
+                            </dgm:else>
+                          </dgm:choose>
+                        </dgm:else>
+                      </dgm:choose>
+                    </dgm:if>
+                    <dgm:else name="Name101"/>
+                  </dgm:choose>
+                  <dgm:shape xmlns:r="http://schemas.openxmlformats.org/officeDocument/2006/relationships" r:blip="">
+                    <dgm:adjLst/>
+                  </dgm:shape>
+                  <dgm:presOf/>
+                  <dgm:constrLst/>
+                  <dgm:ruleLst/>
+                  <dgm:forEach name="Name102" ref="rep2a"/>
+                </dgm:layoutNode>
+                <dgm:layoutNode name="hierChild5">
+                  <dgm:choose name="Name103">
+                    <dgm:if name="Name104" func="var" arg="dir" op="equ" val="norm">
+                      <dgm:alg type="hierChild">
+                        <dgm:param type="chAlign" val="l"/>
+                        <dgm:param type="linDir" val="fromL"/>
+                        <dgm:param type="secChAlign" val="t"/>
+                        <dgm:param type="secLinDir" val="fromT"/>
+                      </dgm:alg>
+                    </dgm:if>
+                    <dgm:else name="Name105">
+                      <dgm:alg type="hierChild">
+                        <dgm:param type="chAlign" val="l"/>
+                        <dgm:param type="linDir" val="fromR"/>
+                        <dgm:param type="secChAlign" val="t"/>
+                        <dgm:param type="secLinDir" val="fromT"/>
+                      </dgm:alg>
+                    </dgm:else>
+                  </dgm:choose>
+                  <dgm:shape xmlns:r="http://schemas.openxmlformats.org/officeDocument/2006/relationships" r:blip="">
+                    <dgm:adjLst/>
+                  </dgm:shape>
+                  <dgm:presOf/>
+                  <dgm:constrLst/>
+                  <dgm:ruleLst/>
+                  <dgm:forEach name="Name106" ref="rep2b"/>
+                </dgm:layoutNode>
+              </dgm:layoutNode>
+            </dgm:forEach>
+          </dgm:layoutNode>
+          <dgm:layoutNode name="hierChild3">
+            <dgm:choose name="Name107">
+              <dgm:if name="Name108" func="var" arg="dir" op="equ" val="norm">
+                <dgm:alg type="hierChild">
+                  <dgm:param type="chAlign" val="l"/>
+                  <dgm:param type="linDir" val="fromL"/>
+                  <dgm:param type="secChAlign" val="t"/>
+                  <dgm:param type="secLinDir" val="fromT"/>
+                </dgm:alg>
+              </dgm:if>
+              <dgm:else name="Name109">
+                <dgm:alg type="hierChild">
+                  <dgm:param type="chAlign" val="l"/>
+                  <dgm:param type="linDir" val="fromR"/>
+                  <dgm:param type="secChAlign" val="t"/>
+                  <dgm:param type="secLinDir" val="fromT"/>
+                </dgm:alg>
+              </dgm:else>
+            </dgm:choose>
+            <dgm:shape xmlns:r="http://schemas.openxmlformats.org/officeDocument/2006/relationships" r:blip="">
+              <dgm:adjLst/>
+            </dgm:shape>
+            <dgm:presOf/>
+            <dgm:constrLst/>
+            <dgm:ruleLst/>
+            <dgm:forEach name="rep2b" axis="ch" ptType="asst">
+              <dgm:forEach name="Name110" axis="precedSib" ptType="parTrans" st="-1" cnt="1">
+                <dgm:layoutNode name="Name111">
+                  <dgm:alg type="conn">
+                    <dgm:param type="connRout" val="bend"/>
+                    <dgm:param type="dim" val="1D"/>
+                    <dgm:param type="endSty" val="noArr"/>
+                    <dgm:param type="begPts" val="bCtr"/>
+                    <dgm:param type="endPts" val="midL midR"/>
+                  </dgm:alg>
+                  <dgm:shape xmlns:r="http://schemas.openxmlformats.org/officeDocument/2006/relationships" type="conn" r:blip="" zOrderOff="-99999">
+                    <dgm:adjLst/>
+                  </dgm:shape>
+                  <dgm:presOf axis="self"/>
+                  <dgm:constrLst>
+                    <dgm:constr type="begPad"/>
+                    <dgm:constr type="endPad"/>
+                  </dgm:constrLst>
+                  <dgm:ruleLst/>
+                </dgm:layoutNode>
+              </dgm:forEach>
+              <dgm:layoutNode name="hierRoot3">
+                <dgm:varLst>
+                  <dgm:hierBranch val="init"/>
+                </dgm:varLst>
+                <dgm:choose name="Name112">
+                  <dgm:if name="Name113" func="var" arg="hierBranch" op="equ" val="l">
+                    <dgm:alg type="hierRoot">
+                      <dgm:param type="hierAlign" val="tR"/>
+                    </dgm:alg>
+                    <dgm:shape xmlns:r="http://schemas.openxmlformats.org/officeDocument/2006/relationships" r:blip="">
+                      <dgm:adjLst/>
+                    </dgm:shape>
+                    <dgm:presOf/>
+                    <dgm:constrLst>
+                      <dgm:constr type="alignOff" val="0.65"/>
+                    </dgm:constrLst>
+                  </dgm:if>
+                  <dgm:if name="Name114" func="var" arg="hierBranch" op="equ" val="r">
+                    <dgm:alg type="hierRoot">
+                      <dgm:param type="hierAlign" val="tL"/>
+                    </dgm:alg>
+                    <dgm:shape xmlns:r="http://schemas.openxmlformats.org/officeDocument/2006/relationships" r:blip="">
+                      <dgm:adjLst/>
+                    </dgm:shape>
+                    <dgm:presOf/>
+                    <dgm:constrLst>
+                      <dgm:constr type="alignOff" val="0.65"/>
+                    </dgm:constrLst>
+                  </dgm:if>
+                  <dgm:if name="Name115" func="var" arg="hierBranch" op="equ" val="hang">
+                    <dgm:alg type="hierRoot"/>
+                    <dgm:shape xmlns:r="http://schemas.openxmlformats.org/officeDocument/2006/relationships" r:blip="">
+                      <dgm:adjLst/>
+                    </dgm:shape>
+                    <dgm:presOf/>
+                    <dgm:constrLst>
+                      <dgm:constr type="alignOff" val="0.65"/>
+                    </dgm:constrLst>
+                  </dgm:if>
+                  <dgm:if name="Name116" func="var" arg="hierBranch" op="equ" val="std">
+                    <dgm:alg type="hierRoot"/>
+                    <dgm:shape xmlns:r="http://schemas.openxmlformats.org/officeDocument/2006/relationships" r:blip="">
+                      <dgm:adjLst/>
+                    </dgm:shape>
+                    <dgm:presOf/>
+                    <dgm:constrLst>
+                      <dgm:constr type="alignOff"/>
+                      <dgm:constr type="bendDist" for="des" ptType="parTrans" refType="sp" fact="0.5"/>
+                    </dgm:constrLst>
+                  </dgm:if>
+                  <dgm:if name="Name117" func="var" arg="hierBranch" op="equ" val="init">
+                    <dgm:choose name="Name118">
+                      <dgm:if name="Name119" axis="des" func="maxDepth" op="lte" val="1">
+                        <dgm:alg type="hierRoot">
+                          <dgm:param type="hierAlign" val="tL"/>
+                        </dgm:alg>
+                        <dgm:shape xmlns:r="http://schemas.openxmlformats.org/officeDocument/2006/relationships" r:blip="">
+                          <dgm:adjLst/>
+                        </dgm:shape>
+                        <dgm:presOf/>
+                        <dgm:constrLst>
+                          <dgm:constr type="alignOff" val="0.65"/>
+                        </dgm:constrLst>
+                      </dgm:if>
+                      <dgm:else name="Name120">
+                        <dgm:alg type="hierRoot"/>
+                        <dgm:shape xmlns:r="http://schemas.openxmlformats.org/officeDocument/2006/relationships" r:blip="">
+                          <dgm:adjLst/>
+                        </dgm:shape>
+                        <dgm:presOf/>
+                        <dgm:constrLst>
+                          <dgm:constr type="alignOff"/>
+                          <dgm:constr type="bendDist" for="des" ptType="parTrans" refType="sp" fact="0.5"/>
+                        </dgm:constrLst>
+                      </dgm:else>
+                    </dgm:choose>
+                  </dgm:if>
+                  <dgm:else name="Name121"/>
+                </dgm:choose>
+                <dgm:ruleLst/>
+                <dgm:layoutNode name="rootComposite3">
+                  <dgm:alg type="composite"/>
+                  <dgm:shape xmlns:r="http://schemas.openxmlformats.org/officeDocument/2006/relationships" r:blip="">
+                    <dgm:adjLst/>
+                  </dgm:shape>
+                  <dgm:presOf axis="self" ptType="node" cnt="1"/>
+                  <dgm:choose name="Name122">
+                    <dgm:if name="Name123" func="var" arg="hierBranch" op="equ" val="init">
+                      <dgm:constrLst>
+                        <dgm:constr type="l" for="ch" forName="rootText3"/>
+                        <dgm:constr type="t" for="ch" forName="rootText3"/>
+                        <dgm:constr type="w" for="ch" forName="rootText3" refType="w"/>
+                        <dgm:constr type="h" for="ch" forName="rootText3" refType="h"/>
+                        <dgm:constr type="l" for="ch" forName="rootConnector3"/>
+                        <dgm:constr type="t" for="ch" forName="rootConnector3"/>
+                        <dgm:constr type="w" for="ch" forName="rootConnector3" refType="w" refFor="ch" refForName="rootText3" fact="0.2"/>
+                        <dgm:constr type="h" for="ch" forName="rootConnector3" refType="h" refFor="ch" refForName="rootText3"/>
+                      </dgm:constrLst>
+                    </dgm:if>
+                    <dgm:if name="Name124" func="var" arg="hierBranch" op="equ" val="l">
+                      <dgm:constrLst>
+                        <dgm:constr type="l" for="ch" forName="rootText3"/>
+                        <dgm:constr type="t" for="ch" forName="rootText3"/>
+                        <dgm:constr type="w" for="ch" forName="rootText3" refType="w"/>
+                        <dgm:constr type="h" for="ch" forName="rootText3" refType="h"/>
+                        <dgm:constr type="r" for="ch" forName="rootConnector3" refType="w"/>
+                        <dgm:constr type="t" for="ch" forName="rootConnector3"/>
+                        <dgm:constr type="w" for="ch" forName="rootConnector3" refType="w" refFor="ch" refForName="rootText3" fact="0.2"/>
+                        <dgm:constr type="h" for="ch" forName="rootConnector3" refType="h" refFor="ch" refForName="rootText3"/>
+                      </dgm:constrLst>
+                    </dgm:if>
+                    <dgm:if name="Name125" func="var" arg="hierBranch" op="equ" val="r">
+                      <dgm:constrLst>
+                        <dgm:constr type="l" for="ch" forName="rootText3"/>
+                        <dgm:constr type="t" for="ch" forName="rootText3"/>
+                        <dgm:constr type="w" for="ch" forName="rootText3" refType="w"/>
+                        <dgm:constr type="h" for="ch" forName="rootText3" refType="h"/>
+                        <dgm:constr type="l" for="ch" forName="rootConnector3"/>
+                        <dgm:constr type="t" for="ch" forName="rootConnector3"/>
+                        <dgm:constr type="w" for="ch" forName="rootConnector3" refType="w" refFor="ch" refForName="rootText3" fact="0.2"/>
+                        <dgm:constr type="h" for="ch" forName="rootConnector3" refType="h" refFor="ch" refForName="rootText3"/>
+                      </dgm:constrLst>
+                    </dgm:if>
+                    <dgm:else name="Name126">
+                      <dgm:constrLst>
+                        <dgm:constr type="l" for="ch" forName="rootText3"/>
+                        <dgm:constr type="t" for="ch" forName="rootText3"/>
+                        <dgm:constr type="w" for="ch" forName="rootText3" refType="w"/>
+                        <dgm:constr type="h" for="ch" forName="rootText3" refType="h"/>
+                        <dgm:constr type="r" for="ch" forName="rootConnector3" refType="w"/>
+                        <dgm:constr type="t" for="ch" forName="rootConnector3"/>
+                        <dgm:constr type="w" for="ch" forName="rootConnector3" refType="w" refFor="ch" refForName="rootText3" fact="0.2"/>
+                        <dgm:constr type="h" for="ch" forName="rootConnector3" refType="h" refFor="ch" refForName="rootText3"/>
+                      </dgm:constrLst>
+                    </dgm:else>
+                  </dgm:choose>
+                  <dgm:ruleLst/>
+                  <dgm:layoutNode name="rootText3">
+                    <dgm:varLst>
+                      <dgm:chPref val="3"/>
+                    </dgm:varLst>
+                    <dgm:alg type="tx"/>
+                    <dgm:shape xmlns:r="http://schemas.openxmlformats.org/officeDocument/2006/relationships" type="rect" r:blip="">
+                      <dgm:adjLst/>
+                    </dgm:shape>
+                    <dgm:presOf axis="self" ptType="node" cnt="1"/>
+                    <dgm:constrLst>
+                      <dgm:constr type="primFontSz" val="65"/>
+                      <dgm:constr type="lMarg" refType="primFontSz" fact="0.05"/>
+                      <dgm:constr type="rMarg" refType="primFontSz" fact="0.05"/>
+                      <dgm:constr type="tMarg" refType="primFontSz" fact="0.05"/>
+                      <dgm:constr type="bMarg" refType="primFontSz" fact="0.05"/>
+                    </dgm:constrLst>
+                    <dgm:ruleLst>
+                      <dgm:rule type="primFontSz" val="5" fact="NaN" max="NaN"/>
+                    </dgm:ruleLst>
+                  </dgm:layoutNode>
+                  <dgm:layoutNode name="rootConnector3" moveWith="rootText1">
+                    <dgm:alg type="sp"/>
+                    <dgm:shape xmlns:r="http://schemas.openxmlformats.org/officeDocument/2006/relationships" type="rect" r:blip="" hideGeom="1">
+                      <dgm:adjLst/>
+                    </dgm:shape>
+                    <dgm:presOf axis="self" ptType="node" cnt="1"/>
+                    <dgm:constrLst/>
+                    <dgm:ruleLst/>
+                  </dgm:layoutNode>
+                </dgm:layoutNode>
+                <dgm:layoutNode name="hierChild6">
+                  <dgm:choose name="Name127">
+                    <dgm:if name="Name128" func="var" arg="hierBranch" op="equ" val="l">
+                      <dgm:alg type="hierChild">
+                        <dgm:param type="chAlign" val="r"/>
+                        <dgm:param type="linDir" val="fromT"/>
+                      </dgm:alg>
+                    </dgm:if>
+                    <dgm:if name="Name129" func="var" arg="hierBranch" op="equ" val="r">
+                      <dgm:alg type="hierChild">
+                        <dgm:param type="chAlign" val="l"/>
+                        <dgm:param type="linDir" val="fromT"/>
+                      </dgm:alg>
+                    </dgm:if>
+                    <dgm:if name="Name130" func="var" arg="hierBranch" op="equ" val="hang">
+                      <dgm:choose name="Name131">
+                        <dgm:if name="Name132" func="var" arg="dir" op="equ" val="norm">
+                          <dgm:alg type="hierChild">
+                            <dgm:param type="chAlign" val="l"/>
+                            <dgm:param type="linDir" val="fromL"/>
+                            <dgm:param type="secChAlign" val="t"/>
+                            <dgm:param type="secLinDir" val="fromT"/>
+                          </dgm:alg>
+                        </dgm:if>
+                        <dgm:else name="Name133">
+                          <dgm:alg type="hierChild">
+                            <dgm:param type="chAlign" val="l"/>
+                            <dgm:param type="linDir" val="fromR"/>
+                            <dgm:param type="secChAlign" val="t"/>
+                            <dgm:param type="secLinDir" val="fromT"/>
+                          </dgm:alg>
+                        </dgm:else>
+                      </dgm:choose>
+                    </dgm:if>
+                    <dgm:if name="Name134" func="var" arg="hierBranch" op="equ" val="std">
+                      <dgm:choose name="Name135">
+                        <dgm:if name="Name136" func="var" arg="dir" op="equ" val="norm">
+                          <dgm:alg type="hierChild"/>
+                        </dgm:if>
+                        <dgm:else name="Name137">
+                          <dgm:alg type="hierChild">
+                            <dgm:param type="linDir" val="fromR"/>
+                          </dgm:alg>
+                        </dgm:else>
+                      </dgm:choose>
+                    </dgm:if>
+                    <dgm:if name="Name138" func="var" arg="hierBranch" op="equ" val="init">
+                      <dgm:choose name="Name139">
+                        <dgm:if name="Name140" axis="des" func="maxDepth" op="lte" val="1">
+                          <dgm:alg type="hierChild">
+                            <dgm:param type="chAlign" val="l"/>
+                            <dgm:param type="linDir" val="fromT"/>
+                          </dgm:alg>
+                        </dgm:if>
+                        <dgm:else name="Name141">
+                          <dgm:alg type="hierChild"/>
+                        </dgm:else>
+                      </dgm:choose>
+                    </dgm:if>
+                    <dgm:else name="Name142"/>
+                  </dgm:choose>
+                  <dgm:shape xmlns:r="http://schemas.openxmlformats.org/officeDocument/2006/relationships" r:blip="">
+                    <dgm:adjLst/>
+                  </dgm:shape>
+                  <dgm:presOf/>
+                  <dgm:constrLst/>
+                  <dgm:ruleLst/>
+                  <dgm:forEach name="Name143" ref="rep2a"/>
+                </dgm:layoutNode>
+                <dgm:layoutNode name="hierChild7">
+                  <dgm:choose name="Name144">
+                    <dgm:if name="Name145" func="var" arg="dir" op="equ" val="norm">
+                      <dgm:alg type="hierChild">
+                        <dgm:param type="chAlign" val="l"/>
+                        <dgm:param type="linDir" val="fromL"/>
+                        <dgm:param type="secChAlign" val="t"/>
+                        <dgm:param type="secLinDir" val="fromT"/>
+                      </dgm:alg>
+                    </dgm:if>
+                    <dgm:else name="Name146">
+                      <dgm:alg type="hierChild">
+                        <dgm:param type="chAlign" val="l"/>
+                        <dgm:param type="linDir" val="fromR"/>
+                        <dgm:param type="secChAlign" val="t"/>
+                        <dgm:param type="secLinDir" val="fromT"/>
+                      </dgm:alg>
+                    </dgm:else>
+                  </dgm:choose>
+                  <dgm:shape xmlns:r="http://schemas.openxmlformats.org/officeDocument/2006/relationships" r:blip="">
+                    <dgm:adjLst/>
+                  </dgm:shape>
+                  <dgm:presOf/>
+                  <dgm:constrLst/>
+                  <dgm:ruleLst/>
+                  <dgm:forEach name="Name147" ref="rep2b"/>
+                </dgm:layoutNode>
+              </dgm:layoutNode>
+            </dgm:forEach>
+          </dgm:layoutNode>
+        </dgm:layoutNode>
+      </dgm:forEach>
+    </dgm:forEach>
+  </dgm:layoutNode>
+</dgm:layoutDef>
+</file>
+
+<file path=ppt/diagrams/layout3.xml><?xml version="1.0" encoding="utf-8"?>
 <dgm:layoutDef xmlns:dgm="http://schemas.openxmlformats.org/drawingml/2006/diagram" xmlns:a="http://schemas.openxmlformats.org/drawingml/2006/main" uniqueId="urn:microsoft.com/office/officeart/2005/8/layout/hierarchy1">
   <dgm:title val=""/>
   <dgm:desc val=""/>
@@ -7983,6 +11005,1040 @@
 </dgm:styleDef>
 </file>
 
+<file path=ppt/diagrams/quickStyle3.xml><?xml version="1.0" encoding="utf-8"?>
+<dgm:styleDef xmlns:dgm="http://schemas.openxmlformats.org/drawingml/2006/diagram" xmlns:a="http://schemas.openxmlformats.org/drawingml/2006/main" uniqueId="urn:microsoft.com/office/officeart/2005/8/quickstyle/simple1">
+  <dgm:title val=""/>
+  <dgm:desc val=""/>
+  <dgm:catLst>
+    <dgm:cat type="simple" pri="10100"/>
+  </dgm:catLst>
+  <dgm:scene3d>
+    <a:camera prst="orthographicFront"/>
+    <a:lightRig rig="threePt" dir="t"/>
+  </dgm:scene3d>
+  <dgm:styleLbl name="node0">
+    <dgm:scene3d>
+      <a:camera prst="orthographicFront"/>
+      <a:lightRig rig="threePt" dir="t"/>
+    </dgm:scene3d>
+    <dgm:sp3d/>
+    <dgm:txPr/>
+    <dgm:style>
+      <a:lnRef idx="2">
+        <a:scrgbClr r="0" g="0" b="0"/>
+      </a:lnRef>
+      <a:fillRef idx="1">
+        <a:scrgbClr r="0" g="0" b="0"/>
+      </a:fillRef>
+      <a:effectRef idx="0">
+        <a:scrgbClr r="0" g="0" b="0"/>
+      </a:effectRef>
+      <a:fontRef idx="minor">
+        <a:schemeClr val="lt1"/>
+      </a:fontRef>
+    </dgm:style>
+  </dgm:styleLbl>
+  <dgm:styleLbl name="lnNode1">
+    <dgm:scene3d>
+      <a:camera prst="orthographicFront"/>
+      <a:lightRig rig="threePt" dir="t"/>
+    </dgm:scene3d>
+    <dgm:sp3d/>
+    <dgm:txPr/>
+    <dgm:style>
+      <a:lnRef idx="2">
+        <a:scrgbClr r="0" g="0" b="0"/>
+      </a:lnRef>
+      <a:fillRef idx="1">
+        <a:scrgbClr r="0" g="0" b="0"/>
+      </a:fillRef>
+      <a:effectRef idx="0">
+        <a:scrgbClr r="0" g="0" b="0"/>
+      </a:effectRef>
+      <a:fontRef idx="minor">
+        <a:schemeClr val="lt1"/>
+      </a:fontRef>
+    </dgm:style>
+  </dgm:styleLbl>
+  <dgm:styleLbl name="vennNode1">
+    <dgm:scene3d>
+      <a:camera prst="orthographicFront"/>
+      <a:lightRig rig="threePt" dir="t"/>
+    </dgm:scene3d>
+    <dgm:sp3d/>
+    <dgm:txPr/>
+    <dgm:style>
+      <a:lnRef idx="2">
+        <a:scrgbClr r="0" g="0" b="0"/>
+      </a:lnRef>
+      <a:fillRef idx="1">
+        <a:scrgbClr r="0" g="0" b="0"/>
+      </a:fillRef>
+      <a:effectRef idx="0">
+        <a:scrgbClr r="0" g="0" b="0"/>
+      </a:effectRef>
+      <a:fontRef idx="minor">
+        <a:schemeClr val="tx1"/>
+      </a:fontRef>
+    </dgm:style>
+  </dgm:styleLbl>
+  <dgm:styleLbl name="alignNode1">
+    <dgm:scene3d>
+      <a:camera prst="orthographicFront"/>
+      <a:lightRig rig="threePt" dir="t"/>
+    </dgm:scene3d>
+    <dgm:sp3d/>
+    <dgm:txPr/>
+    <dgm:style>
+      <a:lnRef idx="2">
+        <a:scrgbClr r="0" g="0" b="0"/>
+      </a:lnRef>
+      <a:fillRef idx="1">
+        <a:scrgbClr r="0" g="0" b="0"/>
+      </a:fillRef>
+      <a:effectRef idx="0">
+        <a:scrgbClr r="0" g="0" b="0"/>
+      </a:effectRef>
+      <a:fontRef idx="minor">
+        <a:schemeClr val="lt1"/>
+      </a:fontRef>
+    </dgm:style>
+  </dgm:styleLbl>
+  <dgm:styleLbl name="node1">
+    <dgm:scene3d>
+      <a:camera prst="orthographicFront"/>
+      <a:lightRig rig="threePt" dir="t"/>
+    </dgm:scene3d>
+    <dgm:sp3d/>
+    <dgm:txPr/>
+    <dgm:style>
+      <a:lnRef idx="2">
+        <a:scrgbClr r="0" g="0" b="0"/>
+      </a:lnRef>
+      <a:fillRef idx="1">
+        <a:scrgbClr r="0" g="0" b="0"/>
+      </a:fillRef>
+      <a:effectRef idx="0">
+        <a:scrgbClr r="0" g="0" b="0"/>
+      </a:effectRef>
+      <a:fontRef idx="minor">
+        <a:schemeClr val="lt1"/>
+      </a:fontRef>
+    </dgm:style>
+  </dgm:styleLbl>
+  <dgm:styleLbl name="node2">
+    <dgm:scene3d>
+      <a:camera prst="orthographicFront"/>
+      <a:lightRig rig="threePt" dir="t"/>
+    </dgm:scene3d>
+    <dgm:sp3d/>
+    <dgm:txPr/>
+    <dgm:style>
+      <a:lnRef idx="2">
+        <a:scrgbClr r="0" g="0" b="0"/>
+      </a:lnRef>
+      <a:fillRef idx="1">
+        <a:scrgbClr r="0" g="0" b="0"/>
+      </a:fillRef>
+      <a:effectRef idx="0">
+        <a:scrgbClr r="0" g="0" b="0"/>
+      </a:effectRef>
+      <a:fontRef idx="minor">
+        <a:schemeClr val="lt1"/>
+      </a:fontRef>
+    </dgm:style>
+  </dgm:styleLbl>
+  <dgm:styleLbl name="node3">
+    <dgm:scene3d>
+      <a:camera prst="orthographicFront"/>
+      <a:lightRig rig="threePt" dir="t"/>
+    </dgm:scene3d>
+    <dgm:sp3d/>
+    <dgm:txPr/>
+    <dgm:style>
+      <a:lnRef idx="2">
+        <a:scrgbClr r="0" g="0" b="0"/>
+      </a:lnRef>
+      <a:fillRef idx="1">
+        <a:scrgbClr r="0" g="0" b="0"/>
+      </a:fillRef>
+      <a:effectRef idx="0">
+        <a:scrgbClr r="0" g="0" b="0"/>
+      </a:effectRef>
+      <a:fontRef idx="minor">
+        <a:schemeClr val="lt1"/>
+      </a:fontRef>
+    </dgm:style>
+  </dgm:styleLbl>
+  <dgm:styleLbl name="node4">
+    <dgm:scene3d>
+      <a:camera prst="orthographicFront"/>
+      <a:lightRig rig="threePt" dir="t"/>
+    </dgm:scene3d>
+    <dgm:sp3d/>
+    <dgm:txPr/>
+    <dgm:style>
+      <a:lnRef idx="2">
+        <a:scrgbClr r="0" g="0" b="0"/>
+      </a:lnRef>
+      <a:fillRef idx="1">
+        <a:scrgbClr r="0" g="0" b="0"/>
+      </a:fillRef>
+      <a:effectRef idx="0">
+        <a:scrgbClr r="0" g="0" b="0"/>
+      </a:effectRef>
+      <a:fontRef idx="minor">
+        <a:schemeClr val="lt1"/>
+      </a:fontRef>
+    </dgm:style>
+  </dgm:styleLbl>
+  <dgm:styleLbl name="fgImgPlace1">
+    <dgm:scene3d>
+      <a:camera prst="orthographicFront"/>
+      <a:lightRig rig="threePt" dir="t"/>
+    </dgm:scene3d>
+    <dgm:sp3d/>
+    <dgm:txPr/>
+    <dgm:style>
+      <a:lnRef idx="2">
+        <a:scrgbClr r="0" g="0" b="0"/>
+      </a:lnRef>
+      <a:fillRef idx="1">
+        <a:scrgbClr r="0" g="0" b="0"/>
+      </a:fillRef>
+      <a:effectRef idx="0">
+        <a:scrgbClr r="0" g="0" b="0"/>
+      </a:effectRef>
+      <a:fontRef idx="minor"/>
+    </dgm:style>
+  </dgm:styleLbl>
+  <dgm:styleLbl name="alignImgPlace1">
+    <dgm:scene3d>
+      <a:camera prst="orthographicFront"/>
+      <a:lightRig rig="threePt" dir="t"/>
+    </dgm:scene3d>
+    <dgm:sp3d/>
+    <dgm:txPr/>
+    <dgm:style>
+      <a:lnRef idx="2">
+        <a:scrgbClr r="0" g="0" b="0"/>
+      </a:lnRef>
+      <a:fillRef idx="1">
+        <a:scrgbClr r="0" g="0" b="0"/>
+      </a:fillRef>
+      <a:effectRef idx="0">
+        <a:scrgbClr r="0" g="0" b="0"/>
+      </a:effectRef>
+      <a:fontRef idx="minor"/>
+    </dgm:style>
+  </dgm:styleLbl>
+  <dgm:styleLbl name="bgImgPlace1">
+    <dgm:scene3d>
+      <a:camera prst="orthographicFront"/>
+      <a:lightRig rig="threePt" dir="t"/>
+    </dgm:scene3d>
+    <dgm:sp3d/>
+    <dgm:txPr/>
+    <dgm:style>
+      <a:lnRef idx="2">
+        <a:scrgbClr r="0" g="0" b="0"/>
+      </a:lnRef>
+      <a:fillRef idx="1">
+        <a:scrgbClr r="0" g="0" b="0"/>
+      </a:fillRef>
+      <a:effectRef idx="0">
+        <a:scrgbClr r="0" g="0" b="0"/>
+      </a:effectRef>
+      <a:fontRef idx="minor"/>
+    </dgm:style>
+  </dgm:styleLbl>
+  <dgm:styleLbl name="sibTrans2D1">
+    <dgm:scene3d>
+      <a:camera prst="orthographicFront"/>
+      <a:lightRig rig="threePt" dir="t"/>
+    </dgm:scene3d>
+    <dgm:sp3d/>
+    <dgm:txPr/>
+    <dgm:style>
+      <a:lnRef idx="0">
+        <a:scrgbClr r="0" g="0" b="0"/>
+      </a:lnRef>
+      <a:fillRef idx="1">
+        <a:scrgbClr r="0" g="0" b="0"/>
+      </a:fillRef>
+      <a:effectRef idx="0">
+        <a:scrgbClr r="0" g="0" b="0"/>
+      </a:effectRef>
+      <a:fontRef idx="minor">
+        <a:schemeClr val="lt1"/>
+      </a:fontRef>
+    </dgm:style>
+  </dgm:styleLbl>
+  <dgm:styleLbl name="fgSibTrans2D1">
+    <dgm:scene3d>
+      <a:camera prst="orthographicFront"/>
+      <a:lightRig rig="threePt" dir="t"/>
+    </dgm:scene3d>
+    <dgm:sp3d/>
+    <dgm:txPr/>
+    <dgm:style>
+      <a:lnRef idx="0">
+        <a:scrgbClr r="0" g="0" b="0"/>
+      </a:lnRef>
+      <a:fillRef idx="1">
+        <a:scrgbClr r="0" g="0" b="0"/>
+      </a:fillRef>
+      <a:effectRef idx="0">
+        <a:scrgbClr r="0" g="0" b="0"/>
+      </a:effectRef>
+      <a:fontRef idx="minor">
+        <a:schemeClr val="lt1"/>
+      </a:fontRef>
+    </dgm:style>
+  </dgm:styleLbl>
+  <dgm:styleLbl name="bgSibTrans2D1">
+    <dgm:scene3d>
+      <a:camera prst="orthographicFront"/>
+      <a:lightRig rig="threePt" dir="t"/>
+    </dgm:scene3d>
+    <dgm:sp3d/>
+    <dgm:txPr/>
+    <dgm:style>
+      <a:lnRef idx="0">
+        <a:scrgbClr r="0" g="0" b="0"/>
+      </a:lnRef>
+      <a:fillRef idx="1">
+        <a:scrgbClr r="0" g="0" b="0"/>
+      </a:fillRef>
+      <a:effectRef idx="0">
+        <a:scrgbClr r="0" g="0" b="0"/>
+      </a:effectRef>
+      <a:fontRef idx="minor">
+        <a:schemeClr val="lt1"/>
+      </a:fontRef>
+    </dgm:style>
+  </dgm:styleLbl>
+  <dgm:styleLbl name="sibTrans1D1">
+    <dgm:scene3d>
+      <a:camera prst="orthographicFront"/>
+      <a:lightRig rig="threePt" dir="t"/>
+    </dgm:scene3d>
+    <dgm:sp3d/>
+    <dgm:txPr/>
+    <dgm:style>
+      <a:lnRef idx="1">
+        <a:scrgbClr r="0" g="0" b="0"/>
+      </a:lnRef>
+      <a:fillRef idx="0">
+        <a:scrgbClr r="0" g="0" b="0"/>
+      </a:fillRef>
+      <a:effectRef idx="0">
+        <a:scrgbClr r="0" g="0" b="0"/>
+      </a:effectRef>
+      <a:fontRef idx="minor"/>
+    </dgm:style>
+  </dgm:styleLbl>
+  <dgm:styleLbl name="callout">
+    <dgm:scene3d>
+      <a:camera prst="orthographicFront"/>
+      <a:lightRig rig="threePt" dir="t"/>
+    </dgm:scene3d>
+    <dgm:sp3d/>
+    <dgm:txPr/>
+    <dgm:style>
+      <a:lnRef idx="2">
+        <a:scrgbClr r="0" g="0" b="0"/>
+      </a:lnRef>
+      <a:fillRef idx="1">
+        <a:scrgbClr r="0" g="0" b="0"/>
+      </a:fillRef>
+      <a:effectRef idx="0">
+        <a:scrgbClr r="0" g="0" b="0"/>
+      </a:effectRef>
+      <a:fontRef idx="minor"/>
+    </dgm:style>
+  </dgm:styleLbl>
+  <dgm:styleLbl name="asst0">
+    <dgm:scene3d>
+      <a:camera prst="orthographicFront"/>
+      <a:lightRig rig="threePt" dir="t"/>
+    </dgm:scene3d>
+    <dgm:sp3d/>
+    <dgm:txPr/>
+    <dgm:style>
+      <a:lnRef idx="2">
+        <a:scrgbClr r="0" g="0" b="0"/>
+      </a:lnRef>
+      <a:fillRef idx="1">
+        <a:scrgbClr r="0" g="0" b="0"/>
+      </a:fillRef>
+      <a:effectRef idx="0">
+        <a:scrgbClr r="0" g="0" b="0"/>
+      </a:effectRef>
+      <a:fontRef idx="minor">
+        <a:schemeClr val="lt1"/>
+      </a:fontRef>
+    </dgm:style>
+  </dgm:styleLbl>
+  <dgm:styleLbl name="asst1">
+    <dgm:scene3d>
+      <a:camera prst="orthographicFront"/>
+      <a:lightRig rig="threePt" dir="t"/>
+    </dgm:scene3d>
+    <dgm:sp3d/>
+    <dgm:txPr/>
+    <dgm:style>
+      <a:lnRef idx="2">
+        <a:scrgbClr r="0" g="0" b="0"/>
+      </a:lnRef>
+      <a:fillRef idx="1">
+        <a:scrgbClr r="0" g="0" b="0"/>
+      </a:fillRef>
+      <a:effectRef idx="0">
+        <a:scrgbClr r="0" g="0" b="0"/>
+      </a:effectRef>
+      <a:fontRef idx="minor">
+        <a:schemeClr val="lt1"/>
+      </a:fontRef>
+    </dgm:style>
+  </dgm:styleLbl>
+  <dgm:styleLbl name="asst2">
+    <dgm:scene3d>
+      <a:camera prst="orthographicFront"/>
+      <a:lightRig rig="threePt" dir="t"/>
+    </dgm:scene3d>
+    <dgm:sp3d/>
+    <dgm:txPr/>
+    <dgm:style>
+      <a:lnRef idx="2">
+        <a:scrgbClr r="0" g="0" b="0"/>
+      </a:lnRef>
+      <a:fillRef idx="1">
+        <a:scrgbClr r="0" g="0" b="0"/>
+      </a:fillRef>
+      <a:effectRef idx="0">
+        <a:scrgbClr r="0" g="0" b="0"/>
+      </a:effectRef>
+      <a:fontRef idx="minor">
+        <a:schemeClr val="lt1"/>
+      </a:fontRef>
+    </dgm:style>
+  </dgm:styleLbl>
+  <dgm:styleLbl name="asst3">
+    <dgm:scene3d>
+      <a:camera prst="orthographicFront"/>
+      <a:lightRig rig="threePt" dir="t"/>
+    </dgm:scene3d>
+    <dgm:sp3d/>
+    <dgm:txPr/>
+    <dgm:style>
+      <a:lnRef idx="2">
+        <a:scrgbClr r="0" g="0" b="0"/>
+      </a:lnRef>
+      <a:fillRef idx="1">
+        <a:scrgbClr r="0" g="0" b="0"/>
+      </a:fillRef>
+      <a:effectRef idx="0">
+        <a:scrgbClr r="0" g="0" b="0"/>
+      </a:effectRef>
+      <a:fontRef idx="minor">
+        <a:schemeClr val="lt1"/>
+      </a:fontRef>
+    </dgm:style>
+  </dgm:styleLbl>
+  <dgm:styleLbl name="asst4">
+    <dgm:scene3d>
+      <a:camera prst="orthographicFront"/>
+      <a:lightRig rig="threePt" dir="t"/>
+    </dgm:scene3d>
+    <dgm:sp3d/>
+    <dgm:txPr/>
+    <dgm:style>
+      <a:lnRef idx="2">
+        <a:scrgbClr r="0" g="0" b="0"/>
+      </a:lnRef>
+      <a:fillRef idx="1">
+        <a:scrgbClr r="0" g="0" b="0"/>
+      </a:fillRef>
+      <a:effectRef idx="0">
+        <a:scrgbClr r="0" g="0" b="0"/>
+      </a:effectRef>
+      <a:fontRef idx="minor">
+        <a:schemeClr val="lt1"/>
+      </a:fontRef>
+    </dgm:style>
+  </dgm:styleLbl>
+  <dgm:styleLbl name="parChTrans2D1">
+    <dgm:scene3d>
+      <a:camera prst="orthographicFront"/>
+      <a:lightRig rig="threePt" dir="t"/>
+    </dgm:scene3d>
+    <dgm:sp3d/>
+    <dgm:txPr/>
+    <dgm:style>
+      <a:lnRef idx="2">
+        <a:scrgbClr r="0" g="0" b="0"/>
+      </a:lnRef>
+      <a:fillRef idx="1">
+        <a:scrgbClr r="0" g="0" b="0"/>
+      </a:fillRef>
+      <a:effectRef idx="0">
+        <a:scrgbClr r="0" g="0" b="0"/>
+      </a:effectRef>
+      <a:fontRef idx="minor">
+        <a:schemeClr val="lt1"/>
+      </a:fontRef>
+    </dgm:style>
+  </dgm:styleLbl>
+  <dgm:styleLbl name="parChTrans2D2">
+    <dgm:scene3d>
+      <a:camera prst="orthographicFront"/>
+      <a:lightRig rig="threePt" dir="t"/>
+    </dgm:scene3d>
+    <dgm:sp3d/>
+    <dgm:txPr/>
+    <dgm:style>
+      <a:lnRef idx="2">
+        <a:scrgbClr r="0" g="0" b="0"/>
+      </a:lnRef>
+      <a:fillRef idx="1">
+        <a:scrgbClr r="0" g="0" b="0"/>
+      </a:fillRef>
+      <a:effectRef idx="0">
+        <a:scrgbClr r="0" g="0" b="0"/>
+      </a:effectRef>
+      <a:fontRef idx="minor">
+        <a:schemeClr val="lt1"/>
+      </a:fontRef>
+    </dgm:style>
+  </dgm:styleLbl>
+  <dgm:styleLbl name="parChTrans2D3">
+    <dgm:scene3d>
+      <a:camera prst="orthographicFront"/>
+      <a:lightRig rig="threePt" dir="t"/>
+    </dgm:scene3d>
+    <dgm:sp3d/>
+    <dgm:txPr/>
+    <dgm:style>
+      <a:lnRef idx="2">
+        <a:scrgbClr r="0" g="0" b="0"/>
+      </a:lnRef>
+      <a:fillRef idx="1">
+        <a:scrgbClr r="0" g="0" b="0"/>
+      </a:fillRef>
+      <a:effectRef idx="0">
+        <a:scrgbClr r="0" g="0" b="0"/>
+      </a:effectRef>
+      <a:fontRef idx="minor">
+        <a:schemeClr val="lt1"/>
+      </a:fontRef>
+    </dgm:style>
+  </dgm:styleLbl>
+  <dgm:styleLbl name="parChTrans2D4">
+    <dgm:scene3d>
+      <a:camera prst="orthographicFront"/>
+      <a:lightRig rig="threePt" dir="t"/>
+    </dgm:scene3d>
+    <dgm:sp3d/>
+    <dgm:txPr/>
+    <dgm:style>
+      <a:lnRef idx="2">
+        <a:scrgbClr r="0" g="0" b="0"/>
+      </a:lnRef>
+      <a:fillRef idx="1">
+        <a:scrgbClr r="0" g="0" b="0"/>
+      </a:fillRef>
+      <a:effectRef idx="0">
+        <a:scrgbClr r="0" g="0" b="0"/>
+      </a:effectRef>
+      <a:fontRef idx="minor">
+        <a:schemeClr val="lt1"/>
+      </a:fontRef>
+    </dgm:style>
+  </dgm:styleLbl>
+  <dgm:styleLbl name="parChTrans1D1">
+    <dgm:scene3d>
+      <a:camera prst="orthographicFront"/>
+      <a:lightRig rig="threePt" dir="t"/>
+    </dgm:scene3d>
+    <dgm:sp3d/>
+    <dgm:txPr/>
+    <dgm:style>
+      <a:lnRef idx="2">
+        <a:scrgbClr r="0" g="0" b="0"/>
+      </a:lnRef>
+      <a:fillRef idx="0">
+        <a:scrgbClr r="0" g="0" b="0"/>
+      </a:fillRef>
+      <a:effectRef idx="0">
+        <a:scrgbClr r="0" g="0" b="0"/>
+      </a:effectRef>
+      <a:fontRef idx="minor"/>
+    </dgm:style>
+  </dgm:styleLbl>
+  <dgm:styleLbl name="parChTrans1D2">
+    <dgm:scene3d>
+      <a:camera prst="orthographicFront"/>
+      <a:lightRig rig="threePt" dir="t"/>
+    </dgm:scene3d>
+    <dgm:sp3d/>
+    <dgm:txPr/>
+    <dgm:style>
+      <a:lnRef idx="2">
+        <a:scrgbClr r="0" g="0" b="0"/>
+      </a:lnRef>
+      <a:fillRef idx="0">
+        <a:scrgbClr r="0" g="0" b="0"/>
+      </a:fillRef>
+      <a:effectRef idx="0">
+        <a:scrgbClr r="0" g="0" b="0"/>
+      </a:effectRef>
+      <a:fontRef idx="minor"/>
+    </dgm:style>
+  </dgm:styleLbl>
+  <dgm:styleLbl name="parChTrans1D3">
+    <dgm:scene3d>
+      <a:camera prst="orthographicFront"/>
+      <a:lightRig rig="threePt" dir="t"/>
+    </dgm:scene3d>
+    <dgm:sp3d/>
+    <dgm:txPr/>
+    <dgm:style>
+      <a:lnRef idx="2">
+        <a:scrgbClr r="0" g="0" b="0"/>
+      </a:lnRef>
+      <a:fillRef idx="0">
+        <a:scrgbClr r="0" g="0" b="0"/>
+      </a:fillRef>
+      <a:effectRef idx="0">
+        <a:scrgbClr r="0" g="0" b="0"/>
+      </a:effectRef>
+      <a:fontRef idx="minor"/>
+    </dgm:style>
+  </dgm:styleLbl>
+  <dgm:styleLbl name="parChTrans1D4">
+    <dgm:scene3d>
+      <a:camera prst="orthographicFront"/>
+      <a:lightRig rig="threePt" dir="t"/>
+    </dgm:scene3d>
+    <dgm:sp3d/>
+    <dgm:txPr/>
+    <dgm:style>
+      <a:lnRef idx="2">
+        <a:scrgbClr r="0" g="0" b="0"/>
+      </a:lnRef>
+      <a:fillRef idx="0">
+        <a:scrgbClr r="0" g="0" b="0"/>
+      </a:fillRef>
+      <a:effectRef idx="0">
+        <a:scrgbClr r="0" g="0" b="0"/>
+      </a:effectRef>
+      <a:fontRef idx="minor"/>
+    </dgm:style>
+  </dgm:styleLbl>
+  <dgm:styleLbl name="fgAcc1">
+    <dgm:scene3d>
+      <a:camera prst="orthographicFront"/>
+      <a:lightRig rig="threePt" dir="t"/>
+    </dgm:scene3d>
+    <dgm:sp3d/>
+    <dgm:txPr/>
+    <dgm:style>
+      <a:lnRef idx="2">
+        <a:scrgbClr r="0" g="0" b="0"/>
+      </a:lnRef>
+      <a:fillRef idx="1">
+        <a:scrgbClr r="0" g="0" b="0"/>
+      </a:fillRef>
+      <a:effectRef idx="0">
+        <a:scrgbClr r="0" g="0" b="0"/>
+      </a:effectRef>
+      <a:fontRef idx="minor"/>
+    </dgm:style>
+  </dgm:styleLbl>
+  <dgm:styleLbl name="conFgAcc1">
+    <dgm:scene3d>
+      <a:camera prst="orthographicFront"/>
+      <a:lightRig rig="threePt" dir="t"/>
+    </dgm:scene3d>
+    <dgm:sp3d/>
+    <dgm:txPr/>
+    <dgm:style>
+      <a:lnRef idx="2">
+        <a:scrgbClr r="0" g="0" b="0"/>
+      </a:lnRef>
+      <a:fillRef idx="1">
+        <a:scrgbClr r="0" g="0" b="0"/>
+      </a:fillRef>
+      <a:effectRef idx="0">
+        <a:scrgbClr r="0" g="0" b="0"/>
+      </a:effectRef>
+      <a:fontRef idx="minor"/>
+    </dgm:style>
+  </dgm:styleLbl>
+  <dgm:styleLbl name="alignAcc1">
+    <dgm:scene3d>
+      <a:camera prst="orthographicFront"/>
+      <a:lightRig rig="threePt" dir="t"/>
+    </dgm:scene3d>
+    <dgm:sp3d/>
+    <dgm:txPr/>
+    <dgm:style>
+      <a:lnRef idx="2">
+        <a:scrgbClr r="0" g="0" b="0"/>
+      </a:lnRef>
+      <a:fillRef idx="1">
+        <a:scrgbClr r="0" g="0" b="0"/>
+      </a:fillRef>
+      <a:effectRef idx="0">
+        <a:scrgbClr r="0" g="0" b="0"/>
+      </a:effectRef>
+      <a:fontRef idx="minor"/>
+    </dgm:style>
+  </dgm:styleLbl>
+  <dgm:styleLbl name="trAlignAcc1">
+    <dgm:scene3d>
+      <a:camera prst="orthographicFront"/>
+      <a:lightRig rig="threePt" dir="t"/>
+    </dgm:scene3d>
+    <dgm:sp3d/>
+    <dgm:txPr/>
+    <dgm:style>
+      <a:lnRef idx="1">
+        <a:scrgbClr r="0" g="0" b="0"/>
+      </a:lnRef>
+      <a:fillRef idx="1">
+        <a:scrgbClr r="0" g="0" b="0"/>
+      </a:fillRef>
+      <a:effectRef idx="0">
+        <a:scrgbClr r="0" g="0" b="0"/>
+      </a:effectRef>
+      <a:fontRef idx="minor"/>
+    </dgm:style>
+  </dgm:styleLbl>
+  <dgm:styleLbl name="bgAcc1">
+    <dgm:scene3d>
+      <a:camera prst="orthographicFront"/>
+      <a:lightRig rig="threePt" dir="t"/>
+    </dgm:scene3d>
+    <dgm:sp3d/>
+    <dgm:txPr/>
+    <dgm:style>
+      <a:lnRef idx="2">
+        <a:scrgbClr r="0" g="0" b="0"/>
+      </a:lnRef>
+      <a:fillRef idx="1">
+        <a:scrgbClr r="0" g="0" b="0"/>
+      </a:fillRef>
+      <a:effectRef idx="0">
+        <a:scrgbClr r="0" g="0" b="0"/>
+      </a:effectRef>
+      <a:fontRef idx="minor"/>
+    </dgm:style>
+  </dgm:styleLbl>
+  <dgm:styleLbl name="solidFgAcc1">
+    <dgm:scene3d>
+      <a:camera prst="orthographicFront"/>
+      <a:lightRig rig="threePt" dir="t"/>
+    </dgm:scene3d>
+    <dgm:sp3d/>
+    <dgm:txPr/>
+    <dgm:style>
+      <a:lnRef idx="2">
+        <a:scrgbClr r="0" g="0" b="0"/>
+      </a:lnRef>
+      <a:fillRef idx="1">
+        <a:scrgbClr r="0" g="0" b="0"/>
+      </a:fillRef>
+      <a:effectRef idx="0">
+        <a:scrgbClr r="0" g="0" b="0"/>
+      </a:effectRef>
+      <a:fontRef idx="minor"/>
+    </dgm:style>
+  </dgm:styleLbl>
+  <dgm:styleLbl name="solidAlignAcc1">
+    <dgm:scene3d>
+      <a:camera prst="orthographicFront"/>
+      <a:lightRig rig="threePt" dir="t"/>
+    </dgm:scene3d>
+    <dgm:sp3d/>
+    <dgm:txPr/>
+    <dgm:style>
+      <a:lnRef idx="2">
+        <a:scrgbClr r="0" g="0" b="0"/>
+      </a:lnRef>
+      <a:fillRef idx="1">
+        <a:scrgbClr r="0" g="0" b="0"/>
+      </a:fillRef>
+      <a:effectRef idx="0">
+        <a:scrgbClr r="0" g="0" b="0"/>
+      </a:effectRef>
+      <a:fontRef idx="minor"/>
+    </dgm:style>
+  </dgm:styleLbl>
+  <dgm:styleLbl name="solidBgAcc1">
+    <dgm:scene3d>
+      <a:camera prst="orthographicFront"/>
+      <a:lightRig rig="threePt" dir="t"/>
+    </dgm:scene3d>
+    <dgm:sp3d/>
+    <dgm:txPr/>
+    <dgm:style>
+      <a:lnRef idx="2">
+        <a:scrgbClr r="0" g="0" b="0"/>
+      </a:lnRef>
+      <a:fillRef idx="1">
+        <a:scrgbClr r="0" g="0" b="0"/>
+      </a:fillRef>
+      <a:effectRef idx="0">
+        <a:scrgbClr r="0" g="0" b="0"/>
+      </a:effectRef>
+      <a:fontRef idx="minor"/>
+    </dgm:style>
+  </dgm:styleLbl>
+  <dgm:styleLbl name="fgAccFollowNode1">
+    <dgm:scene3d>
+      <a:camera prst="orthographicFront"/>
+      <a:lightRig rig="threePt" dir="t"/>
+    </dgm:scene3d>
+    <dgm:sp3d/>
+    <dgm:txPr/>
+    <dgm:style>
+      <a:lnRef idx="2">
+        <a:scrgbClr r="0" g="0" b="0"/>
+      </a:lnRef>
+      <a:fillRef idx="1">
+        <a:scrgbClr r="0" g="0" b="0"/>
+      </a:fillRef>
+      <a:effectRef idx="0">
+        <a:scrgbClr r="0" g="0" b="0"/>
+      </a:effectRef>
+      <a:fontRef idx="minor"/>
+    </dgm:style>
+  </dgm:styleLbl>
+  <dgm:styleLbl name="alignAccFollowNode1">
+    <dgm:scene3d>
+      <a:camera prst="orthographicFront"/>
+      <a:lightRig rig="threePt" dir="t"/>
+    </dgm:scene3d>
+    <dgm:sp3d/>
+    <dgm:txPr/>
+    <dgm:style>
+      <a:lnRef idx="2">
+        <a:scrgbClr r="0" g="0" b="0"/>
+      </a:lnRef>
+      <a:fillRef idx="1">
+        <a:scrgbClr r="0" g="0" b="0"/>
+      </a:fillRef>
+      <a:effectRef idx="0">
+        <a:scrgbClr r="0" g="0" b="0"/>
+      </a:effectRef>
+      <a:fontRef idx="minor"/>
+    </dgm:style>
+  </dgm:styleLbl>
+  <dgm:styleLbl name="bgAccFollowNode1">
+    <dgm:scene3d>
+      <a:camera prst="orthographicFront"/>
+      <a:lightRig rig="threePt" dir="t"/>
+    </dgm:scene3d>
+    <dgm:sp3d/>
+    <dgm:txPr/>
+    <dgm:style>
+      <a:lnRef idx="2">
+        <a:scrgbClr r="0" g="0" b="0"/>
+      </a:lnRef>
+      <a:fillRef idx="1">
+        <a:scrgbClr r="0" g="0" b="0"/>
+      </a:fillRef>
+      <a:effectRef idx="0">
+        <a:scrgbClr r="0" g="0" b="0"/>
+      </a:effectRef>
+      <a:fontRef idx="minor"/>
+    </dgm:style>
+  </dgm:styleLbl>
+  <dgm:styleLbl name="fgAcc0">
+    <dgm:scene3d>
+      <a:camera prst="orthographicFront"/>
+      <a:lightRig rig="threePt" dir="t"/>
+    </dgm:scene3d>
+    <dgm:sp3d/>
+    <dgm:txPr/>
+    <dgm:style>
+      <a:lnRef idx="2">
+        <a:scrgbClr r="0" g="0" b="0"/>
+      </a:lnRef>
+      <a:fillRef idx="1">
+        <a:scrgbClr r="0" g="0" b="0"/>
+      </a:fillRef>
+      <a:effectRef idx="0">
+        <a:scrgbClr r="0" g="0" b="0"/>
+      </a:effectRef>
+      <a:fontRef idx="minor"/>
+    </dgm:style>
+  </dgm:styleLbl>
+  <dgm:styleLbl name="fgAcc2">
+    <dgm:scene3d>
+      <a:camera prst="orthographicFront"/>
+      <a:lightRig rig="threePt" dir="t"/>
+    </dgm:scene3d>
+    <dgm:sp3d/>
+    <dgm:txPr/>
+    <dgm:style>
+      <a:lnRef idx="2">
+        <a:scrgbClr r="0" g="0" b="0"/>
+      </a:lnRef>
+      <a:fillRef idx="1">
+        <a:scrgbClr r="0" g="0" b="0"/>
+      </a:fillRef>
+      <a:effectRef idx="0">
+        <a:scrgbClr r="0" g="0" b="0"/>
+      </a:effectRef>
+      <a:fontRef idx="minor"/>
+    </dgm:style>
+  </dgm:styleLbl>
+  <dgm:styleLbl name="fgAcc3">
+    <dgm:scene3d>
+      <a:camera prst="orthographicFront"/>
+      <a:lightRig rig="threePt" dir="t"/>
+    </dgm:scene3d>
+    <dgm:sp3d/>
+    <dgm:txPr/>
+    <dgm:style>
+      <a:lnRef idx="2">
+        <a:scrgbClr r="0" g="0" b="0"/>
+      </a:lnRef>
+      <a:fillRef idx="1">
+        <a:scrgbClr r="0" g="0" b="0"/>
+      </a:fillRef>
+      <a:effectRef idx="0">
+        <a:scrgbClr r="0" g="0" b="0"/>
+      </a:effectRef>
+      <a:fontRef idx="minor"/>
+    </dgm:style>
+  </dgm:styleLbl>
+  <dgm:styleLbl name="fgAcc4">
+    <dgm:scene3d>
+      <a:camera prst="orthographicFront"/>
+      <a:lightRig rig="threePt" dir="t"/>
+    </dgm:scene3d>
+    <dgm:sp3d/>
+    <dgm:txPr/>
+    <dgm:style>
+      <a:lnRef idx="2">
+        <a:scrgbClr r="0" g="0" b="0"/>
+      </a:lnRef>
+      <a:fillRef idx="1">
+        <a:scrgbClr r="0" g="0" b="0"/>
+      </a:fillRef>
+      <a:effectRef idx="0">
+        <a:scrgbClr r="0" g="0" b="0"/>
+      </a:effectRef>
+      <a:fontRef idx="minor"/>
+    </dgm:style>
+  </dgm:styleLbl>
+  <dgm:styleLbl name="bgShp">
+    <dgm:scene3d>
+      <a:camera prst="orthographicFront"/>
+      <a:lightRig rig="threePt" dir="t"/>
+    </dgm:scene3d>
+    <dgm:sp3d/>
+    <dgm:txPr/>
+    <dgm:style>
+      <a:lnRef idx="0">
+        <a:scrgbClr r="0" g="0" b="0"/>
+      </a:lnRef>
+      <a:fillRef idx="1">
+        <a:scrgbClr r="0" g="0" b="0"/>
+      </a:fillRef>
+      <a:effectRef idx="0">
+        <a:scrgbClr r="0" g="0" b="0"/>
+      </a:effectRef>
+      <a:fontRef idx="minor"/>
+    </dgm:style>
+  </dgm:styleLbl>
+  <dgm:styleLbl name="dkBgShp">
+    <dgm:scene3d>
+      <a:camera prst="orthographicFront"/>
+      <a:lightRig rig="threePt" dir="t"/>
+    </dgm:scene3d>
+    <dgm:sp3d/>
+    <dgm:txPr/>
+    <dgm:style>
+      <a:lnRef idx="0">
+        <a:scrgbClr r="0" g="0" b="0"/>
+      </a:lnRef>
+      <a:fillRef idx="1">
+        <a:scrgbClr r="0" g="0" b="0"/>
+      </a:fillRef>
+      <a:effectRef idx="0">
+        <a:scrgbClr r="0" g="0" b="0"/>
+      </a:effectRef>
+      <a:fontRef idx="minor"/>
+    </dgm:style>
+  </dgm:styleLbl>
+  <dgm:styleLbl name="trBgShp">
+    <dgm:scene3d>
+      <a:camera prst="orthographicFront"/>
+      <a:lightRig rig="threePt" dir="t"/>
+    </dgm:scene3d>
+    <dgm:sp3d/>
+    <dgm:txPr/>
+    <dgm:style>
+      <a:lnRef idx="0">
+        <a:scrgbClr r="0" g="0" b="0"/>
+      </a:lnRef>
+      <a:fillRef idx="1">
+        <a:scrgbClr r="0" g="0" b="0"/>
+      </a:fillRef>
+      <a:effectRef idx="0">
+        <a:scrgbClr r="0" g="0" b="0"/>
+      </a:effectRef>
+      <a:fontRef idx="minor"/>
+    </dgm:style>
+  </dgm:styleLbl>
+  <dgm:styleLbl name="fgShp">
+    <dgm:scene3d>
+      <a:camera prst="orthographicFront"/>
+      <a:lightRig rig="threePt" dir="t"/>
+    </dgm:scene3d>
+    <dgm:sp3d/>
+    <dgm:txPr/>
+    <dgm:style>
+      <a:lnRef idx="2">
+        <a:scrgbClr r="0" g="0" b="0"/>
+      </a:lnRef>
+      <a:fillRef idx="1">
+        <a:scrgbClr r="0" g="0" b="0"/>
+      </a:fillRef>
+      <a:effectRef idx="0">
+        <a:scrgbClr r="0" g="0" b="0"/>
+      </a:effectRef>
+      <a:fontRef idx="minor"/>
+    </dgm:style>
+  </dgm:styleLbl>
+  <dgm:styleLbl name="revTx">
+    <dgm:scene3d>
+      <a:camera prst="orthographicFront"/>
+      <a:lightRig rig="threePt" dir="t"/>
+    </dgm:scene3d>
+    <dgm:sp3d/>
+    <dgm:txPr/>
+    <dgm:style>
+      <a:lnRef idx="0">
+        <a:scrgbClr r="0" g="0" b="0"/>
+      </a:lnRef>
+      <a:fillRef idx="0">
+        <a:scrgbClr r="0" g="0" b="0"/>
+      </a:fillRef>
+      <a:effectRef idx="0">
+        <a:scrgbClr r="0" g="0" b="0"/>
+      </a:effectRef>
+      <a:fontRef idx="minor"/>
+    </dgm:style>
+  </dgm:styleLbl>
+</dgm:styleDef>
+</file>
+
 <file path=ppt/slideLayouts/slideLayout1.xml><?xml version="1.0" encoding="utf-8"?>
 <p:sldLayout xmlns:a="http://schemas.openxmlformats.org/drawingml/2006/main" xmlns:r="http://schemas.openxmlformats.org/officeDocument/2006/relationships" xmlns:p="http://schemas.openxmlformats.org/presentationml/2006/main" type="title" preserve="1">
   <p:cSld name="Title Slide">
@@ -8136,7 +12192,7 @@
           <a:p>
             <a:fld id="{79C5A860-F335-4252-AA00-24FB67ED2982}" type="datetime1">
               <a:rPr lang="en-US" smtClean="0"/>
-              <a:t>12/5/2024</a:t>
+              <a:t>12/6/2024</a:t>
             </a:fld>
             <a:endParaRPr lang="en-US"/>
           </a:p>
@@ -8335,7 +12391,7 @@
           <a:p>
             <a:fld id="{46AB1048-0047-48CA-88BA-D69B470942CF}" type="datetime1">
               <a:rPr lang="en-US" smtClean="0"/>
-              <a:t>12/5/2024</a:t>
+              <a:t>12/6/2024</a:t>
             </a:fld>
             <a:endParaRPr lang="en-US"/>
           </a:p>
@@ -8545,7 +12601,7 @@
           <a:p>
             <a:fld id="{5BD83879-648C-49A9-81A2-0EF5946532D0}" type="datetime1">
               <a:rPr lang="en-US" smtClean="0"/>
-              <a:t>12/5/2024</a:t>
+              <a:t>12/6/2024</a:t>
             </a:fld>
             <a:endParaRPr lang="en-US"/>
           </a:p>
@@ -8743,7 +12799,7 @@
           <a:p>
             <a:fld id="{D04BC802-30E3-4658-9CCA-F873646FEC67}" type="datetime1">
               <a:rPr lang="en-US" smtClean="0"/>
-              <a:t>12/5/2024</a:t>
+              <a:t>12/6/2024</a:t>
             </a:fld>
             <a:endParaRPr lang="en-US"/>
           </a:p>
@@ -9021,7 +13077,7 @@
           <a:p>
             <a:fld id="{0AB227A3-19CE-4153-81CE-64EB7AB094B3}" type="datetime1">
               <a:rPr lang="en-US" smtClean="0"/>
-              <a:t>12/5/2024</a:t>
+              <a:t>12/6/2024</a:t>
             </a:fld>
             <a:endParaRPr lang="en-US"/>
           </a:p>
@@ -9288,7 +13344,7 @@
           <a:p>
             <a:fld id="{B819A100-10F6-477E-8847-29D479EF1C92}" type="datetime1">
               <a:rPr lang="en-US" smtClean="0"/>
-              <a:t>12/5/2024</a:t>
+              <a:t>12/6/2024</a:t>
             </a:fld>
             <a:endParaRPr lang="en-US"/>
           </a:p>
@@ -9702,7 +13758,7 @@
           <a:p>
             <a:fld id="{5DF128AB-198A-495F-8475-FDB360C9873F}" type="datetime1">
               <a:rPr lang="en-US" smtClean="0"/>
-              <a:t>12/5/2024</a:t>
+              <a:t>12/6/2024</a:t>
             </a:fld>
             <a:endParaRPr lang="en-US"/>
           </a:p>
@@ -9843,7 +13899,7 @@
           <a:p>
             <a:fld id="{021A235E-F8FD-479F-9FC7-18BE84110877}" type="datetime1">
               <a:rPr lang="en-US" smtClean="0"/>
-              <a:t>12/5/2024</a:t>
+              <a:t>12/6/2024</a:t>
             </a:fld>
             <a:endParaRPr lang="en-US"/>
           </a:p>
@@ -9956,7 +14012,7 @@
           <a:p>
             <a:fld id="{E890F09B-68DA-462E-9DB4-4C9ADAB8CBCC}" type="datetime1">
               <a:rPr lang="en-US" smtClean="0"/>
-              <a:t>12/5/2024</a:t>
+              <a:t>12/6/2024</a:t>
             </a:fld>
             <a:endParaRPr lang="en-US"/>
           </a:p>
@@ -10275,7 +14331,7 @@
           <a:p>
             <a:fld id="{17AC4E36-FABE-47EB-AA7F-C19A93824617}" type="datetime1">
               <a:rPr lang="en-US" smtClean="0"/>
-              <a:t>12/5/2024</a:t>
+              <a:t>12/6/2024</a:t>
             </a:fld>
             <a:endParaRPr lang="en-US"/>
           </a:p>
@@ -10572,7 +14628,7 @@
           <a:p>
             <a:fld id="{F199CE6B-5DE6-4A2D-B72E-5E8969F9F56F}" type="datetime1">
               <a:rPr lang="en-US" smtClean="0"/>
-              <a:t>12/5/2024</a:t>
+              <a:t>12/6/2024</a:t>
             </a:fld>
             <a:endParaRPr lang="en-US"/>
           </a:p>
@@ -11430,7 +15486,7 @@
           <a:p>
             <a:fld id="{F481A142-DA77-4A5F-AD1F-14E6C18F0F5F}" type="datetime1">
               <a:rPr lang="en-US" smtClean="0"/>
-              <a:t>12/5/2024</a:t>
+              <a:t>12/6/2024</a:t>
             </a:fld>
             <a:endParaRPr lang="en-US" dirty="0"/>
           </a:p>
@@ -12463,6 +16519,1784 @@
           <a:chExt cx="0" cy="0"/>
         </a:xfrm>
       </p:grpSpPr>
+      <p:sp useBgFill="1">
+        <p:nvSpPr>
+          <p:cNvPr id="10" name="Background Fill">
+            <a:extLst>
+              <a:ext uri="{FF2B5EF4-FFF2-40B4-BE49-F238E27FC236}">
+                <a16:creationId xmlns:a16="http://schemas.microsoft.com/office/drawing/2014/main" id="{B937640E-EF7A-4A6C-A950-D12B7D5C923E}"/>
+              </a:ext>
+              <a:ext uri="{C183D7F6-B498-43B3-948B-1728B52AA6E4}">
+                <adec:decorative xmlns:adec="http://schemas.microsoft.com/office/drawing/2017/decorative" val="1"/>
+              </a:ext>
+            </a:extLst>
+          </p:cNvPr>
+          <p:cNvSpPr>
+            <a:spLocks noGrp="1" noRot="1" noChangeAspect="1" noMove="1" noResize="1" noEditPoints="1" noAdjustHandles="1" noChangeArrowheads="1" noChangeShapeType="1" noTextEdit="1"/>
+          </p:cNvSpPr>
+          <p:nvPr>
+            <p:extLst>
+              <p:ext uri="{386F3935-93C4-4BCD-93E2-E3B085C9AB24}">
+                <p16:designElem xmlns:p16="http://schemas.microsoft.com/office/powerpoint/2015/main" val="1"/>
+              </p:ext>
+            </p:extLst>
+          </p:nvPr>
+        </p:nvSpPr>
+        <p:spPr>
+          <a:xfrm>
+            <a:off x="0" y="0"/>
+            <a:ext cx="12188952" cy="6858000"/>
+          </a:xfrm>
+          <a:prstGeom prst="rect">
+            <a:avLst/>
+          </a:prstGeom>
+          <a:ln>
+            <a:noFill/>
+          </a:ln>
+        </p:spPr>
+        <p:style>
+          <a:lnRef idx="2">
+            <a:schemeClr val="accent1">
+              <a:shade val="50000"/>
+            </a:schemeClr>
+          </a:lnRef>
+          <a:fillRef idx="1">
+            <a:schemeClr val="accent1"/>
+          </a:fillRef>
+          <a:effectRef idx="0">
+            <a:schemeClr val="accent1"/>
+          </a:effectRef>
+          <a:fontRef idx="minor">
+            <a:schemeClr val="lt1"/>
+          </a:fontRef>
+        </p:style>
+        <p:txBody>
+          <a:bodyPr rtlCol="0" anchor="ctr"/>
+          <a:lstStyle/>
+          <a:p>
+            <a:pPr algn="ctr"/>
+            <a:endParaRPr lang="en-US"/>
+          </a:p>
+        </p:txBody>
+      </p:sp>
+      <p:sp>
+        <p:nvSpPr>
+          <p:cNvPr id="12" name="Rectangle 11">
+            <a:extLst>
+              <a:ext uri="{FF2B5EF4-FFF2-40B4-BE49-F238E27FC236}">
+                <a16:creationId xmlns:a16="http://schemas.microsoft.com/office/drawing/2014/main" id="{7A46C5F3-4EAC-473B-BD72-1219E833DB14}"/>
+              </a:ext>
+              <a:ext uri="{C183D7F6-B498-43B3-948B-1728B52AA6E4}">
+                <adec:decorative xmlns:adec="http://schemas.microsoft.com/office/drawing/2017/decorative" val="1"/>
+              </a:ext>
+            </a:extLst>
+          </p:cNvPr>
+          <p:cNvSpPr>
+            <a:spLocks noGrp="1" noRot="1" noChangeAspect="1" noMove="1" noResize="1" noEditPoints="1" noAdjustHandles="1" noChangeArrowheads="1" noChangeShapeType="1" noTextEdit="1"/>
+          </p:cNvSpPr>
+          <p:nvPr>
+            <p:extLst>
+              <p:ext uri="{386F3935-93C4-4BCD-93E2-E3B085C9AB24}">
+                <p16:designElem xmlns:p16="http://schemas.microsoft.com/office/powerpoint/2015/main" val="1"/>
+              </p:ext>
+            </p:extLst>
+          </p:nvPr>
+        </p:nvSpPr>
+        <p:spPr>
+          <a:xfrm>
+            <a:off x="0" y="0"/>
+            <a:ext cx="12192001" cy="6858000"/>
+          </a:xfrm>
+          <a:prstGeom prst="rect">
+            <a:avLst/>
+          </a:prstGeom>
+          <a:solidFill>
+            <a:srgbClr val="AEAEAE">
+              <a:alpha val="10000"/>
+            </a:srgbClr>
+          </a:solidFill>
+          <a:ln>
+            <a:noFill/>
+          </a:ln>
+        </p:spPr>
+        <p:style>
+          <a:lnRef idx="2">
+            <a:schemeClr val="accent1">
+              <a:shade val="50000"/>
+            </a:schemeClr>
+          </a:lnRef>
+          <a:fillRef idx="1">
+            <a:schemeClr val="accent1"/>
+          </a:fillRef>
+          <a:effectRef idx="0">
+            <a:schemeClr val="accent1"/>
+          </a:effectRef>
+          <a:fontRef idx="minor">
+            <a:schemeClr val="lt1"/>
+          </a:fontRef>
+        </p:style>
+        <p:txBody>
+          <a:bodyPr rtlCol="0" anchor="ctr"/>
+          <a:lstStyle/>
+          <a:p>
+            <a:pPr algn="ctr"/>
+            <a:endParaRPr lang="en-US" dirty="0"/>
+          </a:p>
+        </p:txBody>
+      </p:sp>
+      <p:sp>
+        <p:nvSpPr>
+          <p:cNvPr id="14" name="Freeform: Shape 13">
+            <a:extLst>
+              <a:ext uri="{FF2B5EF4-FFF2-40B4-BE49-F238E27FC236}">
+                <a16:creationId xmlns:a16="http://schemas.microsoft.com/office/drawing/2014/main" id="{12231725-D083-4E0F-9428-1C2635189CA9}"/>
+              </a:ext>
+              <a:ext uri="{C183D7F6-B498-43B3-948B-1728B52AA6E4}">
+                <adec:decorative xmlns:adec="http://schemas.microsoft.com/office/drawing/2017/decorative" val="1"/>
+              </a:ext>
+            </a:extLst>
+          </p:cNvPr>
+          <p:cNvSpPr>
+            <a:spLocks noGrp="1" noRot="1" noChangeAspect="1" noMove="1" noResize="1" noEditPoints="1" noAdjustHandles="1" noChangeArrowheads="1" noChangeShapeType="1" noTextEdit="1"/>
+          </p:cNvSpPr>
+          <p:nvPr>
+            <p:extLst>
+              <p:ext uri="{386F3935-93C4-4BCD-93E2-E3B085C9AB24}">
+                <p16:designElem xmlns:p16="http://schemas.microsoft.com/office/powerpoint/2015/main" val="1"/>
+              </p:ext>
+            </p:extLst>
+          </p:nvPr>
+        </p:nvSpPr>
+        <p:spPr>
+          <a:xfrm flipH="1" flipV="1">
+            <a:off x="0" y="2140699"/>
+            <a:ext cx="12192000" cy="4717301"/>
+          </a:xfrm>
+          <a:custGeom>
+            <a:avLst/>
+            <a:gdLst>
+              <a:gd name="connsiteX0" fmla="*/ 8930642 w 12192000"/>
+              <a:gd name="connsiteY0" fmla="*/ 4273734 h 4717301"/>
+              <a:gd name="connsiteX1" fmla="*/ 9143134 w 12192000"/>
+              <a:gd name="connsiteY1" fmla="*/ 4396362 h 4717301"/>
+              <a:gd name="connsiteX2" fmla="*/ 9043549 w 12192000"/>
+              <a:gd name="connsiteY2" fmla="*/ 4693978 h 4717301"/>
+              <a:gd name="connsiteX3" fmla="*/ 8745984 w 12192000"/>
+              <a:gd name="connsiteY3" fmla="*/ 4594249 h 4717301"/>
+              <a:gd name="connsiteX4" fmla="*/ 8845568 w 12192000"/>
+              <a:gd name="connsiteY4" fmla="*/ 4296634 h 4717301"/>
+              <a:gd name="connsiteX5" fmla="*/ 8930642 w 12192000"/>
+              <a:gd name="connsiteY5" fmla="*/ 4273734 h 4717301"/>
+              <a:gd name="connsiteX6" fmla="*/ 9842642 w 12192000"/>
+              <a:gd name="connsiteY6" fmla="*/ 3718743 h 4717301"/>
+              <a:gd name="connsiteX7" fmla="*/ 10272210 w 12192000"/>
+              <a:gd name="connsiteY7" fmla="*/ 3966645 h 4717301"/>
+              <a:gd name="connsiteX8" fmla="*/ 10070896 w 12192000"/>
+              <a:gd name="connsiteY8" fmla="*/ 4568292 h 4717301"/>
+              <a:gd name="connsiteX9" fmla="*/ 9469346 w 12192000"/>
+              <a:gd name="connsiteY9" fmla="*/ 4366686 h 4717301"/>
+              <a:gd name="connsiteX10" fmla="*/ 9670660 w 12192000"/>
+              <a:gd name="connsiteY10" fmla="*/ 3765038 h 4717301"/>
+              <a:gd name="connsiteX11" fmla="*/ 9842642 w 12192000"/>
+              <a:gd name="connsiteY11" fmla="*/ 3718743 h 4717301"/>
+              <a:gd name="connsiteX12" fmla="*/ 0 w 12192000"/>
+              <a:gd name="connsiteY12" fmla="*/ 0 h 4717301"/>
+              <a:gd name="connsiteX13" fmla="*/ 12192000 w 12192000"/>
+              <a:gd name="connsiteY13" fmla="*/ 0 h 4717301"/>
+              <a:gd name="connsiteX14" fmla="*/ 12192000 w 12192000"/>
+              <a:gd name="connsiteY14" fmla="*/ 3369891 h 4717301"/>
+              <a:gd name="connsiteX15" fmla="*/ 12124015 w 12192000"/>
+              <a:gd name="connsiteY15" fmla="*/ 3410713 h 4717301"/>
+              <a:gd name="connsiteX16" fmla="*/ 11077457 w 12192000"/>
+              <a:gd name="connsiteY16" fmla="*/ 3501725 h 4717301"/>
+              <a:gd name="connsiteX17" fmla="*/ 9867246 w 12192000"/>
+              <a:gd name="connsiteY17" fmla="*/ 3351592 h 4717301"/>
+              <a:gd name="connsiteX18" fmla="*/ 8994802 w 12192000"/>
+              <a:gd name="connsiteY18" fmla="*/ 3878378 h 4717301"/>
+              <a:gd name="connsiteX19" fmla="*/ 6994655 w 12192000"/>
+              <a:gd name="connsiteY19" fmla="*/ 4335637 h 4717301"/>
+              <a:gd name="connsiteX20" fmla="*/ 6287534 w 12192000"/>
+              <a:gd name="connsiteY20" fmla="*/ 3714199 h 4717301"/>
+              <a:gd name="connsiteX21" fmla="*/ 4392596 w 12192000"/>
+              <a:gd name="connsiteY21" fmla="*/ 3392344 h 4717301"/>
+              <a:gd name="connsiteX22" fmla="*/ 3014500 w 12192000"/>
+              <a:gd name="connsiteY22" fmla="*/ 4100222 h 4717301"/>
+              <a:gd name="connsiteX23" fmla="*/ 86414 w 12192000"/>
+              <a:gd name="connsiteY23" fmla="*/ 3903305 h 4717301"/>
+              <a:gd name="connsiteX24" fmla="*/ 0 w 12192000"/>
+              <a:gd name="connsiteY24" fmla="*/ 3840566 h 4717301"/>
+            </a:gdLst>
+            <a:ahLst/>
+            <a:cxnLst>
+              <a:cxn ang="0">
+                <a:pos x="connsiteX0" y="connsiteY0"/>
+              </a:cxn>
+              <a:cxn ang="0">
+                <a:pos x="connsiteX1" y="connsiteY1"/>
+              </a:cxn>
+              <a:cxn ang="0">
+                <a:pos x="connsiteX2" y="connsiteY2"/>
+              </a:cxn>
+              <a:cxn ang="0">
+                <a:pos x="connsiteX3" y="connsiteY3"/>
+              </a:cxn>
+              <a:cxn ang="0">
+                <a:pos x="connsiteX4" y="connsiteY4"/>
+              </a:cxn>
+              <a:cxn ang="0">
+                <a:pos x="connsiteX5" y="connsiteY5"/>
+              </a:cxn>
+              <a:cxn ang="0">
+                <a:pos x="connsiteX6" y="connsiteY6"/>
+              </a:cxn>
+              <a:cxn ang="0">
+                <a:pos x="connsiteX7" y="connsiteY7"/>
+              </a:cxn>
+              <a:cxn ang="0">
+                <a:pos x="connsiteX8" y="connsiteY8"/>
+              </a:cxn>
+              <a:cxn ang="0">
+                <a:pos x="connsiteX9" y="connsiteY9"/>
+              </a:cxn>
+              <a:cxn ang="0">
+                <a:pos x="connsiteX10" y="connsiteY10"/>
+              </a:cxn>
+              <a:cxn ang="0">
+                <a:pos x="connsiteX11" y="connsiteY11"/>
+              </a:cxn>
+              <a:cxn ang="0">
+                <a:pos x="connsiteX12" y="connsiteY12"/>
+              </a:cxn>
+              <a:cxn ang="0">
+                <a:pos x="connsiteX13" y="connsiteY13"/>
+              </a:cxn>
+              <a:cxn ang="0">
+                <a:pos x="connsiteX14" y="connsiteY14"/>
+              </a:cxn>
+              <a:cxn ang="0">
+                <a:pos x="connsiteX15" y="connsiteY15"/>
+              </a:cxn>
+              <a:cxn ang="0">
+                <a:pos x="connsiteX16" y="connsiteY16"/>
+              </a:cxn>
+              <a:cxn ang="0">
+                <a:pos x="connsiteX17" y="connsiteY17"/>
+              </a:cxn>
+              <a:cxn ang="0">
+                <a:pos x="connsiteX18" y="connsiteY18"/>
+              </a:cxn>
+              <a:cxn ang="0">
+                <a:pos x="connsiteX19" y="connsiteY19"/>
+              </a:cxn>
+              <a:cxn ang="0">
+                <a:pos x="connsiteX20" y="connsiteY20"/>
+              </a:cxn>
+              <a:cxn ang="0">
+                <a:pos x="connsiteX21" y="connsiteY21"/>
+              </a:cxn>
+              <a:cxn ang="0">
+                <a:pos x="connsiteX22" y="connsiteY22"/>
+              </a:cxn>
+              <a:cxn ang="0">
+                <a:pos x="connsiteX23" y="connsiteY23"/>
+              </a:cxn>
+              <a:cxn ang="0">
+                <a:pos x="connsiteX24" y="connsiteY24"/>
+              </a:cxn>
+            </a:cxnLst>
+            <a:rect l="l" t="t" r="r" b="b"/>
+            <a:pathLst>
+              <a:path w="12192000" h="4717301">
+                <a:moveTo>
+                  <a:pt x="8930642" y="4273734"/>
+                </a:moveTo>
+                <a:cubicBezTo>
+                  <a:pt x="9016941" y="4268381"/>
+                  <a:pt x="9102130" y="4314070"/>
+                  <a:pt x="9143134" y="4396362"/>
+                </a:cubicBezTo>
+                <a:cubicBezTo>
+                  <a:pt x="9197806" y="4506087"/>
+                  <a:pt x="9153221" y="4639333"/>
+                  <a:pt x="9043549" y="4693978"/>
+                </a:cubicBezTo>
+                <a:cubicBezTo>
+                  <a:pt x="8933879" y="4748622"/>
+                  <a:pt x="8800655" y="4703973"/>
+                  <a:pt x="8745984" y="4594249"/>
+                </a:cubicBezTo>
+                <a:cubicBezTo>
+                  <a:pt x="8691311" y="4484525"/>
+                  <a:pt x="8735897" y="4351279"/>
+                  <a:pt x="8845568" y="4296634"/>
+                </a:cubicBezTo>
+                <a:cubicBezTo>
+                  <a:pt x="8872986" y="4282973"/>
+                  <a:pt x="8901875" y="4275517"/>
+                  <a:pt x="8930642" y="4273734"/>
+                </a:cubicBezTo>
+                <a:close/>
+                <a:moveTo>
+                  <a:pt x="9842642" y="3718743"/>
+                </a:moveTo>
+                <a:cubicBezTo>
+                  <a:pt x="10017101" y="3707923"/>
+                  <a:pt x="10189318" y="3800286"/>
+                  <a:pt x="10272210" y="3966645"/>
+                </a:cubicBezTo>
+                <a:cubicBezTo>
+                  <a:pt x="10382732" y="4188458"/>
+                  <a:pt x="10292600" y="4457825"/>
+                  <a:pt x="10070896" y="4568292"/>
+                </a:cubicBezTo>
+                <a:cubicBezTo>
+                  <a:pt x="9849191" y="4678760"/>
+                  <a:pt x="9579867" y="4588498"/>
+                  <a:pt x="9469346" y="4366686"/>
+                </a:cubicBezTo>
+                <a:cubicBezTo>
+                  <a:pt x="9358824" y="4144873"/>
+                  <a:pt x="9448956" y="3875506"/>
+                  <a:pt x="9670660" y="3765038"/>
+                </a:cubicBezTo>
+                <a:cubicBezTo>
+                  <a:pt x="9726087" y="3737421"/>
+                  <a:pt x="9784490" y="3722349"/>
+                  <a:pt x="9842642" y="3718743"/>
+                </a:cubicBezTo>
+                <a:close/>
+                <a:moveTo>
+                  <a:pt x="0" y="0"/>
+                </a:moveTo>
+                <a:lnTo>
+                  <a:pt x="12192000" y="0"/>
+                </a:lnTo>
+                <a:lnTo>
+                  <a:pt x="12192000" y="3369891"/>
+                </a:lnTo>
+                <a:lnTo>
+                  <a:pt x="12124015" y="3410713"/>
+                </a:lnTo>
+                <a:cubicBezTo>
+                  <a:pt x="11792041" y="3581538"/>
+                  <a:pt x="11443617" y="3577252"/>
+                  <a:pt x="11077457" y="3501725"/>
+                </a:cubicBezTo>
+                <a:cubicBezTo>
+                  <a:pt x="10679189" y="3419860"/>
+                  <a:pt x="10271734" y="3358281"/>
+                  <a:pt x="9867246" y="3351592"/>
+                </a:cubicBezTo>
+                <a:cubicBezTo>
+                  <a:pt x="9492336" y="3345611"/>
+                  <a:pt x="9239136" y="3626329"/>
+                  <a:pt x="8994802" y="3878378"/>
+                </a:cubicBezTo>
+                <a:cubicBezTo>
+                  <a:pt x="8385954" y="4506678"/>
+                  <a:pt x="7695268" y="4690742"/>
+                  <a:pt x="6994655" y="4335637"/>
+                </a:cubicBezTo>
+                <a:cubicBezTo>
+                  <a:pt x="6722938" y="4197922"/>
+                  <a:pt x="6494843" y="3948626"/>
+                  <a:pt x="6287534" y="3714199"/>
+                </a:cubicBezTo>
+                <a:cubicBezTo>
+                  <a:pt x="5731733" y="3085491"/>
+                  <a:pt x="5043559" y="3067499"/>
+                  <a:pt x="4392596" y="3392344"/>
+                </a:cubicBezTo>
+                <a:cubicBezTo>
+                  <a:pt x="3930423" y="3623867"/>
+                  <a:pt x="3492022" y="3908604"/>
+                  <a:pt x="3014500" y="4100222"/>
+                </a:cubicBezTo>
+                <a:cubicBezTo>
+                  <a:pt x="1977820" y="4518409"/>
+                  <a:pt x="973242" y="4499486"/>
+                  <a:pt x="86414" y="3903305"/>
+                </a:cubicBezTo>
+                <a:lnTo>
+                  <a:pt x="0" y="3840566"/>
+                </a:lnTo>
+                <a:close/>
+              </a:path>
+            </a:pathLst>
+          </a:custGeom>
+          <a:solidFill>
+            <a:schemeClr val="bg1"/>
+          </a:solidFill>
+          <a:ln>
+            <a:noFill/>
+          </a:ln>
+        </p:spPr>
+        <p:style>
+          <a:lnRef idx="2">
+            <a:schemeClr val="accent1">
+              <a:shade val="50000"/>
+            </a:schemeClr>
+          </a:lnRef>
+          <a:fillRef idx="1">
+            <a:schemeClr val="accent1"/>
+          </a:fillRef>
+          <a:effectRef idx="0">
+            <a:schemeClr val="accent1"/>
+          </a:effectRef>
+          <a:fontRef idx="minor">
+            <a:schemeClr val="lt1"/>
+          </a:fontRef>
+        </p:style>
+        <p:txBody>
+          <a:bodyPr rtlCol="0" anchor="ctr"/>
+          <a:lstStyle/>
+          <a:p>
+            <a:pPr algn="ctr"/>
+            <a:endParaRPr lang="en-US"/>
+          </a:p>
+        </p:txBody>
+      </p:sp>
+      <p:sp>
+        <p:nvSpPr>
+          <p:cNvPr id="2" name="Titel 1">
+            <a:extLst>
+              <a:ext uri="{FF2B5EF4-FFF2-40B4-BE49-F238E27FC236}">
+                <a16:creationId xmlns:a16="http://schemas.microsoft.com/office/drawing/2014/main" id="{03875C03-C369-B410-3AAA-DACC854C5DD8}"/>
+              </a:ext>
+            </a:extLst>
+          </p:cNvPr>
+          <p:cNvSpPr>
+            <a:spLocks noGrp="1"/>
+          </p:cNvSpPr>
+          <p:nvPr>
+            <p:ph type="title"/>
+          </p:nvPr>
+        </p:nvSpPr>
+        <p:spPr>
+          <a:xfrm>
+            <a:off x="609600" y="557784"/>
+            <a:ext cx="10972800" cy="1446390"/>
+          </a:xfrm>
+        </p:spPr>
+        <p:txBody>
+          <a:bodyPr>
+            <a:normAutofit/>
+          </a:bodyPr>
+          <a:lstStyle/>
+          <a:p>
+            <a:r>
+              <a:rPr lang="en-US" dirty="0" err="1"/>
+              <a:t>Benutzerfreundlichkeit</a:t>
+            </a:r>
+            <a:endParaRPr lang="en-US" dirty="0"/>
+          </a:p>
+        </p:txBody>
+      </p:sp>
+      <p:graphicFrame>
+        <p:nvGraphicFramePr>
+          <p:cNvPr id="5" name="Diagramm 4">
+            <a:extLst>
+              <a:ext uri="{FF2B5EF4-FFF2-40B4-BE49-F238E27FC236}">
+                <a16:creationId xmlns:a16="http://schemas.microsoft.com/office/drawing/2014/main" id="{90757DC9-305D-0B3C-F1C8-CB6903D1E07B}"/>
+              </a:ext>
+            </a:extLst>
+          </p:cNvPr>
+          <p:cNvGraphicFramePr/>
+          <p:nvPr>
+            <p:extLst>
+              <p:ext uri="{D42A27DB-BD31-4B8C-83A1-F6EECF244321}">
+                <p14:modId xmlns:p14="http://schemas.microsoft.com/office/powerpoint/2010/main" val="1561940599"/>
+              </p:ext>
+            </p:extLst>
+          </p:nvPr>
+        </p:nvGraphicFramePr>
+        <p:xfrm>
+          <a:off x="609600" y="2923750"/>
+          <a:ext cx="10972800" cy="3218288"/>
+        </p:xfrm>
+        <a:graphic>
+          <a:graphicData uri="http://schemas.openxmlformats.org/drawingml/2006/diagram">
+            <dgm:relIds xmlns:dgm="http://schemas.openxmlformats.org/drawingml/2006/diagram" xmlns:r="http://schemas.openxmlformats.org/officeDocument/2006/relationships" r:dm="rId2" r:lo="rId3" r:qs="rId4" r:cs="rId5"/>
+          </a:graphicData>
+        </a:graphic>
+      </p:graphicFrame>
+    </p:spTree>
+    <p:extLst>
+      <p:ext uri="{BB962C8B-B14F-4D97-AF65-F5344CB8AC3E}">
+        <p14:creationId xmlns:p14="http://schemas.microsoft.com/office/powerpoint/2010/main" val="2875101199"/>
+      </p:ext>
+    </p:extLst>
+  </p:cSld>
+  <p:clrMapOvr>
+    <a:masterClrMapping/>
+  </p:clrMapOvr>
+</p:sld>
+</file>
+
+<file path=ppt/slides/slide11.xml><?xml version="1.0" encoding="utf-8"?>
+<p:sld xmlns:a="http://schemas.openxmlformats.org/drawingml/2006/main" xmlns:r="http://schemas.openxmlformats.org/officeDocument/2006/relationships" xmlns:p="http://schemas.openxmlformats.org/presentationml/2006/main">
+  <p:cSld>
+    <p:bg>
+      <p:bgPr>
+        <a:solidFill>
+          <a:schemeClr val="bg2"/>
+        </a:solidFill>
+        <a:effectLst/>
+      </p:bgPr>
+    </p:bg>
+    <p:spTree>
+      <p:nvGrpSpPr>
+        <p:cNvPr id="1" name=""/>
+        <p:cNvGrpSpPr/>
+        <p:nvPr/>
+      </p:nvGrpSpPr>
+      <p:grpSpPr>
+        <a:xfrm>
+          <a:off x="0" y="0"/>
+          <a:ext cx="0" cy="0"/>
+          <a:chOff x="0" y="0"/>
+          <a:chExt cx="0" cy="0"/>
+        </a:xfrm>
+      </p:grpSpPr>
+      <p:sp>
+        <p:nvSpPr>
+          <p:cNvPr id="9" name="Rectangle 8">
+            <a:extLst>
+              <a:ext uri="{FF2B5EF4-FFF2-40B4-BE49-F238E27FC236}">
+                <a16:creationId xmlns:a16="http://schemas.microsoft.com/office/drawing/2014/main" id="{042E603F-28B7-4831-BF23-65FBAB13D5FB}"/>
+              </a:ext>
+              <a:ext uri="{C183D7F6-B498-43B3-948B-1728B52AA6E4}">
+                <adec:decorative xmlns:adec="http://schemas.microsoft.com/office/drawing/2017/decorative" val="1"/>
+              </a:ext>
+            </a:extLst>
+          </p:cNvPr>
+          <p:cNvSpPr>
+            <a:spLocks noGrp="1" noRot="1" noChangeAspect="1" noMove="1" noResize="1" noEditPoints="1" noAdjustHandles="1" noChangeArrowheads="1" noChangeShapeType="1" noTextEdit="1"/>
+          </p:cNvSpPr>
+          <p:nvPr>
+            <p:extLst>
+              <p:ext uri="{386F3935-93C4-4BCD-93E2-E3B085C9AB24}">
+                <p16:designElem xmlns:p16="http://schemas.microsoft.com/office/powerpoint/2015/main" val="1"/>
+              </p:ext>
+            </p:extLst>
+          </p:nvPr>
+        </p:nvSpPr>
+        <p:spPr>
+          <a:xfrm>
+            <a:off x="0" y="0"/>
+            <a:ext cx="12192001" cy="6858000"/>
+          </a:xfrm>
+          <a:prstGeom prst="rect">
+            <a:avLst/>
+          </a:prstGeom>
+          <a:solidFill>
+            <a:srgbClr val="AEAEAE">
+              <a:alpha val="10000"/>
+            </a:srgbClr>
+          </a:solidFill>
+          <a:ln>
+            <a:noFill/>
+          </a:ln>
+        </p:spPr>
+        <p:style>
+          <a:lnRef idx="2">
+            <a:schemeClr val="accent1">
+              <a:shade val="50000"/>
+            </a:schemeClr>
+          </a:lnRef>
+          <a:fillRef idx="1">
+            <a:schemeClr val="accent1"/>
+          </a:fillRef>
+          <a:effectRef idx="0">
+            <a:schemeClr val="accent1"/>
+          </a:effectRef>
+          <a:fontRef idx="minor">
+            <a:schemeClr val="lt1"/>
+          </a:fontRef>
+        </p:style>
+        <p:txBody>
+          <a:bodyPr rtlCol="0" anchor="ctr"/>
+          <a:lstStyle/>
+          <a:p>
+            <a:pPr algn="ctr"/>
+            <a:endParaRPr lang="en-US" dirty="0"/>
+          </a:p>
+        </p:txBody>
+      </p:sp>
+      <p:sp>
+        <p:nvSpPr>
+          <p:cNvPr id="11" name="Freeform: Shape 10">
+            <a:extLst>
+              <a:ext uri="{FF2B5EF4-FFF2-40B4-BE49-F238E27FC236}">
+                <a16:creationId xmlns:a16="http://schemas.microsoft.com/office/drawing/2014/main" id="{4D39700F-2B10-4402-A7DD-06EE2245880D}"/>
+              </a:ext>
+              <a:ext uri="{C183D7F6-B498-43B3-948B-1728B52AA6E4}">
+                <adec:decorative xmlns:adec="http://schemas.microsoft.com/office/drawing/2017/decorative" val="1"/>
+              </a:ext>
+            </a:extLst>
+          </p:cNvPr>
+          <p:cNvSpPr>
+            <a:spLocks noGrp="1" noRot="1" noChangeAspect="1" noMove="1" noResize="1" noEditPoints="1" noAdjustHandles="1" noChangeArrowheads="1" noChangeShapeType="1" noTextEdit="1"/>
+          </p:cNvSpPr>
+          <p:nvPr>
+            <p:extLst>
+              <p:ext uri="{386F3935-93C4-4BCD-93E2-E3B085C9AB24}">
+                <p16:designElem xmlns:p16="http://schemas.microsoft.com/office/powerpoint/2015/main" val="1"/>
+              </p:ext>
+            </p:extLst>
+          </p:nvPr>
+        </p:nvSpPr>
+        <p:spPr>
+          <a:xfrm>
+            <a:off x="-1" y="232968"/>
+            <a:ext cx="9560477" cy="6625032"/>
+          </a:xfrm>
+          <a:custGeom>
+            <a:avLst/>
+            <a:gdLst>
+              <a:gd name="connsiteX0" fmla="*/ 8831314 w 9263816"/>
+              <a:gd name="connsiteY0" fmla="*/ 5943878 h 6858000"/>
+              <a:gd name="connsiteX1" fmla="*/ 9179783 w 9263816"/>
+              <a:gd name="connsiteY1" fmla="*/ 6086141 h 6858000"/>
+              <a:gd name="connsiteX2" fmla="*/ 9260887 w 9263816"/>
+              <a:gd name="connsiteY2" fmla="*/ 6279156 h 6858000"/>
+              <a:gd name="connsiteX3" fmla="*/ 8925621 w 9263816"/>
+              <a:gd name="connsiteY3" fmla="*/ 6708712 h 6858000"/>
+              <a:gd name="connsiteX4" fmla="*/ 8496050 w 9263816"/>
+              <a:gd name="connsiteY4" fmla="*/ 6373449 h 6858000"/>
+              <a:gd name="connsiteX5" fmla="*/ 8831314 w 9263816"/>
+              <a:gd name="connsiteY5" fmla="*/ 5943878 h 6858000"/>
+              <a:gd name="connsiteX6" fmla="*/ 7397485 w 9263816"/>
+              <a:gd name="connsiteY6" fmla="*/ 5931706 h 6858000"/>
+              <a:gd name="connsiteX7" fmla="*/ 7917779 w 9263816"/>
+              <a:gd name="connsiteY7" fmla="*/ 6191864 h 6858000"/>
+              <a:gd name="connsiteX8" fmla="*/ 8013467 w 9263816"/>
+              <a:gd name="connsiteY8" fmla="*/ 6375784 h 6858000"/>
+              <a:gd name="connsiteX9" fmla="*/ 8021879 w 9263816"/>
+              <a:gd name="connsiteY9" fmla="*/ 6753751 h 6858000"/>
+              <a:gd name="connsiteX10" fmla="*/ 7981316 w 9263816"/>
+              <a:gd name="connsiteY10" fmla="*/ 6858000 h 6858000"/>
+              <a:gd name="connsiteX11" fmla="*/ 6819486 w 9263816"/>
+              <a:gd name="connsiteY11" fmla="*/ 6858000 h 6858000"/>
+              <a:gd name="connsiteX12" fmla="*/ 6785199 w 9263816"/>
+              <a:gd name="connsiteY12" fmla="*/ 6781101 h 6858000"/>
+              <a:gd name="connsiteX13" fmla="*/ 7196747 w 9263816"/>
+              <a:gd name="connsiteY13" fmla="*/ 5964309 h 6858000"/>
+              <a:gd name="connsiteX14" fmla="*/ 7397485 w 9263816"/>
+              <a:gd name="connsiteY14" fmla="*/ 5931706 h 6858000"/>
+              <a:gd name="connsiteX15" fmla="*/ 1505570 w 9263816"/>
+              <a:gd name="connsiteY15" fmla="*/ 227178 h 6858000"/>
+              <a:gd name="connsiteX16" fmla="*/ 2026489 w 9263816"/>
+              <a:gd name="connsiteY16" fmla="*/ 392370 h 6858000"/>
+              <a:gd name="connsiteX17" fmla="*/ 2444553 w 9263816"/>
+              <a:gd name="connsiteY17" fmla="*/ 1654853 h 6858000"/>
+              <a:gd name="connsiteX18" fmla="*/ 3183153 w 9263816"/>
+              <a:gd name="connsiteY18" fmla="*/ 2116208 h 6858000"/>
+              <a:gd name="connsiteX19" fmla="*/ 4288384 w 9263816"/>
+              <a:gd name="connsiteY19" fmla="*/ 1291908 h 6858000"/>
+              <a:gd name="connsiteX20" fmla="*/ 5472602 w 9263816"/>
+              <a:gd name="connsiteY20" fmla="*/ 1697818 h 6858000"/>
+              <a:gd name="connsiteX21" fmla="*/ 5844697 w 9263816"/>
+              <a:gd name="connsiteY21" fmla="*/ 3444791 h 6858000"/>
+              <a:gd name="connsiteX22" fmla="*/ 6715674 w 9263816"/>
+              <a:gd name="connsiteY22" fmla="*/ 4065208 h 6858000"/>
+              <a:gd name="connsiteX23" fmla="*/ 8130429 w 9263816"/>
+              <a:gd name="connsiteY23" fmla="*/ 4101787 h 6858000"/>
+              <a:gd name="connsiteX24" fmla="*/ 8624630 w 9263816"/>
+              <a:gd name="connsiteY24" fmla="*/ 4686202 h 6858000"/>
+              <a:gd name="connsiteX25" fmla="*/ 8623843 w 9263816"/>
+              <a:gd name="connsiteY25" fmla="*/ 4685749 h 6858000"/>
+              <a:gd name="connsiteX26" fmla="*/ 8646859 w 9263816"/>
+              <a:gd name="connsiteY26" fmla="*/ 4835156 h 6858000"/>
+              <a:gd name="connsiteX27" fmla="*/ 8079403 w 9263816"/>
+              <a:gd name="connsiteY27" fmla="*/ 5661624 h 6858000"/>
+              <a:gd name="connsiteX28" fmla="*/ 6833105 w 9263816"/>
+              <a:gd name="connsiteY28" fmla="*/ 5397208 h 6858000"/>
+              <a:gd name="connsiteX29" fmla="*/ 5900832 w 9263816"/>
+              <a:gd name="connsiteY29" fmla="*/ 5944462 h 6858000"/>
+              <a:gd name="connsiteX30" fmla="*/ 6067212 w 9263816"/>
+              <a:gd name="connsiteY30" fmla="*/ 6811916 h 6858000"/>
+              <a:gd name="connsiteX31" fmla="*/ 6089565 w 9263816"/>
+              <a:gd name="connsiteY31" fmla="*/ 6858000 h 6858000"/>
+              <a:gd name="connsiteX32" fmla="*/ 0 w 9263816"/>
+              <a:gd name="connsiteY32" fmla="*/ 6858000 h 6858000"/>
+              <a:gd name="connsiteX33" fmla="*/ 0 w 9263816"/>
+              <a:gd name="connsiteY33" fmla="*/ 2181377 h 6858000"/>
+              <a:gd name="connsiteX34" fmla="*/ 73069 w 9263816"/>
+              <a:gd name="connsiteY34" fmla="*/ 2215839 h 6858000"/>
+              <a:gd name="connsiteX35" fmla="*/ 335445 w 9263816"/>
+              <a:gd name="connsiteY35" fmla="*/ 2237140 h 6858000"/>
+              <a:gd name="connsiteX36" fmla="*/ 752878 w 9263816"/>
+              <a:gd name="connsiteY36" fmla="*/ 1445285 h 6858000"/>
+              <a:gd name="connsiteX37" fmla="*/ 1202551 w 9263816"/>
+              <a:gd name="connsiteY37" fmla="*/ 314229 h 6858000"/>
+              <a:gd name="connsiteX38" fmla="*/ 1505570 w 9263816"/>
+              <a:gd name="connsiteY38" fmla="*/ 227178 h 6858000"/>
+              <a:gd name="connsiteX39" fmla="*/ 3142509 w 9263816"/>
+              <a:gd name="connsiteY39" fmla="*/ 68854 h 6858000"/>
+              <a:gd name="connsiteX40" fmla="*/ 3490978 w 9263816"/>
+              <a:gd name="connsiteY40" fmla="*/ 211117 h 6858000"/>
+              <a:gd name="connsiteX41" fmla="*/ 3572083 w 9263816"/>
+              <a:gd name="connsiteY41" fmla="*/ 404131 h 6858000"/>
+              <a:gd name="connsiteX42" fmla="*/ 3236814 w 9263816"/>
+              <a:gd name="connsiteY42" fmla="*/ 833688 h 6858000"/>
+              <a:gd name="connsiteX43" fmla="*/ 2807245 w 9263816"/>
+              <a:gd name="connsiteY43" fmla="*/ 498425 h 6858000"/>
+              <a:gd name="connsiteX44" fmla="*/ 3142509 w 9263816"/>
+              <a:gd name="connsiteY44" fmla="*/ 68854 h 6858000"/>
+              <a:gd name="connsiteX45" fmla="*/ 0 w 9263816"/>
+              <a:gd name="connsiteY45" fmla="*/ 0 h 6858000"/>
+              <a:gd name="connsiteX46" fmla="*/ 39858 w 9263816"/>
+              <a:gd name="connsiteY46" fmla="*/ 0 h 6858000"/>
+              <a:gd name="connsiteX47" fmla="*/ 65022 w 9263816"/>
+              <a:gd name="connsiteY47" fmla="*/ 5834 h 6858000"/>
+              <a:gd name="connsiteX48" fmla="*/ 389258 w 9263816"/>
+              <a:gd name="connsiteY48" fmla="*/ 235630 h 6858000"/>
+              <a:gd name="connsiteX49" fmla="*/ 485484 w 9263816"/>
+              <a:gd name="connsiteY49" fmla="*/ 420070 h 6858000"/>
+              <a:gd name="connsiteX50" fmla="*/ 74229 w 9263816"/>
+              <a:gd name="connsiteY50" fmla="*/ 1237955 h 6858000"/>
+              <a:gd name="connsiteX51" fmla="*/ 0 w 9263816"/>
+              <a:gd name="connsiteY51" fmla="*/ 1254477 h 6858000"/>
+            </a:gdLst>
+            <a:ahLst/>
+            <a:cxnLst>
+              <a:cxn ang="0">
+                <a:pos x="connsiteX0" y="connsiteY0"/>
+              </a:cxn>
+              <a:cxn ang="0">
+                <a:pos x="connsiteX1" y="connsiteY1"/>
+              </a:cxn>
+              <a:cxn ang="0">
+                <a:pos x="connsiteX2" y="connsiteY2"/>
+              </a:cxn>
+              <a:cxn ang="0">
+                <a:pos x="connsiteX3" y="connsiteY3"/>
+              </a:cxn>
+              <a:cxn ang="0">
+                <a:pos x="connsiteX4" y="connsiteY4"/>
+              </a:cxn>
+              <a:cxn ang="0">
+                <a:pos x="connsiteX5" y="connsiteY5"/>
+              </a:cxn>
+              <a:cxn ang="0">
+                <a:pos x="connsiteX6" y="connsiteY6"/>
+              </a:cxn>
+              <a:cxn ang="0">
+                <a:pos x="connsiteX7" y="connsiteY7"/>
+              </a:cxn>
+              <a:cxn ang="0">
+                <a:pos x="connsiteX8" y="connsiteY8"/>
+              </a:cxn>
+              <a:cxn ang="0">
+                <a:pos x="connsiteX9" y="connsiteY9"/>
+              </a:cxn>
+              <a:cxn ang="0">
+                <a:pos x="connsiteX10" y="connsiteY10"/>
+              </a:cxn>
+              <a:cxn ang="0">
+                <a:pos x="connsiteX11" y="connsiteY11"/>
+              </a:cxn>
+              <a:cxn ang="0">
+                <a:pos x="connsiteX12" y="connsiteY12"/>
+              </a:cxn>
+              <a:cxn ang="0">
+                <a:pos x="connsiteX13" y="connsiteY13"/>
+              </a:cxn>
+              <a:cxn ang="0">
+                <a:pos x="connsiteX14" y="connsiteY14"/>
+              </a:cxn>
+              <a:cxn ang="0">
+                <a:pos x="connsiteX15" y="connsiteY15"/>
+              </a:cxn>
+              <a:cxn ang="0">
+                <a:pos x="connsiteX16" y="connsiteY16"/>
+              </a:cxn>
+              <a:cxn ang="0">
+                <a:pos x="connsiteX17" y="connsiteY17"/>
+              </a:cxn>
+              <a:cxn ang="0">
+                <a:pos x="connsiteX18" y="connsiteY18"/>
+              </a:cxn>
+              <a:cxn ang="0">
+                <a:pos x="connsiteX19" y="connsiteY19"/>
+              </a:cxn>
+              <a:cxn ang="0">
+                <a:pos x="connsiteX20" y="connsiteY20"/>
+              </a:cxn>
+              <a:cxn ang="0">
+                <a:pos x="connsiteX21" y="connsiteY21"/>
+              </a:cxn>
+              <a:cxn ang="0">
+                <a:pos x="connsiteX22" y="connsiteY22"/>
+              </a:cxn>
+              <a:cxn ang="0">
+                <a:pos x="connsiteX23" y="connsiteY23"/>
+              </a:cxn>
+              <a:cxn ang="0">
+                <a:pos x="connsiteX24" y="connsiteY24"/>
+              </a:cxn>
+              <a:cxn ang="0">
+                <a:pos x="connsiteX25" y="connsiteY25"/>
+              </a:cxn>
+              <a:cxn ang="0">
+                <a:pos x="connsiteX26" y="connsiteY26"/>
+              </a:cxn>
+              <a:cxn ang="0">
+                <a:pos x="connsiteX27" y="connsiteY27"/>
+              </a:cxn>
+              <a:cxn ang="0">
+                <a:pos x="connsiteX28" y="connsiteY28"/>
+              </a:cxn>
+              <a:cxn ang="0">
+                <a:pos x="connsiteX29" y="connsiteY29"/>
+              </a:cxn>
+              <a:cxn ang="0">
+                <a:pos x="connsiteX30" y="connsiteY30"/>
+              </a:cxn>
+              <a:cxn ang="0">
+                <a:pos x="connsiteX31" y="connsiteY31"/>
+              </a:cxn>
+              <a:cxn ang="0">
+                <a:pos x="connsiteX32" y="connsiteY32"/>
+              </a:cxn>
+              <a:cxn ang="0">
+                <a:pos x="connsiteX33" y="connsiteY33"/>
+              </a:cxn>
+              <a:cxn ang="0">
+                <a:pos x="connsiteX34" y="connsiteY34"/>
+              </a:cxn>
+              <a:cxn ang="0">
+                <a:pos x="connsiteX35" y="connsiteY35"/>
+              </a:cxn>
+              <a:cxn ang="0">
+                <a:pos x="connsiteX36" y="connsiteY36"/>
+              </a:cxn>
+              <a:cxn ang="0">
+                <a:pos x="connsiteX37" y="connsiteY37"/>
+              </a:cxn>
+              <a:cxn ang="0">
+                <a:pos x="connsiteX38" y="connsiteY38"/>
+              </a:cxn>
+              <a:cxn ang="0">
+                <a:pos x="connsiteX39" y="connsiteY39"/>
+              </a:cxn>
+              <a:cxn ang="0">
+                <a:pos x="connsiteX40" y="connsiteY40"/>
+              </a:cxn>
+              <a:cxn ang="0">
+                <a:pos x="connsiteX41" y="connsiteY41"/>
+              </a:cxn>
+              <a:cxn ang="0">
+                <a:pos x="connsiteX42" y="connsiteY42"/>
+              </a:cxn>
+              <a:cxn ang="0">
+                <a:pos x="connsiteX43" y="connsiteY43"/>
+              </a:cxn>
+              <a:cxn ang="0">
+                <a:pos x="connsiteX44" y="connsiteY44"/>
+              </a:cxn>
+              <a:cxn ang="0">
+                <a:pos x="connsiteX45" y="connsiteY45"/>
+              </a:cxn>
+              <a:cxn ang="0">
+                <a:pos x="connsiteX46" y="connsiteY46"/>
+              </a:cxn>
+              <a:cxn ang="0">
+                <a:pos x="connsiteX47" y="connsiteY47"/>
+              </a:cxn>
+              <a:cxn ang="0">
+                <a:pos x="connsiteX48" y="connsiteY48"/>
+              </a:cxn>
+              <a:cxn ang="0">
+                <a:pos x="connsiteX49" y="connsiteY49"/>
+              </a:cxn>
+              <a:cxn ang="0">
+                <a:pos x="connsiteX50" y="connsiteY50"/>
+              </a:cxn>
+              <a:cxn ang="0">
+                <a:pos x="connsiteX51" y="connsiteY51"/>
+              </a:cxn>
+            </a:cxnLst>
+            <a:rect l="l" t="t" r="r" b="b"/>
+            <a:pathLst>
+              <a:path w="9263816" h="6858000">
+                <a:moveTo>
+                  <a:pt x="8831314" y="5943878"/>
+                </a:moveTo>
+                <a:cubicBezTo>
+                  <a:pt x="8964281" y="5927490"/>
+                  <a:pt x="9096260" y="5981362"/>
+                  <a:pt x="9179783" y="6086141"/>
+                </a:cubicBezTo>
+                <a:cubicBezTo>
+                  <a:pt x="9224074" y="6141769"/>
+                  <a:pt x="9252211" y="6208560"/>
+                  <a:pt x="9260887" y="6279156"/>
+                </a:cubicBezTo>
+                <a:cubicBezTo>
+                  <a:pt x="9286897" y="6490362"/>
+                  <a:pt x="9136845" y="6682672"/>
+                  <a:pt x="8925621" y="6708712"/>
+                </a:cubicBezTo>
+                <a:cubicBezTo>
+                  <a:pt x="8714398" y="6734766"/>
+                  <a:pt x="8522062" y="6584655"/>
+                  <a:pt x="8496050" y="6373449"/>
+                </a:cubicBezTo>
+                <a:cubicBezTo>
+                  <a:pt x="8470038" y="6162229"/>
+                  <a:pt x="8620090" y="5969920"/>
+                  <a:pt x="8831314" y="5943878"/>
+                </a:cubicBezTo>
+                <a:close/>
+                <a:moveTo>
+                  <a:pt x="7397485" y="5931706"/>
+                </a:moveTo>
+                <a:cubicBezTo>
+                  <a:pt x="7598431" y="5931157"/>
+                  <a:pt x="7792965" y="6024548"/>
+                  <a:pt x="7917779" y="6191864"/>
+                </a:cubicBezTo>
+                <a:cubicBezTo>
+                  <a:pt x="7959204" y="6247714"/>
+                  <a:pt x="7991530" y="6309792"/>
+                  <a:pt x="8013467" y="6375784"/>
+                </a:cubicBezTo>
+                <a:cubicBezTo>
+                  <a:pt x="8055425" y="6502973"/>
+                  <a:pt x="8055748" y="6633888"/>
+                  <a:pt x="8021879" y="6753751"/>
+                </a:cubicBezTo>
+                <a:lnTo>
+                  <a:pt x="7981316" y="6858000"/>
+                </a:lnTo>
+                <a:lnTo>
+                  <a:pt x="6819486" y="6858000"/>
+                </a:lnTo>
+                <a:lnTo>
+                  <a:pt x="6785199" y="6781101"/>
+                </a:lnTo>
+                <a:cubicBezTo>
+                  <a:pt x="6673307" y="6441922"/>
+                  <a:pt x="6857485" y="6076251"/>
+                  <a:pt x="7196747" y="5964309"/>
+                </a:cubicBezTo>
+                <a:cubicBezTo>
+                  <a:pt x="7262809" y="5942509"/>
+                  <a:pt x="7330503" y="5931889"/>
+                  <a:pt x="7397485" y="5931706"/>
+                </a:cubicBezTo>
+                <a:close/>
+                <a:moveTo>
+                  <a:pt x="1505570" y="227178"/>
+                </a:moveTo>
+                <a:cubicBezTo>
+                  <a:pt x="1691018" y="218628"/>
+                  <a:pt x="1889853" y="275403"/>
+                  <a:pt x="2026489" y="392370"/>
+                </a:cubicBezTo>
+                <a:cubicBezTo>
+                  <a:pt x="2369898" y="685965"/>
+                  <a:pt x="2078266" y="1147857"/>
+                  <a:pt x="2444553" y="1654853"/>
+                </a:cubicBezTo>
+                <a:cubicBezTo>
+                  <a:pt x="2492906" y="1721679"/>
+                  <a:pt x="2800482" y="2144546"/>
+                  <a:pt x="3183153" y="2116208"/>
+                </a:cubicBezTo>
+                <a:cubicBezTo>
+                  <a:pt x="3673561" y="2080541"/>
+                  <a:pt x="3723222" y="1441614"/>
+                  <a:pt x="4288384" y="1291908"/>
+                </a:cubicBezTo>
+                <a:cubicBezTo>
+                  <a:pt x="4689065" y="1185875"/>
+                  <a:pt x="5207943" y="1366633"/>
+                  <a:pt x="5472602" y="1697818"/>
+                </a:cubicBezTo>
+                <a:cubicBezTo>
+                  <a:pt x="5891294" y="2221754"/>
+                  <a:pt x="5408012" y="2790179"/>
+                  <a:pt x="5844697" y="3444791"/>
+                </a:cubicBezTo>
+                <a:cubicBezTo>
+                  <a:pt x="6149900" y="3902467"/>
+                  <a:pt x="6672672" y="4053594"/>
+                  <a:pt x="6715674" y="4065208"/>
+                </a:cubicBezTo>
+                <a:cubicBezTo>
+                  <a:pt x="7326423" y="4232519"/>
+                  <a:pt x="7677158" y="3817020"/>
+                  <a:pt x="8130429" y="4101787"/>
+                </a:cubicBezTo>
+                <a:cubicBezTo>
+                  <a:pt x="8226340" y="4161985"/>
+                  <a:pt x="8536372" y="4356819"/>
+                  <a:pt x="8624630" y="4686202"/>
+                </a:cubicBezTo>
+                <a:lnTo>
+                  <a:pt x="8623843" y="4685749"/>
+                </a:lnTo>
+                <a:cubicBezTo>
+                  <a:pt x="8636924" y="4734567"/>
+                  <a:pt x="8644635" y="4784678"/>
+                  <a:pt x="8646859" y="4835156"/>
+                </a:cubicBezTo>
+                <a:cubicBezTo>
+                  <a:pt x="8662596" y="5196604"/>
+                  <a:pt x="8398383" y="5562326"/>
+                  <a:pt x="8079403" y="5661624"/>
+                </a:cubicBezTo>
+                <a:cubicBezTo>
+                  <a:pt x="7649807" y="5795217"/>
+                  <a:pt x="7430996" y="5350293"/>
+                  <a:pt x="6833105" y="5397208"/>
+                </a:cubicBezTo>
+                <a:cubicBezTo>
+                  <a:pt x="6519033" y="5421527"/>
+                  <a:pt x="6056658" y="5595550"/>
+                  <a:pt x="5900832" y="5944462"/>
+                </a:cubicBezTo>
+                <a:cubicBezTo>
+                  <a:pt x="5770548" y="6236600"/>
+                  <a:pt x="5916359" y="6515160"/>
+                  <a:pt x="6067212" y="6811916"/>
+                </a:cubicBezTo>
+                <a:lnTo>
+                  <a:pt x="6089565" y="6858000"/>
+                </a:lnTo>
+                <a:lnTo>
+                  <a:pt x="0" y="6858000"/>
+                </a:lnTo>
+                <a:lnTo>
+                  <a:pt x="0" y="2181377"/>
+                </a:lnTo>
+                <a:lnTo>
+                  <a:pt x="73069" y="2215839"/>
+                </a:lnTo>
+                <a:cubicBezTo>
+                  <a:pt x="165116" y="2251829"/>
+                  <a:pt x="254486" y="2263171"/>
+                  <a:pt x="335445" y="2237140"/>
+                </a:cubicBezTo>
+                <a:cubicBezTo>
+                  <a:pt x="594718" y="2153707"/>
+                  <a:pt x="688441" y="1733807"/>
+                  <a:pt x="752878" y="1445285"/>
+                </a:cubicBezTo>
+                <a:cubicBezTo>
+                  <a:pt x="925059" y="674068"/>
+                  <a:pt x="975076" y="456292"/>
+                  <a:pt x="1202551" y="314229"/>
+                </a:cubicBezTo>
+                <a:cubicBezTo>
+                  <a:pt x="1287853" y="260956"/>
+                  <a:pt x="1394302" y="232308"/>
+                  <a:pt x="1505570" y="227178"/>
+                </a:cubicBezTo>
+                <a:close/>
+                <a:moveTo>
+                  <a:pt x="3142509" y="68854"/>
+                </a:moveTo>
+                <a:cubicBezTo>
+                  <a:pt x="3275474" y="52467"/>
+                  <a:pt x="3407455" y="106339"/>
+                  <a:pt x="3490978" y="211117"/>
+                </a:cubicBezTo>
+                <a:cubicBezTo>
+                  <a:pt x="3535271" y="266744"/>
+                  <a:pt x="3563404" y="333535"/>
+                  <a:pt x="3572083" y="404131"/>
+                </a:cubicBezTo>
+                <a:cubicBezTo>
+                  <a:pt x="3598092" y="615337"/>
+                  <a:pt x="3448040" y="807648"/>
+                  <a:pt x="3236814" y="833688"/>
+                </a:cubicBezTo>
+                <a:cubicBezTo>
+                  <a:pt x="3025594" y="859741"/>
+                  <a:pt x="2833255" y="709631"/>
+                  <a:pt x="2807245" y="498425"/>
+                </a:cubicBezTo>
+                <a:cubicBezTo>
+                  <a:pt x="2781232" y="287207"/>
+                  <a:pt x="2931283" y="94896"/>
+                  <a:pt x="3142509" y="68854"/>
+                </a:cubicBezTo>
+                <a:close/>
+                <a:moveTo>
+                  <a:pt x="0" y="0"/>
+                </a:moveTo>
+                <a:lnTo>
+                  <a:pt x="39858" y="0"/>
+                </a:lnTo>
+                <a:lnTo>
+                  <a:pt x="65022" y="5834"/>
+                </a:lnTo>
+                <a:cubicBezTo>
+                  <a:pt x="191545" y="45606"/>
+                  <a:pt x="305874" y="124173"/>
+                  <a:pt x="389258" y="235630"/>
+                </a:cubicBezTo>
+                <a:cubicBezTo>
+                  <a:pt x="430983" y="291600"/>
+                  <a:pt x="463360" y="353876"/>
+                  <a:pt x="485484" y="420070"/>
+                </a:cubicBezTo>
+                <a:cubicBezTo>
+                  <a:pt x="597711" y="759508"/>
+                  <a:pt x="413661" y="1125662"/>
+                  <a:pt x="74229" y="1237955"/>
+                </a:cubicBezTo>
+                <a:lnTo>
+                  <a:pt x="0" y="1254477"/>
+                </a:lnTo>
+                <a:close/>
+              </a:path>
+            </a:pathLst>
+          </a:custGeom>
+          <a:solidFill>
+            <a:schemeClr val="bg1"/>
+          </a:solidFill>
+          <a:ln w="127000">
+            <a:noFill/>
+          </a:ln>
+        </p:spPr>
+        <p:style>
+          <a:lnRef idx="2">
+            <a:schemeClr val="accent1">
+              <a:shade val="50000"/>
+            </a:schemeClr>
+          </a:lnRef>
+          <a:fillRef idx="1">
+            <a:schemeClr val="accent1"/>
+          </a:fillRef>
+          <a:effectRef idx="0">
+            <a:schemeClr val="accent1"/>
+          </a:effectRef>
+          <a:fontRef idx="minor">
+            <a:schemeClr val="lt1"/>
+          </a:fontRef>
+        </p:style>
+        <p:txBody>
+          <a:bodyPr wrap="square" rtlCol="0" anchor="ctr">
+            <a:noAutofit/>
+          </a:bodyPr>
+          <a:lstStyle/>
+          <a:p>
+            <a:pPr algn="ctr"/>
+            <a:endParaRPr lang="en-US"/>
+          </a:p>
+        </p:txBody>
+      </p:sp>
+      <p:sp useBgFill="1">
+        <p:nvSpPr>
+          <p:cNvPr id="13" name="Background Fill">
+            <a:extLst>
+              <a:ext uri="{FF2B5EF4-FFF2-40B4-BE49-F238E27FC236}">
+                <a16:creationId xmlns:a16="http://schemas.microsoft.com/office/drawing/2014/main" id="{6DA65B90-7B06-4499-91BA-CDDD36132481}"/>
+              </a:ext>
+              <a:ext uri="{C183D7F6-B498-43B3-948B-1728B52AA6E4}">
+                <adec:decorative xmlns:adec="http://schemas.microsoft.com/office/drawing/2017/decorative" val="1"/>
+              </a:ext>
+            </a:extLst>
+          </p:cNvPr>
+          <p:cNvSpPr>
+            <a:spLocks noGrp="1" noRot="1" noChangeAspect="1" noMove="1" noResize="1" noEditPoints="1" noAdjustHandles="1" noChangeArrowheads="1" noChangeShapeType="1" noTextEdit="1"/>
+          </p:cNvSpPr>
+          <p:nvPr>
+            <p:extLst>
+              <p:ext uri="{386F3935-93C4-4BCD-93E2-E3B085C9AB24}">
+                <p16:designElem xmlns:p16="http://schemas.microsoft.com/office/powerpoint/2015/main" val="1"/>
+              </p:ext>
+            </p:extLst>
+          </p:nvPr>
+        </p:nvSpPr>
+        <p:spPr>
+          <a:xfrm>
+            <a:off x="0" y="0"/>
+            <a:ext cx="12188952" cy="6858000"/>
+          </a:xfrm>
+          <a:prstGeom prst="rect">
+            <a:avLst/>
+          </a:prstGeom>
+          <a:ln>
+            <a:noFill/>
+          </a:ln>
+        </p:spPr>
+        <p:style>
+          <a:lnRef idx="2">
+            <a:schemeClr val="accent1">
+              <a:shade val="50000"/>
+            </a:schemeClr>
+          </a:lnRef>
+          <a:fillRef idx="1">
+            <a:schemeClr val="accent1"/>
+          </a:fillRef>
+          <a:effectRef idx="0">
+            <a:schemeClr val="accent1"/>
+          </a:effectRef>
+          <a:fontRef idx="minor">
+            <a:schemeClr val="lt1"/>
+          </a:fontRef>
+        </p:style>
+        <p:txBody>
+          <a:bodyPr rtlCol="0" anchor="ctr"/>
+          <a:lstStyle/>
+          <a:p>
+            <a:pPr algn="ctr"/>
+            <a:endParaRPr lang="en-US"/>
+          </a:p>
+        </p:txBody>
+      </p:sp>
+      <p:pic>
+        <p:nvPicPr>
+          <p:cNvPr id="5" name="Picture 4" descr="Nahaufnahme eines Kameraobjektivs">
+            <a:extLst>
+              <a:ext uri="{FF2B5EF4-FFF2-40B4-BE49-F238E27FC236}">
+                <a16:creationId xmlns:a16="http://schemas.microsoft.com/office/drawing/2014/main" id="{A77A492B-362F-8B56-08C1-40B19C3ADAFF}"/>
+              </a:ext>
+            </a:extLst>
+          </p:cNvPr>
+          <p:cNvPicPr>
+            <a:picLocks noChangeAspect="1"/>
+          </p:cNvPicPr>
+          <p:nvPr/>
+        </p:nvPicPr>
+        <p:blipFill>
+          <a:blip r:embed="rId2">
+            <a:alphaModFix/>
+          </a:blip>
+          <a:srcRect t="15710" r="-1" b="-1"/>
+          <a:stretch/>
+        </p:blipFill>
+        <p:spPr>
+          <a:xfrm>
+            <a:off x="3048" y="10"/>
+            <a:ext cx="12188952" cy="6857990"/>
+          </a:xfrm>
+          <a:prstGeom prst="rect">
+            <a:avLst/>
+          </a:prstGeom>
+        </p:spPr>
+      </p:pic>
+      <p:sp useBgFill="1">
+        <p:nvSpPr>
+          <p:cNvPr id="15" name="Freeform: Shape 14">
+            <a:extLst>
+              <a:ext uri="{FF2B5EF4-FFF2-40B4-BE49-F238E27FC236}">
+                <a16:creationId xmlns:a16="http://schemas.microsoft.com/office/drawing/2014/main" id="{389C36E1-2D95-402F-A472-3E6699BE2622}"/>
+              </a:ext>
+              <a:ext uri="{C183D7F6-B498-43B3-948B-1728B52AA6E4}">
+                <adec:decorative xmlns:adec="http://schemas.microsoft.com/office/drawing/2017/decorative" val="1"/>
+              </a:ext>
+            </a:extLst>
+          </p:cNvPr>
+          <p:cNvSpPr>
+            <a:spLocks noGrp="1" noRot="1" noChangeAspect="1" noMove="1" noResize="1" noEditPoints="1" noAdjustHandles="1" noChangeArrowheads="1" noChangeShapeType="1" noTextEdit="1"/>
+          </p:cNvSpPr>
+          <p:nvPr>
+            <p:extLst>
+              <p:ext uri="{386F3935-93C4-4BCD-93E2-E3B085C9AB24}">
+                <p16:designElem xmlns:p16="http://schemas.microsoft.com/office/powerpoint/2015/main" val="1"/>
+              </p:ext>
+            </p:extLst>
+          </p:nvPr>
+        </p:nvSpPr>
+        <p:spPr>
+          <a:xfrm>
+            <a:off x="0" y="0"/>
+            <a:ext cx="5835775" cy="6730860"/>
+          </a:xfrm>
+          <a:custGeom>
+            <a:avLst/>
+            <a:gdLst>
+              <a:gd name="connsiteX0" fmla="*/ 1016151 w 5835775"/>
+              <a:gd name="connsiteY0" fmla="*/ 6072484 h 6730860"/>
+              <a:gd name="connsiteX1" fmla="*/ 1082018 w 5835775"/>
+              <a:gd name="connsiteY1" fmla="*/ 6083111 h 6730860"/>
+              <a:gd name="connsiteX2" fmla="*/ 1315484 w 5835775"/>
+              <a:gd name="connsiteY2" fmla="*/ 6486206 h 6730860"/>
+              <a:gd name="connsiteX3" fmla="*/ 912386 w 5835775"/>
+              <a:gd name="connsiteY3" fmla="*/ 6719672 h 6730860"/>
+              <a:gd name="connsiteX4" fmla="*/ 678923 w 5835775"/>
+              <a:gd name="connsiteY4" fmla="*/ 6316576 h 6730860"/>
+              <a:gd name="connsiteX5" fmla="*/ 1016151 w 5835775"/>
+              <a:gd name="connsiteY5" fmla="*/ 6072484 h 6730860"/>
+              <a:gd name="connsiteX6" fmla="*/ 4968517 w 5835775"/>
+              <a:gd name="connsiteY6" fmla="*/ 3411427 h 6730860"/>
+              <a:gd name="connsiteX7" fmla="*/ 5079176 w 5835775"/>
+              <a:gd name="connsiteY7" fmla="*/ 3429280 h 6730860"/>
+              <a:gd name="connsiteX8" fmla="*/ 5471396 w 5835775"/>
+              <a:gd name="connsiteY8" fmla="*/ 4106482 h 6730860"/>
+              <a:gd name="connsiteX9" fmla="*/ 4794194 w 5835775"/>
+              <a:gd name="connsiteY9" fmla="*/ 4498704 h 6730860"/>
+              <a:gd name="connsiteX10" fmla="*/ 4401974 w 5835775"/>
+              <a:gd name="connsiteY10" fmla="*/ 3821503 h 6730860"/>
+              <a:gd name="connsiteX11" fmla="*/ 4968517 w 5835775"/>
+              <a:gd name="connsiteY11" fmla="*/ 3411427 h 6730860"/>
+              <a:gd name="connsiteX12" fmla="*/ 4362805 w 5835775"/>
+              <a:gd name="connsiteY12" fmla="*/ 855055 h 6730860"/>
+              <a:gd name="connsiteX13" fmla="*/ 4428674 w 5835775"/>
+              <a:gd name="connsiteY13" fmla="*/ 865682 h 6730860"/>
+              <a:gd name="connsiteX14" fmla="*/ 4662139 w 5835775"/>
+              <a:gd name="connsiteY14" fmla="*/ 1268778 h 6730860"/>
+              <a:gd name="connsiteX15" fmla="*/ 4259044 w 5835775"/>
+              <a:gd name="connsiteY15" fmla="*/ 1502244 h 6730860"/>
+              <a:gd name="connsiteX16" fmla="*/ 4025578 w 5835775"/>
+              <a:gd name="connsiteY16" fmla="*/ 1099146 h 6730860"/>
+              <a:gd name="connsiteX17" fmla="*/ 4362805 w 5835775"/>
+              <a:gd name="connsiteY17" fmla="*/ 855055 h 6730860"/>
+              <a:gd name="connsiteX18" fmla="*/ 0 w 5835775"/>
+              <a:gd name="connsiteY18" fmla="*/ 0 h 6730860"/>
+              <a:gd name="connsiteX19" fmla="*/ 3267758 w 5835775"/>
+              <a:gd name="connsiteY19" fmla="*/ 0 h 6730860"/>
+              <a:gd name="connsiteX20" fmla="*/ 3305063 w 5835775"/>
+              <a:gd name="connsiteY20" fmla="*/ 63726 h 6730860"/>
+              <a:gd name="connsiteX21" fmla="*/ 3406985 w 5835775"/>
+              <a:gd name="connsiteY21" fmla="*/ 462295 h 6730860"/>
+              <a:gd name="connsiteX22" fmla="*/ 2970594 w 5835775"/>
+              <a:gd name="connsiteY22" fmla="*/ 1557974 h 6730860"/>
+              <a:gd name="connsiteX23" fmla="*/ 3515337 w 5835775"/>
+              <a:gd name="connsiteY23" fmla="*/ 2066142 h 6730860"/>
+              <a:gd name="connsiteX24" fmla="*/ 4650938 w 5835775"/>
+              <a:gd name="connsiteY24" fmla="*/ 2132151 h 6730860"/>
+              <a:gd name="connsiteX25" fmla="*/ 4897972 w 5835775"/>
+              <a:gd name="connsiteY25" fmla="*/ 2795603 h 6730860"/>
+              <a:gd name="connsiteX26" fmla="*/ 4062979 w 5835775"/>
+              <a:gd name="connsiteY26" fmla="*/ 3417553 h 6730860"/>
+              <a:gd name="connsiteX27" fmla="*/ 3501188 w 5835775"/>
+              <a:gd name="connsiteY27" fmla="*/ 3937791 h 6730860"/>
+              <a:gd name="connsiteX28" fmla="*/ 4449937 w 5835775"/>
+              <a:gd name="connsiteY28" fmla="*/ 4695499 h 6730860"/>
+              <a:gd name="connsiteX29" fmla="*/ 5440291 w 5835775"/>
+              <a:gd name="connsiteY29" fmla="*/ 4956658 h 6730860"/>
+              <a:gd name="connsiteX30" fmla="*/ 5762821 w 5835775"/>
+              <a:gd name="connsiteY30" fmla="*/ 6073049 h 6730860"/>
+              <a:gd name="connsiteX31" fmla="*/ 4438972 w 5835775"/>
+              <a:gd name="connsiteY31" fmla="*/ 6432286 h 6730860"/>
+              <a:gd name="connsiteX32" fmla="*/ 3687617 w 5835775"/>
+              <a:gd name="connsiteY32" fmla="*/ 5512601 h 6730860"/>
+              <a:gd name="connsiteX33" fmla="*/ 3137471 w 5835775"/>
+              <a:gd name="connsiteY33" fmla="*/ 5228621 h 6730860"/>
+              <a:gd name="connsiteX34" fmla="*/ 2219026 w 5835775"/>
+              <a:gd name="connsiteY34" fmla="*/ 6103852 h 6730860"/>
+              <a:gd name="connsiteX35" fmla="*/ 962609 w 5835775"/>
+              <a:gd name="connsiteY35" fmla="*/ 5594024 h 6730860"/>
+              <a:gd name="connsiteX36" fmla="*/ 9468 w 5835775"/>
+              <a:gd name="connsiteY36" fmla="*/ 6709780 h 6730860"/>
+              <a:gd name="connsiteX37" fmla="*/ 0 w 5835775"/>
+              <a:gd name="connsiteY37" fmla="*/ 6715849 h 6730860"/>
+            </a:gdLst>
+            <a:ahLst/>
+            <a:cxnLst>
+              <a:cxn ang="0">
+                <a:pos x="connsiteX0" y="connsiteY0"/>
+              </a:cxn>
+              <a:cxn ang="0">
+                <a:pos x="connsiteX1" y="connsiteY1"/>
+              </a:cxn>
+              <a:cxn ang="0">
+                <a:pos x="connsiteX2" y="connsiteY2"/>
+              </a:cxn>
+              <a:cxn ang="0">
+                <a:pos x="connsiteX3" y="connsiteY3"/>
+              </a:cxn>
+              <a:cxn ang="0">
+                <a:pos x="connsiteX4" y="connsiteY4"/>
+              </a:cxn>
+              <a:cxn ang="0">
+                <a:pos x="connsiteX5" y="connsiteY5"/>
+              </a:cxn>
+              <a:cxn ang="0">
+                <a:pos x="connsiteX6" y="connsiteY6"/>
+              </a:cxn>
+              <a:cxn ang="0">
+                <a:pos x="connsiteX7" y="connsiteY7"/>
+              </a:cxn>
+              <a:cxn ang="0">
+                <a:pos x="connsiteX8" y="connsiteY8"/>
+              </a:cxn>
+              <a:cxn ang="0">
+                <a:pos x="connsiteX9" y="connsiteY9"/>
+              </a:cxn>
+              <a:cxn ang="0">
+                <a:pos x="connsiteX10" y="connsiteY10"/>
+              </a:cxn>
+              <a:cxn ang="0">
+                <a:pos x="connsiteX11" y="connsiteY11"/>
+              </a:cxn>
+              <a:cxn ang="0">
+                <a:pos x="connsiteX12" y="connsiteY12"/>
+              </a:cxn>
+              <a:cxn ang="0">
+                <a:pos x="connsiteX13" y="connsiteY13"/>
+              </a:cxn>
+              <a:cxn ang="0">
+                <a:pos x="connsiteX14" y="connsiteY14"/>
+              </a:cxn>
+              <a:cxn ang="0">
+                <a:pos x="connsiteX15" y="connsiteY15"/>
+              </a:cxn>
+              <a:cxn ang="0">
+                <a:pos x="connsiteX16" y="connsiteY16"/>
+              </a:cxn>
+              <a:cxn ang="0">
+                <a:pos x="connsiteX17" y="connsiteY17"/>
+              </a:cxn>
+              <a:cxn ang="0">
+                <a:pos x="connsiteX18" y="connsiteY18"/>
+              </a:cxn>
+              <a:cxn ang="0">
+                <a:pos x="connsiteX19" y="connsiteY19"/>
+              </a:cxn>
+              <a:cxn ang="0">
+                <a:pos x="connsiteX20" y="connsiteY20"/>
+              </a:cxn>
+              <a:cxn ang="0">
+                <a:pos x="connsiteX21" y="connsiteY21"/>
+              </a:cxn>
+              <a:cxn ang="0">
+                <a:pos x="connsiteX22" y="connsiteY22"/>
+              </a:cxn>
+              <a:cxn ang="0">
+                <a:pos x="connsiteX23" y="connsiteY23"/>
+              </a:cxn>
+              <a:cxn ang="0">
+                <a:pos x="connsiteX24" y="connsiteY24"/>
+              </a:cxn>
+              <a:cxn ang="0">
+                <a:pos x="connsiteX25" y="connsiteY25"/>
+              </a:cxn>
+              <a:cxn ang="0">
+                <a:pos x="connsiteX26" y="connsiteY26"/>
+              </a:cxn>
+              <a:cxn ang="0">
+                <a:pos x="connsiteX27" y="connsiteY27"/>
+              </a:cxn>
+              <a:cxn ang="0">
+                <a:pos x="connsiteX28" y="connsiteY28"/>
+              </a:cxn>
+              <a:cxn ang="0">
+                <a:pos x="connsiteX29" y="connsiteY29"/>
+              </a:cxn>
+              <a:cxn ang="0">
+                <a:pos x="connsiteX30" y="connsiteY30"/>
+              </a:cxn>
+              <a:cxn ang="0">
+                <a:pos x="connsiteX31" y="connsiteY31"/>
+              </a:cxn>
+              <a:cxn ang="0">
+                <a:pos x="connsiteX32" y="connsiteY32"/>
+              </a:cxn>
+              <a:cxn ang="0">
+                <a:pos x="connsiteX33" y="connsiteY33"/>
+              </a:cxn>
+              <a:cxn ang="0">
+                <a:pos x="connsiteX34" y="connsiteY34"/>
+              </a:cxn>
+              <a:cxn ang="0">
+                <a:pos x="connsiteX35" y="connsiteY35"/>
+              </a:cxn>
+              <a:cxn ang="0">
+                <a:pos x="connsiteX36" y="connsiteY36"/>
+              </a:cxn>
+              <a:cxn ang="0">
+                <a:pos x="connsiteX37" y="connsiteY37"/>
+              </a:cxn>
+            </a:cxnLst>
+            <a:rect l="l" t="t" r="r" b="b"/>
+            <a:pathLst>
+              <a:path w="5835775" h="6730860">
+                <a:moveTo>
+                  <a:pt x="1016151" y="6072484"/>
+                </a:moveTo>
+                <a:cubicBezTo>
+                  <a:pt x="1037999" y="6073765"/>
+                  <a:pt x="1060047" y="6077256"/>
+                  <a:pt x="1082018" y="6083111"/>
+                </a:cubicBezTo>
+                <a:cubicBezTo>
+                  <a:pt x="1257801" y="6129954"/>
+                  <a:pt x="1362328" y="6310424"/>
+                  <a:pt x="1315484" y="6486206"/>
+                </a:cubicBezTo>
+                <a:cubicBezTo>
+                  <a:pt x="1268642" y="6661989"/>
+                  <a:pt x="1088168" y="6766515"/>
+                  <a:pt x="912386" y="6719672"/>
+                </a:cubicBezTo>
+                <a:cubicBezTo>
+                  <a:pt x="736607" y="6672830"/>
+                  <a:pt x="632080" y="6492357"/>
+                  <a:pt x="678923" y="6316576"/>
+                </a:cubicBezTo>
+                <a:cubicBezTo>
+                  <a:pt x="719910" y="6162766"/>
+                  <a:pt x="863206" y="6063513"/>
+                  <a:pt x="1016151" y="6072484"/>
+                </a:cubicBezTo>
+                <a:close/>
+                <a:moveTo>
+                  <a:pt x="4968517" y="3411427"/>
+                </a:moveTo>
+                <a:cubicBezTo>
+                  <a:pt x="5005224" y="3413581"/>
+                  <a:pt x="5042261" y="3419444"/>
+                  <a:pt x="5079176" y="3429280"/>
+                </a:cubicBezTo>
+                <a:cubicBezTo>
+                  <a:pt x="5374488" y="3507975"/>
+                  <a:pt x="5550091" y="3811170"/>
+                  <a:pt x="5471396" y="4106482"/>
+                </a:cubicBezTo>
+                <a:cubicBezTo>
+                  <a:pt x="5392701" y="4401796"/>
+                  <a:pt x="5089508" y="4577399"/>
+                  <a:pt x="4794194" y="4498704"/>
+                </a:cubicBezTo>
+                <a:cubicBezTo>
+                  <a:pt x="4498880" y="4420008"/>
+                  <a:pt x="4323277" y="4116815"/>
+                  <a:pt x="4401974" y="3821503"/>
+                </a:cubicBezTo>
+                <a:cubicBezTo>
+                  <a:pt x="4470833" y="3563104"/>
+                  <a:pt x="4711571" y="3396357"/>
+                  <a:pt x="4968517" y="3411427"/>
+                </a:cubicBezTo>
+                <a:close/>
+                <a:moveTo>
+                  <a:pt x="4362805" y="855055"/>
+                </a:moveTo>
+                <a:cubicBezTo>
+                  <a:pt x="4384656" y="856336"/>
+                  <a:pt x="4406701" y="859827"/>
+                  <a:pt x="4428674" y="865682"/>
+                </a:cubicBezTo>
+                <a:cubicBezTo>
+                  <a:pt x="4604455" y="912524"/>
+                  <a:pt x="4708982" y="1092997"/>
+                  <a:pt x="4662139" y="1268778"/>
+                </a:cubicBezTo>
+                <a:cubicBezTo>
+                  <a:pt x="4615296" y="1444559"/>
+                  <a:pt x="4434824" y="1549086"/>
+                  <a:pt x="4259044" y="1502244"/>
+                </a:cubicBezTo>
+                <a:cubicBezTo>
+                  <a:pt x="4083261" y="1455402"/>
+                  <a:pt x="3978736" y="1274928"/>
+                  <a:pt x="4025578" y="1099146"/>
+                </a:cubicBezTo>
+                <a:cubicBezTo>
+                  <a:pt x="4066564" y="945337"/>
+                  <a:pt x="4209864" y="846084"/>
+                  <a:pt x="4362805" y="855055"/>
+                </a:cubicBezTo>
+                <a:close/>
+                <a:moveTo>
+                  <a:pt x="0" y="0"/>
+                </a:moveTo>
+                <a:lnTo>
+                  <a:pt x="3267758" y="0"/>
+                </a:lnTo>
+                <a:lnTo>
+                  <a:pt x="3305063" y="63726"/>
+                </a:lnTo>
+                <a:cubicBezTo>
+                  <a:pt x="3369183" y="191635"/>
+                  <a:pt x="3406589" y="329370"/>
+                  <a:pt x="3406985" y="462295"/>
+                </a:cubicBezTo>
+                <a:cubicBezTo>
+                  <a:pt x="3408485" y="962453"/>
+                  <a:pt x="2891543" y="1144904"/>
+                  <a:pt x="2970594" y="1557974"/>
+                </a:cubicBezTo>
+                <a:cubicBezTo>
+                  <a:pt x="3032280" y="1880398"/>
+                  <a:pt x="3449119" y="2040925"/>
+                  <a:pt x="3515337" y="2066142"/>
+                </a:cubicBezTo>
+                <a:cubicBezTo>
+                  <a:pt x="4015284" y="2256630"/>
+                  <a:pt x="4332227" y="1913363"/>
+                  <a:pt x="4650938" y="2132151"/>
+                </a:cubicBezTo>
+                <a:cubicBezTo>
+                  <a:pt x="4853731" y="2271360"/>
+                  <a:pt x="4965324" y="2574996"/>
+                  <a:pt x="4897972" y="2795603"/>
+                </a:cubicBezTo>
+                <a:cubicBezTo>
+                  <a:pt x="4830989" y="3014971"/>
+                  <a:pt x="4662056" y="3104561"/>
+                  <a:pt x="4062979" y="3417553"/>
+                </a:cubicBezTo>
+                <a:cubicBezTo>
+                  <a:pt x="3838920" y="3534602"/>
+                  <a:pt x="3512702" y="3705038"/>
+                  <a:pt x="3501188" y="3937791"/>
+                </a:cubicBezTo>
+                <a:cubicBezTo>
+                  <a:pt x="3482029" y="4324932"/>
+                  <a:pt x="4394257" y="4674655"/>
+                  <a:pt x="4449937" y="4695499"/>
+                </a:cubicBezTo>
+                <a:cubicBezTo>
+                  <a:pt x="4884270" y="4858160"/>
+                  <a:pt x="5186431" y="4793445"/>
+                  <a:pt x="5440291" y="4956658"/>
+                </a:cubicBezTo>
+                <a:cubicBezTo>
+                  <a:pt x="5797237" y="5186171"/>
+                  <a:pt x="5933047" y="5687465"/>
+                  <a:pt x="5762821" y="6073049"/>
+                </a:cubicBezTo>
+                <a:cubicBezTo>
+                  <a:pt x="5566196" y="6518425"/>
+                  <a:pt x="4842241" y="6698608"/>
+                  <a:pt x="4438972" y="6432286"/>
+                </a:cubicBezTo>
+                <a:cubicBezTo>
+                  <a:pt x="4148514" y="6240453"/>
+                  <a:pt x="4125510" y="5878795"/>
+                  <a:pt x="3687617" y="5512601"/>
+                </a:cubicBezTo>
+                <a:cubicBezTo>
+                  <a:pt x="3487248" y="5345038"/>
+                  <a:pt x="3330804" y="5214736"/>
+                  <a:pt x="3137471" y="5228621"/>
+                </a:cubicBezTo>
+                <a:cubicBezTo>
+                  <a:pt x="2702082" y="5259873"/>
+                  <a:pt x="2676865" y="5988253"/>
+                  <a:pt x="2219026" y="6103852"/>
+                </a:cubicBezTo>
+                <a:cubicBezTo>
+                  <a:pt x="1741606" y="6224379"/>
+                  <a:pt x="1457366" y="5508411"/>
+                  <a:pt x="962609" y="5594024"/>
+                </a:cubicBezTo>
+                <a:cubicBezTo>
+                  <a:pt x="494464" y="5675021"/>
+                  <a:pt x="474925" y="6363960"/>
+                  <a:pt x="9468" y="6709780"/>
+                </a:cubicBezTo>
+                <a:lnTo>
+                  <a:pt x="0" y="6715849"/>
+                </a:lnTo>
+                <a:close/>
+              </a:path>
+            </a:pathLst>
+          </a:custGeom>
+          <a:ln>
+            <a:noFill/>
+          </a:ln>
+        </p:spPr>
+        <p:style>
+          <a:lnRef idx="2">
+            <a:schemeClr val="accent1">
+              <a:shade val="50000"/>
+            </a:schemeClr>
+          </a:lnRef>
+          <a:fillRef idx="1">
+            <a:schemeClr val="accent1"/>
+          </a:fillRef>
+          <a:effectRef idx="0">
+            <a:schemeClr val="accent1"/>
+          </a:effectRef>
+          <a:fontRef idx="minor">
+            <a:schemeClr val="lt1"/>
+          </a:fontRef>
+        </p:style>
+        <p:txBody>
+          <a:bodyPr wrap="square" rtlCol="0" anchor="ctr">
+            <a:noAutofit/>
+          </a:bodyPr>
+          <a:lstStyle/>
+          <a:p>
+            <a:pPr algn="ctr"/>
+            <a:endParaRPr lang="en-US"/>
+          </a:p>
+        </p:txBody>
+      </p:sp>
+      <p:sp>
+        <p:nvSpPr>
+          <p:cNvPr id="2" name="Titel 1">
+            <a:extLst>
+              <a:ext uri="{FF2B5EF4-FFF2-40B4-BE49-F238E27FC236}">
+                <a16:creationId xmlns:a16="http://schemas.microsoft.com/office/drawing/2014/main" id="{A891F676-C4DB-7220-3AA3-B33B3933E4DF}"/>
+              </a:ext>
+            </a:extLst>
+          </p:cNvPr>
+          <p:cNvSpPr>
+            <a:spLocks noGrp="1"/>
+          </p:cNvSpPr>
+          <p:nvPr>
+            <p:ph type="title"/>
+          </p:nvPr>
+        </p:nvSpPr>
+        <p:spPr>
+          <a:xfrm>
+            <a:off x="244220" y="663960"/>
+            <a:ext cx="2987417" cy="3228104"/>
+          </a:xfrm>
+        </p:spPr>
+        <p:txBody>
+          <a:bodyPr vert="horz" lIns="91440" tIns="45720" rIns="91440" bIns="45720" rtlCol="0" anchor="b">
+            <a:normAutofit/>
+          </a:bodyPr>
+          <a:lstStyle/>
+          <a:p>
+            <a:r>
+              <a:rPr lang="en-US" dirty="0"/>
+              <a:t>Demo</a:t>
+            </a:r>
+          </a:p>
+        </p:txBody>
+      </p:sp>
+    </p:spTree>
+    <p:extLst>
+      <p:ext uri="{BB962C8B-B14F-4D97-AF65-F5344CB8AC3E}">
+        <p14:creationId xmlns:p14="http://schemas.microsoft.com/office/powerpoint/2010/main" val="3281632767"/>
+      </p:ext>
+    </p:extLst>
+  </p:cSld>
+  <p:clrMapOvr>
+    <a:masterClrMapping/>
+  </p:clrMapOvr>
+</p:sld>
+</file>
+
+<file path=ppt/slides/slide12.xml><?xml version="1.0" encoding="utf-8"?>
+<p:sld xmlns:a="http://schemas.openxmlformats.org/drawingml/2006/main" xmlns:r="http://schemas.openxmlformats.org/officeDocument/2006/relationships" xmlns:p="http://schemas.openxmlformats.org/presentationml/2006/main">
+  <p:cSld>
+    <p:bg>
+      <p:bgPr>
+        <a:solidFill>
+          <a:schemeClr val="bg2"/>
+        </a:solidFill>
+        <a:effectLst/>
+      </p:bgPr>
+    </p:bg>
+    <p:spTree>
+      <p:nvGrpSpPr>
+        <p:cNvPr id="1" name=""/>
+        <p:cNvGrpSpPr/>
+        <p:nvPr/>
+      </p:nvGrpSpPr>
+      <p:grpSpPr>
+        <a:xfrm>
+          <a:off x="0" y="0"/>
+          <a:ext cx="0" cy="0"/>
+          <a:chOff x="0" y="0"/>
+          <a:chExt cx="0" cy="0"/>
+        </a:xfrm>
+      </p:grpSpPr>
       <p:sp>
         <p:nvSpPr>
           <p:cNvPr id="4126" name="Rectangle 4125">
@@ -17129,6 +22963,154 @@
   <p:cSld>
     <p:spTree>
       <p:nvGrpSpPr>
+        <p:cNvPr id="1" name="">
+          <a:extLst>
+            <a:ext uri="{FF2B5EF4-FFF2-40B4-BE49-F238E27FC236}">
+              <a16:creationId xmlns:a16="http://schemas.microsoft.com/office/drawing/2014/main" id="{E2CC35B9-9EEF-7FA5-E31A-412262E29F3A}"/>
+            </a:ext>
+          </a:extLst>
+        </p:cNvPr>
+        <p:cNvGrpSpPr/>
+        <p:nvPr/>
+      </p:nvGrpSpPr>
+      <p:grpSpPr>
+        <a:xfrm>
+          <a:off x="0" y="0"/>
+          <a:ext cx="0" cy="0"/>
+          <a:chOff x="0" y="0"/>
+          <a:chExt cx="0" cy="0"/>
+        </a:xfrm>
+      </p:grpSpPr>
+      <p:sp>
+        <p:nvSpPr>
+          <p:cNvPr id="2" name="Titel 1">
+            <a:extLst>
+              <a:ext uri="{FF2B5EF4-FFF2-40B4-BE49-F238E27FC236}">
+                <a16:creationId xmlns:a16="http://schemas.microsoft.com/office/drawing/2014/main" id="{0655DEC1-B558-97C5-FA18-0AAAEFBBE9F1}"/>
+              </a:ext>
+            </a:extLst>
+          </p:cNvPr>
+          <p:cNvSpPr>
+            <a:spLocks noGrp="1"/>
+          </p:cNvSpPr>
+          <p:nvPr>
+            <p:ph type="title"/>
+          </p:nvPr>
+        </p:nvSpPr>
+        <p:spPr/>
+        <p:txBody>
+          <a:bodyPr/>
+          <a:lstStyle/>
+          <a:p>
+            <a:r>
+              <a:rPr lang="en-US" dirty="0" err="1"/>
+              <a:t>Erstellung</a:t>
+            </a:r>
+            <a:r>
+              <a:rPr lang="en-US" dirty="0"/>
+              <a:t> von </a:t>
+            </a:r>
+            <a:r>
+              <a:rPr lang="en-US" dirty="0" err="1"/>
+              <a:t>Inhalten</a:t>
+            </a:r>
+            <a:endParaRPr lang="en-US" dirty="0"/>
+          </a:p>
+        </p:txBody>
+      </p:sp>
+      <p:pic>
+        <p:nvPicPr>
+          <p:cNvPr id="1026" name="Picture 2">
+            <a:extLst>
+              <a:ext uri="{FF2B5EF4-FFF2-40B4-BE49-F238E27FC236}">
+                <a16:creationId xmlns:a16="http://schemas.microsoft.com/office/drawing/2014/main" id="{74F66A9B-D13B-1EA6-9C6E-29B81CE0BC45}"/>
+              </a:ext>
+            </a:extLst>
+          </p:cNvPr>
+          <p:cNvPicPr>
+            <a:picLocks noChangeAspect="1" noChangeArrowheads="1"/>
+          </p:cNvPicPr>
+          <p:nvPr/>
+        </p:nvPicPr>
+        <p:blipFill>
+          <a:blip r:embed="rId2">
+            <a:extLst>
+              <a:ext uri="{28A0092B-C50C-407E-A947-70E740481C1C}">
+                <a14:useLocalDpi xmlns:a14="http://schemas.microsoft.com/office/drawing/2010/main" val="0"/>
+              </a:ext>
+            </a:extLst>
+          </a:blip>
+          <a:srcRect/>
+          <a:stretch>
+            <a:fillRect/>
+          </a:stretch>
+        </p:blipFill>
+        <p:spPr bwMode="auto">
+          <a:xfrm>
+            <a:off x="700774" y="2373109"/>
+            <a:ext cx="3984378" cy="3927107"/>
+          </a:xfrm>
+          <a:prstGeom prst="rect">
+            <a:avLst/>
+          </a:prstGeom>
+          <a:noFill/>
+          <a:extLst>
+            <a:ext uri="{909E8E84-426E-40DD-AFC4-6F175D3DCCD1}">
+              <a14:hiddenFill xmlns:a14="http://schemas.microsoft.com/office/drawing/2010/main">
+                <a:solidFill>
+                  <a:srgbClr val="FFFFFF"/>
+                </a:solidFill>
+              </a14:hiddenFill>
+            </a:ext>
+          </a:extLst>
+        </p:spPr>
+      </p:pic>
+      <p:graphicFrame>
+        <p:nvGraphicFramePr>
+          <p:cNvPr id="3" name="Diagramm 2">
+            <a:extLst>
+              <a:ext uri="{FF2B5EF4-FFF2-40B4-BE49-F238E27FC236}">
+                <a16:creationId xmlns:a16="http://schemas.microsoft.com/office/drawing/2014/main" id="{11F30133-9C0C-A166-964F-4935335D704A}"/>
+              </a:ext>
+            </a:extLst>
+          </p:cNvPr>
+          <p:cNvGraphicFramePr/>
+          <p:nvPr>
+            <p:extLst>
+              <p:ext uri="{D42A27DB-BD31-4B8C-83A1-F6EECF244321}">
+                <p14:modId xmlns:p14="http://schemas.microsoft.com/office/powerpoint/2010/main" val="3723772625"/>
+              </p:ext>
+            </p:extLst>
+          </p:nvPr>
+        </p:nvGraphicFramePr>
+        <p:xfrm>
+          <a:off x="4481902" y="1220565"/>
+          <a:ext cx="8128000" cy="5418667"/>
+        </p:xfrm>
+        <a:graphic>
+          <a:graphicData uri="http://schemas.openxmlformats.org/drawingml/2006/diagram">
+            <dgm:relIds xmlns:dgm="http://schemas.openxmlformats.org/drawingml/2006/diagram" xmlns:r="http://schemas.openxmlformats.org/officeDocument/2006/relationships" r:dm="rId3" r:lo="rId4" r:qs="rId5" r:cs="rId6"/>
+          </a:graphicData>
+        </a:graphic>
+      </p:graphicFrame>
+    </p:spTree>
+    <p:extLst>
+      <p:ext uri="{BB962C8B-B14F-4D97-AF65-F5344CB8AC3E}">
+        <p14:creationId xmlns:p14="http://schemas.microsoft.com/office/powerpoint/2010/main" val="4135513536"/>
+      </p:ext>
+    </p:extLst>
+  </p:cSld>
+  <p:clrMapOvr>
+    <a:masterClrMapping/>
+  </p:clrMapOvr>
+</p:sld>
+</file>
+
+<file path=ppt/slides/slide8.xml><?xml version="1.0" encoding="utf-8"?>
+<p:sld xmlns:a="http://schemas.openxmlformats.org/drawingml/2006/main" xmlns:r="http://schemas.openxmlformats.org/officeDocument/2006/relationships" xmlns:p="http://schemas.openxmlformats.org/presentationml/2006/main">
+  <p:cSld>
+    <p:spTree>
+      <p:nvGrpSpPr>
         <p:cNvPr id="1" name=""/>
         <p:cNvGrpSpPr/>
         <p:nvPr/>
@@ -17277,559 +23259,18 @@
 </p:sld>
 </file>
 
-<file path=ppt/slides/slide8.xml><?xml version="1.0" encoding="utf-8"?>
-<p:sld xmlns:a="http://schemas.openxmlformats.org/drawingml/2006/main" xmlns:r="http://schemas.openxmlformats.org/officeDocument/2006/relationships" xmlns:p="http://schemas.openxmlformats.org/presentationml/2006/main">
-  <p:cSld>
-    <p:bg>
-      <p:bgPr>
-        <a:solidFill>
-          <a:schemeClr val="bg2"/>
-        </a:solidFill>
-        <a:effectLst/>
-      </p:bgPr>
-    </p:bg>
-    <p:spTree>
-      <p:nvGrpSpPr>
-        <p:cNvPr id="1" name=""/>
-        <p:cNvGrpSpPr/>
-        <p:nvPr/>
-      </p:nvGrpSpPr>
-      <p:grpSpPr>
-        <a:xfrm>
-          <a:off x="0" y="0"/>
-          <a:ext cx="0" cy="0"/>
-          <a:chOff x="0" y="0"/>
-          <a:chExt cx="0" cy="0"/>
-        </a:xfrm>
-      </p:grpSpPr>
-      <p:sp useBgFill="1">
-        <p:nvSpPr>
-          <p:cNvPr id="10" name="Background Fill">
-            <a:extLst>
-              <a:ext uri="{FF2B5EF4-FFF2-40B4-BE49-F238E27FC236}">
-                <a16:creationId xmlns:a16="http://schemas.microsoft.com/office/drawing/2014/main" id="{B937640E-EF7A-4A6C-A950-D12B7D5C923E}"/>
-              </a:ext>
-              <a:ext uri="{C183D7F6-B498-43B3-948B-1728B52AA6E4}">
-                <adec:decorative xmlns:adec="http://schemas.microsoft.com/office/drawing/2017/decorative" val="1"/>
-              </a:ext>
-            </a:extLst>
-          </p:cNvPr>
-          <p:cNvSpPr>
-            <a:spLocks noGrp="1" noRot="1" noChangeAspect="1" noMove="1" noResize="1" noEditPoints="1" noAdjustHandles="1" noChangeArrowheads="1" noChangeShapeType="1" noTextEdit="1"/>
-          </p:cNvSpPr>
-          <p:nvPr>
-            <p:extLst>
-              <p:ext uri="{386F3935-93C4-4BCD-93E2-E3B085C9AB24}">
-                <p16:designElem xmlns:p16="http://schemas.microsoft.com/office/powerpoint/2015/main" val="1"/>
-              </p:ext>
-            </p:extLst>
-          </p:nvPr>
-        </p:nvSpPr>
-        <p:spPr>
-          <a:xfrm>
-            <a:off x="0" y="0"/>
-            <a:ext cx="12188952" cy="6858000"/>
-          </a:xfrm>
-          <a:prstGeom prst="rect">
-            <a:avLst/>
-          </a:prstGeom>
-          <a:ln>
-            <a:noFill/>
-          </a:ln>
-        </p:spPr>
-        <p:style>
-          <a:lnRef idx="2">
-            <a:schemeClr val="accent1">
-              <a:shade val="50000"/>
-            </a:schemeClr>
-          </a:lnRef>
-          <a:fillRef idx="1">
-            <a:schemeClr val="accent1"/>
-          </a:fillRef>
-          <a:effectRef idx="0">
-            <a:schemeClr val="accent1"/>
-          </a:effectRef>
-          <a:fontRef idx="minor">
-            <a:schemeClr val="lt1"/>
-          </a:fontRef>
-        </p:style>
-        <p:txBody>
-          <a:bodyPr rtlCol="0" anchor="ctr"/>
-          <a:lstStyle/>
-          <a:p>
-            <a:pPr algn="ctr"/>
-            <a:endParaRPr lang="en-US"/>
-          </a:p>
-        </p:txBody>
-      </p:sp>
-      <p:sp>
-        <p:nvSpPr>
-          <p:cNvPr id="12" name="Rectangle 11">
-            <a:extLst>
-              <a:ext uri="{FF2B5EF4-FFF2-40B4-BE49-F238E27FC236}">
-                <a16:creationId xmlns:a16="http://schemas.microsoft.com/office/drawing/2014/main" id="{7A46C5F3-4EAC-473B-BD72-1219E833DB14}"/>
-              </a:ext>
-              <a:ext uri="{C183D7F6-B498-43B3-948B-1728B52AA6E4}">
-                <adec:decorative xmlns:adec="http://schemas.microsoft.com/office/drawing/2017/decorative" val="1"/>
-              </a:ext>
-            </a:extLst>
-          </p:cNvPr>
-          <p:cNvSpPr>
-            <a:spLocks noGrp="1" noRot="1" noChangeAspect="1" noMove="1" noResize="1" noEditPoints="1" noAdjustHandles="1" noChangeArrowheads="1" noChangeShapeType="1" noTextEdit="1"/>
-          </p:cNvSpPr>
-          <p:nvPr>
-            <p:extLst>
-              <p:ext uri="{386F3935-93C4-4BCD-93E2-E3B085C9AB24}">
-                <p16:designElem xmlns:p16="http://schemas.microsoft.com/office/powerpoint/2015/main" val="1"/>
-              </p:ext>
-            </p:extLst>
-          </p:nvPr>
-        </p:nvSpPr>
-        <p:spPr>
-          <a:xfrm>
-            <a:off x="0" y="0"/>
-            <a:ext cx="12192001" cy="6858000"/>
-          </a:xfrm>
-          <a:prstGeom prst="rect">
-            <a:avLst/>
-          </a:prstGeom>
-          <a:solidFill>
-            <a:srgbClr val="AEAEAE">
-              <a:alpha val="10000"/>
-            </a:srgbClr>
-          </a:solidFill>
-          <a:ln>
-            <a:noFill/>
-          </a:ln>
-        </p:spPr>
-        <p:style>
-          <a:lnRef idx="2">
-            <a:schemeClr val="accent1">
-              <a:shade val="50000"/>
-            </a:schemeClr>
-          </a:lnRef>
-          <a:fillRef idx="1">
-            <a:schemeClr val="accent1"/>
-          </a:fillRef>
-          <a:effectRef idx="0">
-            <a:schemeClr val="accent1"/>
-          </a:effectRef>
-          <a:fontRef idx="minor">
-            <a:schemeClr val="lt1"/>
-          </a:fontRef>
-        </p:style>
-        <p:txBody>
-          <a:bodyPr rtlCol="0" anchor="ctr"/>
-          <a:lstStyle/>
-          <a:p>
-            <a:pPr algn="ctr"/>
-            <a:endParaRPr lang="en-US" dirty="0"/>
-          </a:p>
-        </p:txBody>
-      </p:sp>
-      <p:sp>
-        <p:nvSpPr>
-          <p:cNvPr id="14" name="Freeform: Shape 13">
-            <a:extLst>
-              <a:ext uri="{FF2B5EF4-FFF2-40B4-BE49-F238E27FC236}">
-                <a16:creationId xmlns:a16="http://schemas.microsoft.com/office/drawing/2014/main" id="{12231725-D083-4E0F-9428-1C2635189CA9}"/>
-              </a:ext>
-              <a:ext uri="{C183D7F6-B498-43B3-948B-1728B52AA6E4}">
-                <adec:decorative xmlns:adec="http://schemas.microsoft.com/office/drawing/2017/decorative" val="1"/>
-              </a:ext>
-            </a:extLst>
-          </p:cNvPr>
-          <p:cNvSpPr>
-            <a:spLocks noGrp="1" noRot="1" noChangeAspect="1" noMove="1" noResize="1" noEditPoints="1" noAdjustHandles="1" noChangeArrowheads="1" noChangeShapeType="1" noTextEdit="1"/>
-          </p:cNvSpPr>
-          <p:nvPr>
-            <p:extLst>
-              <p:ext uri="{386F3935-93C4-4BCD-93E2-E3B085C9AB24}">
-                <p16:designElem xmlns:p16="http://schemas.microsoft.com/office/powerpoint/2015/main" val="1"/>
-              </p:ext>
-            </p:extLst>
-          </p:nvPr>
-        </p:nvSpPr>
-        <p:spPr>
-          <a:xfrm flipH="1" flipV="1">
-            <a:off x="0" y="2140699"/>
-            <a:ext cx="12192000" cy="4717301"/>
-          </a:xfrm>
-          <a:custGeom>
-            <a:avLst/>
-            <a:gdLst>
-              <a:gd name="connsiteX0" fmla="*/ 8930642 w 12192000"/>
-              <a:gd name="connsiteY0" fmla="*/ 4273734 h 4717301"/>
-              <a:gd name="connsiteX1" fmla="*/ 9143134 w 12192000"/>
-              <a:gd name="connsiteY1" fmla="*/ 4396362 h 4717301"/>
-              <a:gd name="connsiteX2" fmla="*/ 9043549 w 12192000"/>
-              <a:gd name="connsiteY2" fmla="*/ 4693978 h 4717301"/>
-              <a:gd name="connsiteX3" fmla="*/ 8745984 w 12192000"/>
-              <a:gd name="connsiteY3" fmla="*/ 4594249 h 4717301"/>
-              <a:gd name="connsiteX4" fmla="*/ 8845568 w 12192000"/>
-              <a:gd name="connsiteY4" fmla="*/ 4296634 h 4717301"/>
-              <a:gd name="connsiteX5" fmla="*/ 8930642 w 12192000"/>
-              <a:gd name="connsiteY5" fmla="*/ 4273734 h 4717301"/>
-              <a:gd name="connsiteX6" fmla="*/ 9842642 w 12192000"/>
-              <a:gd name="connsiteY6" fmla="*/ 3718743 h 4717301"/>
-              <a:gd name="connsiteX7" fmla="*/ 10272210 w 12192000"/>
-              <a:gd name="connsiteY7" fmla="*/ 3966645 h 4717301"/>
-              <a:gd name="connsiteX8" fmla="*/ 10070896 w 12192000"/>
-              <a:gd name="connsiteY8" fmla="*/ 4568292 h 4717301"/>
-              <a:gd name="connsiteX9" fmla="*/ 9469346 w 12192000"/>
-              <a:gd name="connsiteY9" fmla="*/ 4366686 h 4717301"/>
-              <a:gd name="connsiteX10" fmla="*/ 9670660 w 12192000"/>
-              <a:gd name="connsiteY10" fmla="*/ 3765038 h 4717301"/>
-              <a:gd name="connsiteX11" fmla="*/ 9842642 w 12192000"/>
-              <a:gd name="connsiteY11" fmla="*/ 3718743 h 4717301"/>
-              <a:gd name="connsiteX12" fmla="*/ 0 w 12192000"/>
-              <a:gd name="connsiteY12" fmla="*/ 0 h 4717301"/>
-              <a:gd name="connsiteX13" fmla="*/ 12192000 w 12192000"/>
-              <a:gd name="connsiteY13" fmla="*/ 0 h 4717301"/>
-              <a:gd name="connsiteX14" fmla="*/ 12192000 w 12192000"/>
-              <a:gd name="connsiteY14" fmla="*/ 3369891 h 4717301"/>
-              <a:gd name="connsiteX15" fmla="*/ 12124015 w 12192000"/>
-              <a:gd name="connsiteY15" fmla="*/ 3410713 h 4717301"/>
-              <a:gd name="connsiteX16" fmla="*/ 11077457 w 12192000"/>
-              <a:gd name="connsiteY16" fmla="*/ 3501725 h 4717301"/>
-              <a:gd name="connsiteX17" fmla="*/ 9867246 w 12192000"/>
-              <a:gd name="connsiteY17" fmla="*/ 3351592 h 4717301"/>
-              <a:gd name="connsiteX18" fmla="*/ 8994802 w 12192000"/>
-              <a:gd name="connsiteY18" fmla="*/ 3878378 h 4717301"/>
-              <a:gd name="connsiteX19" fmla="*/ 6994655 w 12192000"/>
-              <a:gd name="connsiteY19" fmla="*/ 4335637 h 4717301"/>
-              <a:gd name="connsiteX20" fmla="*/ 6287534 w 12192000"/>
-              <a:gd name="connsiteY20" fmla="*/ 3714199 h 4717301"/>
-              <a:gd name="connsiteX21" fmla="*/ 4392596 w 12192000"/>
-              <a:gd name="connsiteY21" fmla="*/ 3392344 h 4717301"/>
-              <a:gd name="connsiteX22" fmla="*/ 3014500 w 12192000"/>
-              <a:gd name="connsiteY22" fmla="*/ 4100222 h 4717301"/>
-              <a:gd name="connsiteX23" fmla="*/ 86414 w 12192000"/>
-              <a:gd name="connsiteY23" fmla="*/ 3903305 h 4717301"/>
-              <a:gd name="connsiteX24" fmla="*/ 0 w 12192000"/>
-              <a:gd name="connsiteY24" fmla="*/ 3840566 h 4717301"/>
-            </a:gdLst>
-            <a:ahLst/>
-            <a:cxnLst>
-              <a:cxn ang="0">
-                <a:pos x="connsiteX0" y="connsiteY0"/>
-              </a:cxn>
-              <a:cxn ang="0">
-                <a:pos x="connsiteX1" y="connsiteY1"/>
-              </a:cxn>
-              <a:cxn ang="0">
-                <a:pos x="connsiteX2" y="connsiteY2"/>
-              </a:cxn>
-              <a:cxn ang="0">
-                <a:pos x="connsiteX3" y="connsiteY3"/>
-              </a:cxn>
-              <a:cxn ang="0">
-                <a:pos x="connsiteX4" y="connsiteY4"/>
-              </a:cxn>
-              <a:cxn ang="0">
-                <a:pos x="connsiteX5" y="connsiteY5"/>
-              </a:cxn>
-              <a:cxn ang="0">
-                <a:pos x="connsiteX6" y="connsiteY6"/>
-              </a:cxn>
-              <a:cxn ang="0">
-                <a:pos x="connsiteX7" y="connsiteY7"/>
-              </a:cxn>
-              <a:cxn ang="0">
-                <a:pos x="connsiteX8" y="connsiteY8"/>
-              </a:cxn>
-              <a:cxn ang="0">
-                <a:pos x="connsiteX9" y="connsiteY9"/>
-              </a:cxn>
-              <a:cxn ang="0">
-                <a:pos x="connsiteX10" y="connsiteY10"/>
-              </a:cxn>
-              <a:cxn ang="0">
-                <a:pos x="connsiteX11" y="connsiteY11"/>
-              </a:cxn>
-              <a:cxn ang="0">
-                <a:pos x="connsiteX12" y="connsiteY12"/>
-              </a:cxn>
-              <a:cxn ang="0">
-                <a:pos x="connsiteX13" y="connsiteY13"/>
-              </a:cxn>
-              <a:cxn ang="0">
-                <a:pos x="connsiteX14" y="connsiteY14"/>
-              </a:cxn>
-              <a:cxn ang="0">
-                <a:pos x="connsiteX15" y="connsiteY15"/>
-              </a:cxn>
-              <a:cxn ang="0">
-                <a:pos x="connsiteX16" y="connsiteY16"/>
-              </a:cxn>
-              <a:cxn ang="0">
-                <a:pos x="connsiteX17" y="connsiteY17"/>
-              </a:cxn>
-              <a:cxn ang="0">
-                <a:pos x="connsiteX18" y="connsiteY18"/>
-              </a:cxn>
-              <a:cxn ang="0">
-                <a:pos x="connsiteX19" y="connsiteY19"/>
-              </a:cxn>
-              <a:cxn ang="0">
-                <a:pos x="connsiteX20" y="connsiteY20"/>
-              </a:cxn>
-              <a:cxn ang="0">
-                <a:pos x="connsiteX21" y="connsiteY21"/>
-              </a:cxn>
-              <a:cxn ang="0">
-                <a:pos x="connsiteX22" y="connsiteY22"/>
-              </a:cxn>
-              <a:cxn ang="0">
-                <a:pos x="connsiteX23" y="connsiteY23"/>
-              </a:cxn>
-              <a:cxn ang="0">
-                <a:pos x="connsiteX24" y="connsiteY24"/>
-              </a:cxn>
-            </a:cxnLst>
-            <a:rect l="l" t="t" r="r" b="b"/>
-            <a:pathLst>
-              <a:path w="12192000" h="4717301">
-                <a:moveTo>
-                  <a:pt x="8930642" y="4273734"/>
-                </a:moveTo>
-                <a:cubicBezTo>
-                  <a:pt x="9016941" y="4268381"/>
-                  <a:pt x="9102130" y="4314070"/>
-                  <a:pt x="9143134" y="4396362"/>
-                </a:cubicBezTo>
-                <a:cubicBezTo>
-                  <a:pt x="9197806" y="4506087"/>
-                  <a:pt x="9153221" y="4639333"/>
-                  <a:pt x="9043549" y="4693978"/>
-                </a:cubicBezTo>
-                <a:cubicBezTo>
-                  <a:pt x="8933879" y="4748622"/>
-                  <a:pt x="8800655" y="4703973"/>
-                  <a:pt x="8745984" y="4594249"/>
-                </a:cubicBezTo>
-                <a:cubicBezTo>
-                  <a:pt x="8691311" y="4484525"/>
-                  <a:pt x="8735897" y="4351279"/>
-                  <a:pt x="8845568" y="4296634"/>
-                </a:cubicBezTo>
-                <a:cubicBezTo>
-                  <a:pt x="8872986" y="4282973"/>
-                  <a:pt x="8901875" y="4275517"/>
-                  <a:pt x="8930642" y="4273734"/>
-                </a:cubicBezTo>
-                <a:close/>
-                <a:moveTo>
-                  <a:pt x="9842642" y="3718743"/>
-                </a:moveTo>
-                <a:cubicBezTo>
-                  <a:pt x="10017101" y="3707923"/>
-                  <a:pt x="10189318" y="3800286"/>
-                  <a:pt x="10272210" y="3966645"/>
-                </a:cubicBezTo>
-                <a:cubicBezTo>
-                  <a:pt x="10382732" y="4188458"/>
-                  <a:pt x="10292600" y="4457825"/>
-                  <a:pt x="10070896" y="4568292"/>
-                </a:cubicBezTo>
-                <a:cubicBezTo>
-                  <a:pt x="9849191" y="4678760"/>
-                  <a:pt x="9579867" y="4588498"/>
-                  <a:pt x="9469346" y="4366686"/>
-                </a:cubicBezTo>
-                <a:cubicBezTo>
-                  <a:pt x="9358824" y="4144873"/>
-                  <a:pt x="9448956" y="3875506"/>
-                  <a:pt x="9670660" y="3765038"/>
-                </a:cubicBezTo>
-                <a:cubicBezTo>
-                  <a:pt x="9726087" y="3737421"/>
-                  <a:pt x="9784490" y="3722349"/>
-                  <a:pt x="9842642" y="3718743"/>
-                </a:cubicBezTo>
-                <a:close/>
-                <a:moveTo>
-                  <a:pt x="0" y="0"/>
-                </a:moveTo>
-                <a:lnTo>
-                  <a:pt x="12192000" y="0"/>
-                </a:lnTo>
-                <a:lnTo>
-                  <a:pt x="12192000" y="3369891"/>
-                </a:lnTo>
-                <a:lnTo>
-                  <a:pt x="12124015" y="3410713"/>
-                </a:lnTo>
-                <a:cubicBezTo>
-                  <a:pt x="11792041" y="3581538"/>
-                  <a:pt x="11443617" y="3577252"/>
-                  <a:pt x="11077457" y="3501725"/>
-                </a:cubicBezTo>
-                <a:cubicBezTo>
-                  <a:pt x="10679189" y="3419860"/>
-                  <a:pt x="10271734" y="3358281"/>
-                  <a:pt x="9867246" y="3351592"/>
-                </a:cubicBezTo>
-                <a:cubicBezTo>
-                  <a:pt x="9492336" y="3345611"/>
-                  <a:pt x="9239136" y="3626329"/>
-                  <a:pt x="8994802" y="3878378"/>
-                </a:cubicBezTo>
-                <a:cubicBezTo>
-                  <a:pt x="8385954" y="4506678"/>
-                  <a:pt x="7695268" y="4690742"/>
-                  <a:pt x="6994655" y="4335637"/>
-                </a:cubicBezTo>
-                <a:cubicBezTo>
-                  <a:pt x="6722938" y="4197922"/>
-                  <a:pt x="6494843" y="3948626"/>
-                  <a:pt x="6287534" y="3714199"/>
-                </a:cubicBezTo>
-                <a:cubicBezTo>
-                  <a:pt x="5731733" y="3085491"/>
-                  <a:pt x="5043559" y="3067499"/>
-                  <a:pt x="4392596" y="3392344"/>
-                </a:cubicBezTo>
-                <a:cubicBezTo>
-                  <a:pt x="3930423" y="3623867"/>
-                  <a:pt x="3492022" y="3908604"/>
-                  <a:pt x="3014500" y="4100222"/>
-                </a:cubicBezTo>
-                <a:cubicBezTo>
-                  <a:pt x="1977820" y="4518409"/>
-                  <a:pt x="973242" y="4499486"/>
-                  <a:pt x="86414" y="3903305"/>
-                </a:cubicBezTo>
-                <a:lnTo>
-                  <a:pt x="0" y="3840566"/>
-                </a:lnTo>
-                <a:close/>
-              </a:path>
-            </a:pathLst>
-          </a:custGeom>
-          <a:solidFill>
-            <a:schemeClr val="bg1"/>
-          </a:solidFill>
-          <a:ln>
-            <a:noFill/>
-          </a:ln>
-        </p:spPr>
-        <p:style>
-          <a:lnRef idx="2">
-            <a:schemeClr val="accent1">
-              <a:shade val="50000"/>
-            </a:schemeClr>
-          </a:lnRef>
-          <a:fillRef idx="1">
-            <a:schemeClr val="accent1"/>
-          </a:fillRef>
-          <a:effectRef idx="0">
-            <a:schemeClr val="accent1"/>
-          </a:effectRef>
-          <a:fontRef idx="minor">
-            <a:schemeClr val="lt1"/>
-          </a:fontRef>
-        </p:style>
-        <p:txBody>
-          <a:bodyPr rtlCol="0" anchor="ctr"/>
-          <a:lstStyle/>
-          <a:p>
-            <a:pPr algn="ctr"/>
-            <a:endParaRPr lang="en-US"/>
-          </a:p>
-        </p:txBody>
-      </p:sp>
-      <p:sp>
-        <p:nvSpPr>
-          <p:cNvPr id="2" name="Titel 1">
-            <a:extLst>
-              <a:ext uri="{FF2B5EF4-FFF2-40B4-BE49-F238E27FC236}">
-                <a16:creationId xmlns:a16="http://schemas.microsoft.com/office/drawing/2014/main" id="{03875C03-C369-B410-3AAA-DACC854C5DD8}"/>
-              </a:ext>
-            </a:extLst>
-          </p:cNvPr>
-          <p:cNvSpPr>
-            <a:spLocks noGrp="1"/>
-          </p:cNvSpPr>
-          <p:nvPr>
-            <p:ph type="title"/>
-          </p:nvPr>
-        </p:nvSpPr>
-        <p:spPr>
-          <a:xfrm>
-            <a:off x="609600" y="557784"/>
-            <a:ext cx="10972800" cy="1446390"/>
-          </a:xfrm>
-        </p:spPr>
-        <p:txBody>
-          <a:bodyPr>
-            <a:normAutofit/>
-          </a:bodyPr>
-          <a:lstStyle/>
-          <a:p>
-            <a:r>
-              <a:rPr lang="en-US" dirty="0" err="1"/>
-              <a:t>Benutzerfreundlichkeit</a:t>
-            </a:r>
-            <a:endParaRPr lang="en-US" dirty="0"/>
-          </a:p>
-        </p:txBody>
-      </p:sp>
-      <p:graphicFrame>
-        <p:nvGraphicFramePr>
-          <p:cNvPr id="5" name="Diagramm 4">
-            <a:extLst>
-              <a:ext uri="{FF2B5EF4-FFF2-40B4-BE49-F238E27FC236}">
-                <a16:creationId xmlns:a16="http://schemas.microsoft.com/office/drawing/2014/main" id="{90757DC9-305D-0B3C-F1C8-CB6903D1E07B}"/>
-              </a:ext>
-            </a:extLst>
-          </p:cNvPr>
-          <p:cNvGraphicFramePr/>
-          <p:nvPr>
-            <p:extLst>
-              <p:ext uri="{D42A27DB-BD31-4B8C-83A1-F6EECF244321}">
-                <p14:modId xmlns:p14="http://schemas.microsoft.com/office/powerpoint/2010/main" val="1561940599"/>
-              </p:ext>
-            </p:extLst>
-          </p:nvPr>
-        </p:nvGraphicFramePr>
-        <p:xfrm>
-          <a:off x="609600" y="2923750"/>
-          <a:ext cx="10972800" cy="3218288"/>
-        </p:xfrm>
-        <a:graphic>
-          <a:graphicData uri="http://schemas.openxmlformats.org/drawingml/2006/diagram">
-            <dgm:relIds xmlns:dgm="http://schemas.openxmlformats.org/drawingml/2006/diagram" xmlns:r="http://schemas.openxmlformats.org/officeDocument/2006/relationships" r:dm="rId2" r:lo="rId3" r:qs="rId4" r:cs="rId5"/>
-          </a:graphicData>
-        </a:graphic>
-      </p:graphicFrame>
-    </p:spTree>
-    <p:extLst>
-      <p:ext uri="{BB962C8B-B14F-4D97-AF65-F5344CB8AC3E}">
-        <p14:creationId xmlns:p14="http://schemas.microsoft.com/office/powerpoint/2010/main" val="2875101199"/>
-      </p:ext>
-    </p:extLst>
-  </p:cSld>
-  <p:clrMapOvr>
-    <a:masterClrMapping/>
-  </p:clrMapOvr>
-</p:sld>
-</file>
-
 <file path=ppt/slides/slide9.xml><?xml version="1.0" encoding="utf-8"?>
 <p:sld xmlns:a="http://schemas.openxmlformats.org/drawingml/2006/main" xmlns:r="http://schemas.openxmlformats.org/officeDocument/2006/relationships" xmlns:p="http://schemas.openxmlformats.org/presentationml/2006/main">
   <p:cSld>
-    <p:bg>
-      <p:bgPr>
-        <a:solidFill>
-          <a:schemeClr val="bg2"/>
-        </a:solidFill>
-        <a:effectLst/>
-      </p:bgPr>
-    </p:bg>
     <p:spTree>
       <p:nvGrpSpPr>
-        <p:cNvPr id="1" name=""/>
+        <p:cNvPr id="1" name="">
+          <a:extLst>
+            <a:ext uri="{FF2B5EF4-FFF2-40B4-BE49-F238E27FC236}">
+              <a16:creationId xmlns:a16="http://schemas.microsoft.com/office/drawing/2014/main" id="{33173738-16C0-6FF5-CF43-A29C5846BAFD}"/>
+            </a:ext>
+          </a:extLst>
+        </p:cNvPr>
         <p:cNvGrpSpPr/>
         <p:nvPr/>
       </p:nvGrpSpPr>
@@ -17843,1176 +23284,10 @@
       </p:grpSpPr>
       <p:sp>
         <p:nvSpPr>
-          <p:cNvPr id="9" name="Rectangle 8">
-            <a:extLst>
-              <a:ext uri="{FF2B5EF4-FFF2-40B4-BE49-F238E27FC236}">
-                <a16:creationId xmlns:a16="http://schemas.microsoft.com/office/drawing/2014/main" id="{042E603F-28B7-4831-BF23-65FBAB13D5FB}"/>
-              </a:ext>
-              <a:ext uri="{C183D7F6-B498-43B3-948B-1728B52AA6E4}">
-                <adec:decorative xmlns:adec="http://schemas.microsoft.com/office/drawing/2017/decorative" val="1"/>
-              </a:ext>
-            </a:extLst>
-          </p:cNvPr>
-          <p:cNvSpPr>
-            <a:spLocks noGrp="1" noRot="1" noChangeAspect="1" noMove="1" noResize="1" noEditPoints="1" noAdjustHandles="1" noChangeArrowheads="1" noChangeShapeType="1" noTextEdit="1"/>
-          </p:cNvSpPr>
-          <p:nvPr>
-            <p:extLst>
-              <p:ext uri="{386F3935-93C4-4BCD-93E2-E3B085C9AB24}">
-                <p16:designElem xmlns:p16="http://schemas.microsoft.com/office/powerpoint/2015/main" val="1"/>
-              </p:ext>
-            </p:extLst>
-          </p:nvPr>
-        </p:nvSpPr>
-        <p:spPr>
-          <a:xfrm>
-            <a:off x="0" y="0"/>
-            <a:ext cx="12192001" cy="6858000"/>
-          </a:xfrm>
-          <a:prstGeom prst="rect">
-            <a:avLst/>
-          </a:prstGeom>
-          <a:solidFill>
-            <a:srgbClr val="AEAEAE">
-              <a:alpha val="10000"/>
-            </a:srgbClr>
-          </a:solidFill>
-          <a:ln>
-            <a:noFill/>
-          </a:ln>
-        </p:spPr>
-        <p:style>
-          <a:lnRef idx="2">
-            <a:schemeClr val="accent1">
-              <a:shade val="50000"/>
-            </a:schemeClr>
-          </a:lnRef>
-          <a:fillRef idx="1">
-            <a:schemeClr val="accent1"/>
-          </a:fillRef>
-          <a:effectRef idx="0">
-            <a:schemeClr val="accent1"/>
-          </a:effectRef>
-          <a:fontRef idx="minor">
-            <a:schemeClr val="lt1"/>
-          </a:fontRef>
-        </p:style>
-        <p:txBody>
-          <a:bodyPr rtlCol="0" anchor="ctr"/>
-          <a:lstStyle/>
-          <a:p>
-            <a:pPr algn="ctr"/>
-            <a:endParaRPr lang="en-US" dirty="0"/>
-          </a:p>
-        </p:txBody>
-      </p:sp>
-      <p:sp>
-        <p:nvSpPr>
-          <p:cNvPr id="11" name="Freeform: Shape 10">
-            <a:extLst>
-              <a:ext uri="{FF2B5EF4-FFF2-40B4-BE49-F238E27FC236}">
-                <a16:creationId xmlns:a16="http://schemas.microsoft.com/office/drawing/2014/main" id="{4D39700F-2B10-4402-A7DD-06EE2245880D}"/>
-              </a:ext>
-              <a:ext uri="{C183D7F6-B498-43B3-948B-1728B52AA6E4}">
-                <adec:decorative xmlns:adec="http://schemas.microsoft.com/office/drawing/2017/decorative" val="1"/>
-              </a:ext>
-            </a:extLst>
-          </p:cNvPr>
-          <p:cNvSpPr>
-            <a:spLocks noGrp="1" noRot="1" noChangeAspect="1" noMove="1" noResize="1" noEditPoints="1" noAdjustHandles="1" noChangeArrowheads="1" noChangeShapeType="1" noTextEdit="1"/>
-          </p:cNvSpPr>
-          <p:nvPr>
-            <p:extLst>
-              <p:ext uri="{386F3935-93C4-4BCD-93E2-E3B085C9AB24}">
-                <p16:designElem xmlns:p16="http://schemas.microsoft.com/office/powerpoint/2015/main" val="1"/>
-              </p:ext>
-            </p:extLst>
-          </p:nvPr>
-        </p:nvSpPr>
-        <p:spPr>
-          <a:xfrm>
-            <a:off x="-1" y="232968"/>
-            <a:ext cx="9560477" cy="6625032"/>
-          </a:xfrm>
-          <a:custGeom>
-            <a:avLst/>
-            <a:gdLst>
-              <a:gd name="connsiteX0" fmla="*/ 8831314 w 9263816"/>
-              <a:gd name="connsiteY0" fmla="*/ 5943878 h 6858000"/>
-              <a:gd name="connsiteX1" fmla="*/ 9179783 w 9263816"/>
-              <a:gd name="connsiteY1" fmla="*/ 6086141 h 6858000"/>
-              <a:gd name="connsiteX2" fmla="*/ 9260887 w 9263816"/>
-              <a:gd name="connsiteY2" fmla="*/ 6279156 h 6858000"/>
-              <a:gd name="connsiteX3" fmla="*/ 8925621 w 9263816"/>
-              <a:gd name="connsiteY3" fmla="*/ 6708712 h 6858000"/>
-              <a:gd name="connsiteX4" fmla="*/ 8496050 w 9263816"/>
-              <a:gd name="connsiteY4" fmla="*/ 6373449 h 6858000"/>
-              <a:gd name="connsiteX5" fmla="*/ 8831314 w 9263816"/>
-              <a:gd name="connsiteY5" fmla="*/ 5943878 h 6858000"/>
-              <a:gd name="connsiteX6" fmla="*/ 7397485 w 9263816"/>
-              <a:gd name="connsiteY6" fmla="*/ 5931706 h 6858000"/>
-              <a:gd name="connsiteX7" fmla="*/ 7917779 w 9263816"/>
-              <a:gd name="connsiteY7" fmla="*/ 6191864 h 6858000"/>
-              <a:gd name="connsiteX8" fmla="*/ 8013467 w 9263816"/>
-              <a:gd name="connsiteY8" fmla="*/ 6375784 h 6858000"/>
-              <a:gd name="connsiteX9" fmla="*/ 8021879 w 9263816"/>
-              <a:gd name="connsiteY9" fmla="*/ 6753751 h 6858000"/>
-              <a:gd name="connsiteX10" fmla="*/ 7981316 w 9263816"/>
-              <a:gd name="connsiteY10" fmla="*/ 6858000 h 6858000"/>
-              <a:gd name="connsiteX11" fmla="*/ 6819486 w 9263816"/>
-              <a:gd name="connsiteY11" fmla="*/ 6858000 h 6858000"/>
-              <a:gd name="connsiteX12" fmla="*/ 6785199 w 9263816"/>
-              <a:gd name="connsiteY12" fmla="*/ 6781101 h 6858000"/>
-              <a:gd name="connsiteX13" fmla="*/ 7196747 w 9263816"/>
-              <a:gd name="connsiteY13" fmla="*/ 5964309 h 6858000"/>
-              <a:gd name="connsiteX14" fmla="*/ 7397485 w 9263816"/>
-              <a:gd name="connsiteY14" fmla="*/ 5931706 h 6858000"/>
-              <a:gd name="connsiteX15" fmla="*/ 1505570 w 9263816"/>
-              <a:gd name="connsiteY15" fmla="*/ 227178 h 6858000"/>
-              <a:gd name="connsiteX16" fmla="*/ 2026489 w 9263816"/>
-              <a:gd name="connsiteY16" fmla="*/ 392370 h 6858000"/>
-              <a:gd name="connsiteX17" fmla="*/ 2444553 w 9263816"/>
-              <a:gd name="connsiteY17" fmla="*/ 1654853 h 6858000"/>
-              <a:gd name="connsiteX18" fmla="*/ 3183153 w 9263816"/>
-              <a:gd name="connsiteY18" fmla="*/ 2116208 h 6858000"/>
-              <a:gd name="connsiteX19" fmla="*/ 4288384 w 9263816"/>
-              <a:gd name="connsiteY19" fmla="*/ 1291908 h 6858000"/>
-              <a:gd name="connsiteX20" fmla="*/ 5472602 w 9263816"/>
-              <a:gd name="connsiteY20" fmla="*/ 1697818 h 6858000"/>
-              <a:gd name="connsiteX21" fmla="*/ 5844697 w 9263816"/>
-              <a:gd name="connsiteY21" fmla="*/ 3444791 h 6858000"/>
-              <a:gd name="connsiteX22" fmla="*/ 6715674 w 9263816"/>
-              <a:gd name="connsiteY22" fmla="*/ 4065208 h 6858000"/>
-              <a:gd name="connsiteX23" fmla="*/ 8130429 w 9263816"/>
-              <a:gd name="connsiteY23" fmla="*/ 4101787 h 6858000"/>
-              <a:gd name="connsiteX24" fmla="*/ 8624630 w 9263816"/>
-              <a:gd name="connsiteY24" fmla="*/ 4686202 h 6858000"/>
-              <a:gd name="connsiteX25" fmla="*/ 8623843 w 9263816"/>
-              <a:gd name="connsiteY25" fmla="*/ 4685749 h 6858000"/>
-              <a:gd name="connsiteX26" fmla="*/ 8646859 w 9263816"/>
-              <a:gd name="connsiteY26" fmla="*/ 4835156 h 6858000"/>
-              <a:gd name="connsiteX27" fmla="*/ 8079403 w 9263816"/>
-              <a:gd name="connsiteY27" fmla="*/ 5661624 h 6858000"/>
-              <a:gd name="connsiteX28" fmla="*/ 6833105 w 9263816"/>
-              <a:gd name="connsiteY28" fmla="*/ 5397208 h 6858000"/>
-              <a:gd name="connsiteX29" fmla="*/ 5900832 w 9263816"/>
-              <a:gd name="connsiteY29" fmla="*/ 5944462 h 6858000"/>
-              <a:gd name="connsiteX30" fmla="*/ 6067212 w 9263816"/>
-              <a:gd name="connsiteY30" fmla="*/ 6811916 h 6858000"/>
-              <a:gd name="connsiteX31" fmla="*/ 6089565 w 9263816"/>
-              <a:gd name="connsiteY31" fmla="*/ 6858000 h 6858000"/>
-              <a:gd name="connsiteX32" fmla="*/ 0 w 9263816"/>
-              <a:gd name="connsiteY32" fmla="*/ 6858000 h 6858000"/>
-              <a:gd name="connsiteX33" fmla="*/ 0 w 9263816"/>
-              <a:gd name="connsiteY33" fmla="*/ 2181377 h 6858000"/>
-              <a:gd name="connsiteX34" fmla="*/ 73069 w 9263816"/>
-              <a:gd name="connsiteY34" fmla="*/ 2215839 h 6858000"/>
-              <a:gd name="connsiteX35" fmla="*/ 335445 w 9263816"/>
-              <a:gd name="connsiteY35" fmla="*/ 2237140 h 6858000"/>
-              <a:gd name="connsiteX36" fmla="*/ 752878 w 9263816"/>
-              <a:gd name="connsiteY36" fmla="*/ 1445285 h 6858000"/>
-              <a:gd name="connsiteX37" fmla="*/ 1202551 w 9263816"/>
-              <a:gd name="connsiteY37" fmla="*/ 314229 h 6858000"/>
-              <a:gd name="connsiteX38" fmla="*/ 1505570 w 9263816"/>
-              <a:gd name="connsiteY38" fmla="*/ 227178 h 6858000"/>
-              <a:gd name="connsiteX39" fmla="*/ 3142509 w 9263816"/>
-              <a:gd name="connsiteY39" fmla="*/ 68854 h 6858000"/>
-              <a:gd name="connsiteX40" fmla="*/ 3490978 w 9263816"/>
-              <a:gd name="connsiteY40" fmla="*/ 211117 h 6858000"/>
-              <a:gd name="connsiteX41" fmla="*/ 3572083 w 9263816"/>
-              <a:gd name="connsiteY41" fmla="*/ 404131 h 6858000"/>
-              <a:gd name="connsiteX42" fmla="*/ 3236814 w 9263816"/>
-              <a:gd name="connsiteY42" fmla="*/ 833688 h 6858000"/>
-              <a:gd name="connsiteX43" fmla="*/ 2807245 w 9263816"/>
-              <a:gd name="connsiteY43" fmla="*/ 498425 h 6858000"/>
-              <a:gd name="connsiteX44" fmla="*/ 3142509 w 9263816"/>
-              <a:gd name="connsiteY44" fmla="*/ 68854 h 6858000"/>
-              <a:gd name="connsiteX45" fmla="*/ 0 w 9263816"/>
-              <a:gd name="connsiteY45" fmla="*/ 0 h 6858000"/>
-              <a:gd name="connsiteX46" fmla="*/ 39858 w 9263816"/>
-              <a:gd name="connsiteY46" fmla="*/ 0 h 6858000"/>
-              <a:gd name="connsiteX47" fmla="*/ 65022 w 9263816"/>
-              <a:gd name="connsiteY47" fmla="*/ 5834 h 6858000"/>
-              <a:gd name="connsiteX48" fmla="*/ 389258 w 9263816"/>
-              <a:gd name="connsiteY48" fmla="*/ 235630 h 6858000"/>
-              <a:gd name="connsiteX49" fmla="*/ 485484 w 9263816"/>
-              <a:gd name="connsiteY49" fmla="*/ 420070 h 6858000"/>
-              <a:gd name="connsiteX50" fmla="*/ 74229 w 9263816"/>
-              <a:gd name="connsiteY50" fmla="*/ 1237955 h 6858000"/>
-              <a:gd name="connsiteX51" fmla="*/ 0 w 9263816"/>
-              <a:gd name="connsiteY51" fmla="*/ 1254477 h 6858000"/>
-            </a:gdLst>
-            <a:ahLst/>
-            <a:cxnLst>
-              <a:cxn ang="0">
-                <a:pos x="connsiteX0" y="connsiteY0"/>
-              </a:cxn>
-              <a:cxn ang="0">
-                <a:pos x="connsiteX1" y="connsiteY1"/>
-              </a:cxn>
-              <a:cxn ang="0">
-                <a:pos x="connsiteX2" y="connsiteY2"/>
-              </a:cxn>
-              <a:cxn ang="0">
-                <a:pos x="connsiteX3" y="connsiteY3"/>
-              </a:cxn>
-              <a:cxn ang="0">
-                <a:pos x="connsiteX4" y="connsiteY4"/>
-              </a:cxn>
-              <a:cxn ang="0">
-                <a:pos x="connsiteX5" y="connsiteY5"/>
-              </a:cxn>
-              <a:cxn ang="0">
-                <a:pos x="connsiteX6" y="connsiteY6"/>
-              </a:cxn>
-              <a:cxn ang="0">
-                <a:pos x="connsiteX7" y="connsiteY7"/>
-              </a:cxn>
-              <a:cxn ang="0">
-                <a:pos x="connsiteX8" y="connsiteY8"/>
-              </a:cxn>
-              <a:cxn ang="0">
-                <a:pos x="connsiteX9" y="connsiteY9"/>
-              </a:cxn>
-              <a:cxn ang="0">
-                <a:pos x="connsiteX10" y="connsiteY10"/>
-              </a:cxn>
-              <a:cxn ang="0">
-                <a:pos x="connsiteX11" y="connsiteY11"/>
-              </a:cxn>
-              <a:cxn ang="0">
-                <a:pos x="connsiteX12" y="connsiteY12"/>
-              </a:cxn>
-              <a:cxn ang="0">
-                <a:pos x="connsiteX13" y="connsiteY13"/>
-              </a:cxn>
-              <a:cxn ang="0">
-                <a:pos x="connsiteX14" y="connsiteY14"/>
-              </a:cxn>
-              <a:cxn ang="0">
-                <a:pos x="connsiteX15" y="connsiteY15"/>
-              </a:cxn>
-              <a:cxn ang="0">
-                <a:pos x="connsiteX16" y="connsiteY16"/>
-              </a:cxn>
-              <a:cxn ang="0">
-                <a:pos x="connsiteX17" y="connsiteY17"/>
-              </a:cxn>
-              <a:cxn ang="0">
-                <a:pos x="connsiteX18" y="connsiteY18"/>
-              </a:cxn>
-              <a:cxn ang="0">
-                <a:pos x="connsiteX19" y="connsiteY19"/>
-              </a:cxn>
-              <a:cxn ang="0">
-                <a:pos x="connsiteX20" y="connsiteY20"/>
-              </a:cxn>
-              <a:cxn ang="0">
-                <a:pos x="connsiteX21" y="connsiteY21"/>
-              </a:cxn>
-              <a:cxn ang="0">
-                <a:pos x="connsiteX22" y="connsiteY22"/>
-              </a:cxn>
-              <a:cxn ang="0">
-                <a:pos x="connsiteX23" y="connsiteY23"/>
-              </a:cxn>
-              <a:cxn ang="0">
-                <a:pos x="connsiteX24" y="connsiteY24"/>
-              </a:cxn>
-              <a:cxn ang="0">
-                <a:pos x="connsiteX25" y="connsiteY25"/>
-              </a:cxn>
-              <a:cxn ang="0">
-                <a:pos x="connsiteX26" y="connsiteY26"/>
-              </a:cxn>
-              <a:cxn ang="0">
-                <a:pos x="connsiteX27" y="connsiteY27"/>
-              </a:cxn>
-              <a:cxn ang="0">
-                <a:pos x="connsiteX28" y="connsiteY28"/>
-              </a:cxn>
-              <a:cxn ang="0">
-                <a:pos x="connsiteX29" y="connsiteY29"/>
-              </a:cxn>
-              <a:cxn ang="0">
-                <a:pos x="connsiteX30" y="connsiteY30"/>
-              </a:cxn>
-              <a:cxn ang="0">
-                <a:pos x="connsiteX31" y="connsiteY31"/>
-              </a:cxn>
-              <a:cxn ang="0">
-                <a:pos x="connsiteX32" y="connsiteY32"/>
-              </a:cxn>
-              <a:cxn ang="0">
-                <a:pos x="connsiteX33" y="connsiteY33"/>
-              </a:cxn>
-              <a:cxn ang="0">
-                <a:pos x="connsiteX34" y="connsiteY34"/>
-              </a:cxn>
-              <a:cxn ang="0">
-                <a:pos x="connsiteX35" y="connsiteY35"/>
-              </a:cxn>
-              <a:cxn ang="0">
-                <a:pos x="connsiteX36" y="connsiteY36"/>
-              </a:cxn>
-              <a:cxn ang="0">
-                <a:pos x="connsiteX37" y="connsiteY37"/>
-              </a:cxn>
-              <a:cxn ang="0">
-                <a:pos x="connsiteX38" y="connsiteY38"/>
-              </a:cxn>
-              <a:cxn ang="0">
-                <a:pos x="connsiteX39" y="connsiteY39"/>
-              </a:cxn>
-              <a:cxn ang="0">
-                <a:pos x="connsiteX40" y="connsiteY40"/>
-              </a:cxn>
-              <a:cxn ang="0">
-                <a:pos x="connsiteX41" y="connsiteY41"/>
-              </a:cxn>
-              <a:cxn ang="0">
-                <a:pos x="connsiteX42" y="connsiteY42"/>
-              </a:cxn>
-              <a:cxn ang="0">
-                <a:pos x="connsiteX43" y="connsiteY43"/>
-              </a:cxn>
-              <a:cxn ang="0">
-                <a:pos x="connsiteX44" y="connsiteY44"/>
-              </a:cxn>
-              <a:cxn ang="0">
-                <a:pos x="connsiteX45" y="connsiteY45"/>
-              </a:cxn>
-              <a:cxn ang="0">
-                <a:pos x="connsiteX46" y="connsiteY46"/>
-              </a:cxn>
-              <a:cxn ang="0">
-                <a:pos x="connsiteX47" y="connsiteY47"/>
-              </a:cxn>
-              <a:cxn ang="0">
-                <a:pos x="connsiteX48" y="connsiteY48"/>
-              </a:cxn>
-              <a:cxn ang="0">
-                <a:pos x="connsiteX49" y="connsiteY49"/>
-              </a:cxn>
-              <a:cxn ang="0">
-                <a:pos x="connsiteX50" y="connsiteY50"/>
-              </a:cxn>
-              <a:cxn ang="0">
-                <a:pos x="connsiteX51" y="connsiteY51"/>
-              </a:cxn>
-            </a:cxnLst>
-            <a:rect l="l" t="t" r="r" b="b"/>
-            <a:pathLst>
-              <a:path w="9263816" h="6858000">
-                <a:moveTo>
-                  <a:pt x="8831314" y="5943878"/>
-                </a:moveTo>
-                <a:cubicBezTo>
-                  <a:pt x="8964281" y="5927490"/>
-                  <a:pt x="9096260" y="5981362"/>
-                  <a:pt x="9179783" y="6086141"/>
-                </a:cubicBezTo>
-                <a:cubicBezTo>
-                  <a:pt x="9224074" y="6141769"/>
-                  <a:pt x="9252211" y="6208560"/>
-                  <a:pt x="9260887" y="6279156"/>
-                </a:cubicBezTo>
-                <a:cubicBezTo>
-                  <a:pt x="9286897" y="6490362"/>
-                  <a:pt x="9136845" y="6682672"/>
-                  <a:pt x="8925621" y="6708712"/>
-                </a:cubicBezTo>
-                <a:cubicBezTo>
-                  <a:pt x="8714398" y="6734766"/>
-                  <a:pt x="8522062" y="6584655"/>
-                  <a:pt x="8496050" y="6373449"/>
-                </a:cubicBezTo>
-                <a:cubicBezTo>
-                  <a:pt x="8470038" y="6162229"/>
-                  <a:pt x="8620090" y="5969920"/>
-                  <a:pt x="8831314" y="5943878"/>
-                </a:cubicBezTo>
-                <a:close/>
-                <a:moveTo>
-                  <a:pt x="7397485" y="5931706"/>
-                </a:moveTo>
-                <a:cubicBezTo>
-                  <a:pt x="7598431" y="5931157"/>
-                  <a:pt x="7792965" y="6024548"/>
-                  <a:pt x="7917779" y="6191864"/>
-                </a:cubicBezTo>
-                <a:cubicBezTo>
-                  <a:pt x="7959204" y="6247714"/>
-                  <a:pt x="7991530" y="6309792"/>
-                  <a:pt x="8013467" y="6375784"/>
-                </a:cubicBezTo>
-                <a:cubicBezTo>
-                  <a:pt x="8055425" y="6502973"/>
-                  <a:pt x="8055748" y="6633888"/>
-                  <a:pt x="8021879" y="6753751"/>
-                </a:cubicBezTo>
-                <a:lnTo>
-                  <a:pt x="7981316" y="6858000"/>
-                </a:lnTo>
-                <a:lnTo>
-                  <a:pt x="6819486" y="6858000"/>
-                </a:lnTo>
-                <a:lnTo>
-                  <a:pt x="6785199" y="6781101"/>
-                </a:lnTo>
-                <a:cubicBezTo>
-                  <a:pt x="6673307" y="6441922"/>
-                  <a:pt x="6857485" y="6076251"/>
-                  <a:pt x="7196747" y="5964309"/>
-                </a:cubicBezTo>
-                <a:cubicBezTo>
-                  <a:pt x="7262809" y="5942509"/>
-                  <a:pt x="7330503" y="5931889"/>
-                  <a:pt x="7397485" y="5931706"/>
-                </a:cubicBezTo>
-                <a:close/>
-                <a:moveTo>
-                  <a:pt x="1505570" y="227178"/>
-                </a:moveTo>
-                <a:cubicBezTo>
-                  <a:pt x="1691018" y="218628"/>
-                  <a:pt x="1889853" y="275403"/>
-                  <a:pt x="2026489" y="392370"/>
-                </a:cubicBezTo>
-                <a:cubicBezTo>
-                  <a:pt x="2369898" y="685965"/>
-                  <a:pt x="2078266" y="1147857"/>
-                  <a:pt x="2444553" y="1654853"/>
-                </a:cubicBezTo>
-                <a:cubicBezTo>
-                  <a:pt x="2492906" y="1721679"/>
-                  <a:pt x="2800482" y="2144546"/>
-                  <a:pt x="3183153" y="2116208"/>
-                </a:cubicBezTo>
-                <a:cubicBezTo>
-                  <a:pt x="3673561" y="2080541"/>
-                  <a:pt x="3723222" y="1441614"/>
-                  <a:pt x="4288384" y="1291908"/>
-                </a:cubicBezTo>
-                <a:cubicBezTo>
-                  <a:pt x="4689065" y="1185875"/>
-                  <a:pt x="5207943" y="1366633"/>
-                  <a:pt x="5472602" y="1697818"/>
-                </a:cubicBezTo>
-                <a:cubicBezTo>
-                  <a:pt x="5891294" y="2221754"/>
-                  <a:pt x="5408012" y="2790179"/>
-                  <a:pt x="5844697" y="3444791"/>
-                </a:cubicBezTo>
-                <a:cubicBezTo>
-                  <a:pt x="6149900" y="3902467"/>
-                  <a:pt x="6672672" y="4053594"/>
-                  <a:pt x="6715674" y="4065208"/>
-                </a:cubicBezTo>
-                <a:cubicBezTo>
-                  <a:pt x="7326423" y="4232519"/>
-                  <a:pt x="7677158" y="3817020"/>
-                  <a:pt x="8130429" y="4101787"/>
-                </a:cubicBezTo>
-                <a:cubicBezTo>
-                  <a:pt x="8226340" y="4161985"/>
-                  <a:pt x="8536372" y="4356819"/>
-                  <a:pt x="8624630" y="4686202"/>
-                </a:cubicBezTo>
-                <a:lnTo>
-                  <a:pt x="8623843" y="4685749"/>
-                </a:lnTo>
-                <a:cubicBezTo>
-                  <a:pt x="8636924" y="4734567"/>
-                  <a:pt x="8644635" y="4784678"/>
-                  <a:pt x="8646859" y="4835156"/>
-                </a:cubicBezTo>
-                <a:cubicBezTo>
-                  <a:pt x="8662596" y="5196604"/>
-                  <a:pt x="8398383" y="5562326"/>
-                  <a:pt x="8079403" y="5661624"/>
-                </a:cubicBezTo>
-                <a:cubicBezTo>
-                  <a:pt x="7649807" y="5795217"/>
-                  <a:pt x="7430996" y="5350293"/>
-                  <a:pt x="6833105" y="5397208"/>
-                </a:cubicBezTo>
-                <a:cubicBezTo>
-                  <a:pt x="6519033" y="5421527"/>
-                  <a:pt x="6056658" y="5595550"/>
-                  <a:pt x="5900832" y="5944462"/>
-                </a:cubicBezTo>
-                <a:cubicBezTo>
-                  <a:pt x="5770548" y="6236600"/>
-                  <a:pt x="5916359" y="6515160"/>
-                  <a:pt x="6067212" y="6811916"/>
-                </a:cubicBezTo>
-                <a:lnTo>
-                  <a:pt x="6089565" y="6858000"/>
-                </a:lnTo>
-                <a:lnTo>
-                  <a:pt x="0" y="6858000"/>
-                </a:lnTo>
-                <a:lnTo>
-                  <a:pt x="0" y="2181377"/>
-                </a:lnTo>
-                <a:lnTo>
-                  <a:pt x="73069" y="2215839"/>
-                </a:lnTo>
-                <a:cubicBezTo>
-                  <a:pt x="165116" y="2251829"/>
-                  <a:pt x="254486" y="2263171"/>
-                  <a:pt x="335445" y="2237140"/>
-                </a:cubicBezTo>
-                <a:cubicBezTo>
-                  <a:pt x="594718" y="2153707"/>
-                  <a:pt x="688441" y="1733807"/>
-                  <a:pt x="752878" y="1445285"/>
-                </a:cubicBezTo>
-                <a:cubicBezTo>
-                  <a:pt x="925059" y="674068"/>
-                  <a:pt x="975076" y="456292"/>
-                  <a:pt x="1202551" y="314229"/>
-                </a:cubicBezTo>
-                <a:cubicBezTo>
-                  <a:pt x="1287853" y="260956"/>
-                  <a:pt x="1394302" y="232308"/>
-                  <a:pt x="1505570" y="227178"/>
-                </a:cubicBezTo>
-                <a:close/>
-                <a:moveTo>
-                  <a:pt x="3142509" y="68854"/>
-                </a:moveTo>
-                <a:cubicBezTo>
-                  <a:pt x="3275474" y="52467"/>
-                  <a:pt x="3407455" y="106339"/>
-                  <a:pt x="3490978" y="211117"/>
-                </a:cubicBezTo>
-                <a:cubicBezTo>
-                  <a:pt x="3535271" y="266744"/>
-                  <a:pt x="3563404" y="333535"/>
-                  <a:pt x="3572083" y="404131"/>
-                </a:cubicBezTo>
-                <a:cubicBezTo>
-                  <a:pt x="3598092" y="615337"/>
-                  <a:pt x="3448040" y="807648"/>
-                  <a:pt x="3236814" y="833688"/>
-                </a:cubicBezTo>
-                <a:cubicBezTo>
-                  <a:pt x="3025594" y="859741"/>
-                  <a:pt x="2833255" y="709631"/>
-                  <a:pt x="2807245" y="498425"/>
-                </a:cubicBezTo>
-                <a:cubicBezTo>
-                  <a:pt x="2781232" y="287207"/>
-                  <a:pt x="2931283" y="94896"/>
-                  <a:pt x="3142509" y="68854"/>
-                </a:cubicBezTo>
-                <a:close/>
-                <a:moveTo>
-                  <a:pt x="0" y="0"/>
-                </a:moveTo>
-                <a:lnTo>
-                  <a:pt x="39858" y="0"/>
-                </a:lnTo>
-                <a:lnTo>
-                  <a:pt x="65022" y="5834"/>
-                </a:lnTo>
-                <a:cubicBezTo>
-                  <a:pt x="191545" y="45606"/>
-                  <a:pt x="305874" y="124173"/>
-                  <a:pt x="389258" y="235630"/>
-                </a:cubicBezTo>
-                <a:cubicBezTo>
-                  <a:pt x="430983" y="291600"/>
-                  <a:pt x="463360" y="353876"/>
-                  <a:pt x="485484" y="420070"/>
-                </a:cubicBezTo>
-                <a:cubicBezTo>
-                  <a:pt x="597711" y="759508"/>
-                  <a:pt x="413661" y="1125662"/>
-                  <a:pt x="74229" y="1237955"/>
-                </a:cubicBezTo>
-                <a:lnTo>
-                  <a:pt x="0" y="1254477"/>
-                </a:lnTo>
-                <a:close/>
-              </a:path>
-            </a:pathLst>
-          </a:custGeom>
-          <a:solidFill>
-            <a:schemeClr val="bg1"/>
-          </a:solidFill>
-          <a:ln w="127000">
-            <a:noFill/>
-          </a:ln>
-        </p:spPr>
-        <p:style>
-          <a:lnRef idx="2">
-            <a:schemeClr val="accent1">
-              <a:shade val="50000"/>
-            </a:schemeClr>
-          </a:lnRef>
-          <a:fillRef idx="1">
-            <a:schemeClr val="accent1"/>
-          </a:fillRef>
-          <a:effectRef idx="0">
-            <a:schemeClr val="accent1"/>
-          </a:effectRef>
-          <a:fontRef idx="minor">
-            <a:schemeClr val="lt1"/>
-          </a:fontRef>
-        </p:style>
-        <p:txBody>
-          <a:bodyPr wrap="square" rtlCol="0" anchor="ctr">
-            <a:noAutofit/>
-          </a:bodyPr>
-          <a:lstStyle/>
-          <a:p>
-            <a:pPr algn="ctr"/>
-            <a:endParaRPr lang="en-US"/>
-          </a:p>
-        </p:txBody>
-      </p:sp>
-      <p:sp useBgFill="1">
-        <p:nvSpPr>
-          <p:cNvPr id="13" name="Background Fill">
-            <a:extLst>
-              <a:ext uri="{FF2B5EF4-FFF2-40B4-BE49-F238E27FC236}">
-                <a16:creationId xmlns:a16="http://schemas.microsoft.com/office/drawing/2014/main" id="{6DA65B90-7B06-4499-91BA-CDDD36132481}"/>
-              </a:ext>
-              <a:ext uri="{C183D7F6-B498-43B3-948B-1728B52AA6E4}">
-                <adec:decorative xmlns:adec="http://schemas.microsoft.com/office/drawing/2017/decorative" val="1"/>
-              </a:ext>
-            </a:extLst>
-          </p:cNvPr>
-          <p:cNvSpPr>
-            <a:spLocks noGrp="1" noRot="1" noChangeAspect="1" noMove="1" noResize="1" noEditPoints="1" noAdjustHandles="1" noChangeArrowheads="1" noChangeShapeType="1" noTextEdit="1"/>
-          </p:cNvSpPr>
-          <p:nvPr>
-            <p:extLst>
-              <p:ext uri="{386F3935-93C4-4BCD-93E2-E3B085C9AB24}">
-                <p16:designElem xmlns:p16="http://schemas.microsoft.com/office/powerpoint/2015/main" val="1"/>
-              </p:ext>
-            </p:extLst>
-          </p:nvPr>
-        </p:nvSpPr>
-        <p:spPr>
-          <a:xfrm>
-            <a:off x="0" y="0"/>
-            <a:ext cx="12188952" cy="6858000"/>
-          </a:xfrm>
-          <a:prstGeom prst="rect">
-            <a:avLst/>
-          </a:prstGeom>
-          <a:ln>
-            <a:noFill/>
-          </a:ln>
-        </p:spPr>
-        <p:style>
-          <a:lnRef idx="2">
-            <a:schemeClr val="accent1">
-              <a:shade val="50000"/>
-            </a:schemeClr>
-          </a:lnRef>
-          <a:fillRef idx="1">
-            <a:schemeClr val="accent1"/>
-          </a:fillRef>
-          <a:effectRef idx="0">
-            <a:schemeClr val="accent1"/>
-          </a:effectRef>
-          <a:fontRef idx="minor">
-            <a:schemeClr val="lt1"/>
-          </a:fontRef>
-        </p:style>
-        <p:txBody>
-          <a:bodyPr rtlCol="0" anchor="ctr"/>
-          <a:lstStyle/>
-          <a:p>
-            <a:pPr algn="ctr"/>
-            <a:endParaRPr lang="en-US"/>
-          </a:p>
-        </p:txBody>
-      </p:sp>
-      <p:pic>
-        <p:nvPicPr>
-          <p:cNvPr id="5" name="Picture 4" descr="Nahaufnahme eines Kameraobjektivs">
-            <a:extLst>
-              <a:ext uri="{FF2B5EF4-FFF2-40B4-BE49-F238E27FC236}">
-                <a16:creationId xmlns:a16="http://schemas.microsoft.com/office/drawing/2014/main" id="{A77A492B-362F-8B56-08C1-40B19C3ADAFF}"/>
-              </a:ext>
-            </a:extLst>
-          </p:cNvPr>
-          <p:cNvPicPr>
-            <a:picLocks noChangeAspect="1"/>
-          </p:cNvPicPr>
-          <p:nvPr/>
-        </p:nvPicPr>
-        <p:blipFill>
-          <a:blip r:embed="rId2">
-            <a:alphaModFix/>
-          </a:blip>
-          <a:srcRect t="15710" r="-1" b="-1"/>
-          <a:stretch/>
-        </p:blipFill>
-        <p:spPr>
-          <a:xfrm>
-            <a:off x="3048" y="10"/>
-            <a:ext cx="12188952" cy="6857990"/>
-          </a:xfrm>
-          <a:prstGeom prst="rect">
-            <a:avLst/>
-          </a:prstGeom>
-        </p:spPr>
-      </p:pic>
-      <p:sp useBgFill="1">
-        <p:nvSpPr>
-          <p:cNvPr id="15" name="Freeform: Shape 14">
-            <a:extLst>
-              <a:ext uri="{FF2B5EF4-FFF2-40B4-BE49-F238E27FC236}">
-                <a16:creationId xmlns:a16="http://schemas.microsoft.com/office/drawing/2014/main" id="{389C36E1-2D95-402F-A472-3E6699BE2622}"/>
-              </a:ext>
-              <a:ext uri="{C183D7F6-B498-43B3-948B-1728B52AA6E4}">
-                <adec:decorative xmlns:adec="http://schemas.microsoft.com/office/drawing/2017/decorative" val="1"/>
-              </a:ext>
-            </a:extLst>
-          </p:cNvPr>
-          <p:cNvSpPr>
-            <a:spLocks noGrp="1" noRot="1" noChangeAspect="1" noMove="1" noResize="1" noEditPoints="1" noAdjustHandles="1" noChangeArrowheads="1" noChangeShapeType="1" noTextEdit="1"/>
-          </p:cNvSpPr>
-          <p:nvPr>
-            <p:extLst>
-              <p:ext uri="{386F3935-93C4-4BCD-93E2-E3B085C9AB24}">
-                <p16:designElem xmlns:p16="http://schemas.microsoft.com/office/powerpoint/2015/main" val="1"/>
-              </p:ext>
-            </p:extLst>
-          </p:nvPr>
-        </p:nvSpPr>
-        <p:spPr>
-          <a:xfrm>
-            <a:off x="0" y="0"/>
-            <a:ext cx="5835775" cy="6730860"/>
-          </a:xfrm>
-          <a:custGeom>
-            <a:avLst/>
-            <a:gdLst>
-              <a:gd name="connsiteX0" fmla="*/ 1016151 w 5835775"/>
-              <a:gd name="connsiteY0" fmla="*/ 6072484 h 6730860"/>
-              <a:gd name="connsiteX1" fmla="*/ 1082018 w 5835775"/>
-              <a:gd name="connsiteY1" fmla="*/ 6083111 h 6730860"/>
-              <a:gd name="connsiteX2" fmla="*/ 1315484 w 5835775"/>
-              <a:gd name="connsiteY2" fmla="*/ 6486206 h 6730860"/>
-              <a:gd name="connsiteX3" fmla="*/ 912386 w 5835775"/>
-              <a:gd name="connsiteY3" fmla="*/ 6719672 h 6730860"/>
-              <a:gd name="connsiteX4" fmla="*/ 678923 w 5835775"/>
-              <a:gd name="connsiteY4" fmla="*/ 6316576 h 6730860"/>
-              <a:gd name="connsiteX5" fmla="*/ 1016151 w 5835775"/>
-              <a:gd name="connsiteY5" fmla="*/ 6072484 h 6730860"/>
-              <a:gd name="connsiteX6" fmla="*/ 4968517 w 5835775"/>
-              <a:gd name="connsiteY6" fmla="*/ 3411427 h 6730860"/>
-              <a:gd name="connsiteX7" fmla="*/ 5079176 w 5835775"/>
-              <a:gd name="connsiteY7" fmla="*/ 3429280 h 6730860"/>
-              <a:gd name="connsiteX8" fmla="*/ 5471396 w 5835775"/>
-              <a:gd name="connsiteY8" fmla="*/ 4106482 h 6730860"/>
-              <a:gd name="connsiteX9" fmla="*/ 4794194 w 5835775"/>
-              <a:gd name="connsiteY9" fmla="*/ 4498704 h 6730860"/>
-              <a:gd name="connsiteX10" fmla="*/ 4401974 w 5835775"/>
-              <a:gd name="connsiteY10" fmla="*/ 3821503 h 6730860"/>
-              <a:gd name="connsiteX11" fmla="*/ 4968517 w 5835775"/>
-              <a:gd name="connsiteY11" fmla="*/ 3411427 h 6730860"/>
-              <a:gd name="connsiteX12" fmla="*/ 4362805 w 5835775"/>
-              <a:gd name="connsiteY12" fmla="*/ 855055 h 6730860"/>
-              <a:gd name="connsiteX13" fmla="*/ 4428674 w 5835775"/>
-              <a:gd name="connsiteY13" fmla="*/ 865682 h 6730860"/>
-              <a:gd name="connsiteX14" fmla="*/ 4662139 w 5835775"/>
-              <a:gd name="connsiteY14" fmla="*/ 1268778 h 6730860"/>
-              <a:gd name="connsiteX15" fmla="*/ 4259044 w 5835775"/>
-              <a:gd name="connsiteY15" fmla="*/ 1502244 h 6730860"/>
-              <a:gd name="connsiteX16" fmla="*/ 4025578 w 5835775"/>
-              <a:gd name="connsiteY16" fmla="*/ 1099146 h 6730860"/>
-              <a:gd name="connsiteX17" fmla="*/ 4362805 w 5835775"/>
-              <a:gd name="connsiteY17" fmla="*/ 855055 h 6730860"/>
-              <a:gd name="connsiteX18" fmla="*/ 0 w 5835775"/>
-              <a:gd name="connsiteY18" fmla="*/ 0 h 6730860"/>
-              <a:gd name="connsiteX19" fmla="*/ 3267758 w 5835775"/>
-              <a:gd name="connsiteY19" fmla="*/ 0 h 6730860"/>
-              <a:gd name="connsiteX20" fmla="*/ 3305063 w 5835775"/>
-              <a:gd name="connsiteY20" fmla="*/ 63726 h 6730860"/>
-              <a:gd name="connsiteX21" fmla="*/ 3406985 w 5835775"/>
-              <a:gd name="connsiteY21" fmla="*/ 462295 h 6730860"/>
-              <a:gd name="connsiteX22" fmla="*/ 2970594 w 5835775"/>
-              <a:gd name="connsiteY22" fmla="*/ 1557974 h 6730860"/>
-              <a:gd name="connsiteX23" fmla="*/ 3515337 w 5835775"/>
-              <a:gd name="connsiteY23" fmla="*/ 2066142 h 6730860"/>
-              <a:gd name="connsiteX24" fmla="*/ 4650938 w 5835775"/>
-              <a:gd name="connsiteY24" fmla="*/ 2132151 h 6730860"/>
-              <a:gd name="connsiteX25" fmla="*/ 4897972 w 5835775"/>
-              <a:gd name="connsiteY25" fmla="*/ 2795603 h 6730860"/>
-              <a:gd name="connsiteX26" fmla="*/ 4062979 w 5835775"/>
-              <a:gd name="connsiteY26" fmla="*/ 3417553 h 6730860"/>
-              <a:gd name="connsiteX27" fmla="*/ 3501188 w 5835775"/>
-              <a:gd name="connsiteY27" fmla="*/ 3937791 h 6730860"/>
-              <a:gd name="connsiteX28" fmla="*/ 4449937 w 5835775"/>
-              <a:gd name="connsiteY28" fmla="*/ 4695499 h 6730860"/>
-              <a:gd name="connsiteX29" fmla="*/ 5440291 w 5835775"/>
-              <a:gd name="connsiteY29" fmla="*/ 4956658 h 6730860"/>
-              <a:gd name="connsiteX30" fmla="*/ 5762821 w 5835775"/>
-              <a:gd name="connsiteY30" fmla="*/ 6073049 h 6730860"/>
-              <a:gd name="connsiteX31" fmla="*/ 4438972 w 5835775"/>
-              <a:gd name="connsiteY31" fmla="*/ 6432286 h 6730860"/>
-              <a:gd name="connsiteX32" fmla="*/ 3687617 w 5835775"/>
-              <a:gd name="connsiteY32" fmla="*/ 5512601 h 6730860"/>
-              <a:gd name="connsiteX33" fmla="*/ 3137471 w 5835775"/>
-              <a:gd name="connsiteY33" fmla="*/ 5228621 h 6730860"/>
-              <a:gd name="connsiteX34" fmla="*/ 2219026 w 5835775"/>
-              <a:gd name="connsiteY34" fmla="*/ 6103852 h 6730860"/>
-              <a:gd name="connsiteX35" fmla="*/ 962609 w 5835775"/>
-              <a:gd name="connsiteY35" fmla="*/ 5594024 h 6730860"/>
-              <a:gd name="connsiteX36" fmla="*/ 9468 w 5835775"/>
-              <a:gd name="connsiteY36" fmla="*/ 6709780 h 6730860"/>
-              <a:gd name="connsiteX37" fmla="*/ 0 w 5835775"/>
-              <a:gd name="connsiteY37" fmla="*/ 6715849 h 6730860"/>
-            </a:gdLst>
-            <a:ahLst/>
-            <a:cxnLst>
-              <a:cxn ang="0">
-                <a:pos x="connsiteX0" y="connsiteY0"/>
-              </a:cxn>
-              <a:cxn ang="0">
-                <a:pos x="connsiteX1" y="connsiteY1"/>
-              </a:cxn>
-              <a:cxn ang="0">
-                <a:pos x="connsiteX2" y="connsiteY2"/>
-              </a:cxn>
-              <a:cxn ang="0">
-                <a:pos x="connsiteX3" y="connsiteY3"/>
-              </a:cxn>
-              <a:cxn ang="0">
-                <a:pos x="connsiteX4" y="connsiteY4"/>
-              </a:cxn>
-              <a:cxn ang="0">
-                <a:pos x="connsiteX5" y="connsiteY5"/>
-              </a:cxn>
-              <a:cxn ang="0">
-                <a:pos x="connsiteX6" y="connsiteY6"/>
-              </a:cxn>
-              <a:cxn ang="0">
-                <a:pos x="connsiteX7" y="connsiteY7"/>
-              </a:cxn>
-              <a:cxn ang="0">
-                <a:pos x="connsiteX8" y="connsiteY8"/>
-              </a:cxn>
-              <a:cxn ang="0">
-                <a:pos x="connsiteX9" y="connsiteY9"/>
-              </a:cxn>
-              <a:cxn ang="0">
-                <a:pos x="connsiteX10" y="connsiteY10"/>
-              </a:cxn>
-              <a:cxn ang="0">
-                <a:pos x="connsiteX11" y="connsiteY11"/>
-              </a:cxn>
-              <a:cxn ang="0">
-                <a:pos x="connsiteX12" y="connsiteY12"/>
-              </a:cxn>
-              <a:cxn ang="0">
-                <a:pos x="connsiteX13" y="connsiteY13"/>
-              </a:cxn>
-              <a:cxn ang="0">
-                <a:pos x="connsiteX14" y="connsiteY14"/>
-              </a:cxn>
-              <a:cxn ang="0">
-                <a:pos x="connsiteX15" y="connsiteY15"/>
-              </a:cxn>
-              <a:cxn ang="0">
-                <a:pos x="connsiteX16" y="connsiteY16"/>
-              </a:cxn>
-              <a:cxn ang="0">
-                <a:pos x="connsiteX17" y="connsiteY17"/>
-              </a:cxn>
-              <a:cxn ang="0">
-                <a:pos x="connsiteX18" y="connsiteY18"/>
-              </a:cxn>
-              <a:cxn ang="0">
-                <a:pos x="connsiteX19" y="connsiteY19"/>
-              </a:cxn>
-              <a:cxn ang="0">
-                <a:pos x="connsiteX20" y="connsiteY20"/>
-              </a:cxn>
-              <a:cxn ang="0">
-                <a:pos x="connsiteX21" y="connsiteY21"/>
-              </a:cxn>
-              <a:cxn ang="0">
-                <a:pos x="connsiteX22" y="connsiteY22"/>
-              </a:cxn>
-              <a:cxn ang="0">
-                <a:pos x="connsiteX23" y="connsiteY23"/>
-              </a:cxn>
-              <a:cxn ang="0">
-                <a:pos x="connsiteX24" y="connsiteY24"/>
-              </a:cxn>
-              <a:cxn ang="0">
-                <a:pos x="connsiteX25" y="connsiteY25"/>
-              </a:cxn>
-              <a:cxn ang="0">
-                <a:pos x="connsiteX26" y="connsiteY26"/>
-              </a:cxn>
-              <a:cxn ang="0">
-                <a:pos x="connsiteX27" y="connsiteY27"/>
-              </a:cxn>
-              <a:cxn ang="0">
-                <a:pos x="connsiteX28" y="connsiteY28"/>
-              </a:cxn>
-              <a:cxn ang="0">
-                <a:pos x="connsiteX29" y="connsiteY29"/>
-              </a:cxn>
-              <a:cxn ang="0">
-                <a:pos x="connsiteX30" y="connsiteY30"/>
-              </a:cxn>
-              <a:cxn ang="0">
-                <a:pos x="connsiteX31" y="connsiteY31"/>
-              </a:cxn>
-              <a:cxn ang="0">
-                <a:pos x="connsiteX32" y="connsiteY32"/>
-              </a:cxn>
-              <a:cxn ang="0">
-                <a:pos x="connsiteX33" y="connsiteY33"/>
-              </a:cxn>
-              <a:cxn ang="0">
-                <a:pos x="connsiteX34" y="connsiteY34"/>
-              </a:cxn>
-              <a:cxn ang="0">
-                <a:pos x="connsiteX35" y="connsiteY35"/>
-              </a:cxn>
-              <a:cxn ang="0">
-                <a:pos x="connsiteX36" y="connsiteY36"/>
-              </a:cxn>
-              <a:cxn ang="0">
-                <a:pos x="connsiteX37" y="connsiteY37"/>
-              </a:cxn>
-            </a:cxnLst>
-            <a:rect l="l" t="t" r="r" b="b"/>
-            <a:pathLst>
-              <a:path w="5835775" h="6730860">
-                <a:moveTo>
-                  <a:pt x="1016151" y="6072484"/>
-                </a:moveTo>
-                <a:cubicBezTo>
-                  <a:pt x="1037999" y="6073765"/>
-                  <a:pt x="1060047" y="6077256"/>
-                  <a:pt x="1082018" y="6083111"/>
-                </a:cubicBezTo>
-                <a:cubicBezTo>
-                  <a:pt x="1257801" y="6129954"/>
-                  <a:pt x="1362328" y="6310424"/>
-                  <a:pt x="1315484" y="6486206"/>
-                </a:cubicBezTo>
-                <a:cubicBezTo>
-                  <a:pt x="1268642" y="6661989"/>
-                  <a:pt x="1088168" y="6766515"/>
-                  <a:pt x="912386" y="6719672"/>
-                </a:cubicBezTo>
-                <a:cubicBezTo>
-                  <a:pt x="736607" y="6672830"/>
-                  <a:pt x="632080" y="6492357"/>
-                  <a:pt x="678923" y="6316576"/>
-                </a:cubicBezTo>
-                <a:cubicBezTo>
-                  <a:pt x="719910" y="6162766"/>
-                  <a:pt x="863206" y="6063513"/>
-                  <a:pt x="1016151" y="6072484"/>
-                </a:cubicBezTo>
-                <a:close/>
-                <a:moveTo>
-                  <a:pt x="4968517" y="3411427"/>
-                </a:moveTo>
-                <a:cubicBezTo>
-                  <a:pt x="5005224" y="3413581"/>
-                  <a:pt x="5042261" y="3419444"/>
-                  <a:pt x="5079176" y="3429280"/>
-                </a:cubicBezTo>
-                <a:cubicBezTo>
-                  <a:pt x="5374488" y="3507975"/>
-                  <a:pt x="5550091" y="3811170"/>
-                  <a:pt x="5471396" y="4106482"/>
-                </a:cubicBezTo>
-                <a:cubicBezTo>
-                  <a:pt x="5392701" y="4401796"/>
-                  <a:pt x="5089508" y="4577399"/>
-                  <a:pt x="4794194" y="4498704"/>
-                </a:cubicBezTo>
-                <a:cubicBezTo>
-                  <a:pt x="4498880" y="4420008"/>
-                  <a:pt x="4323277" y="4116815"/>
-                  <a:pt x="4401974" y="3821503"/>
-                </a:cubicBezTo>
-                <a:cubicBezTo>
-                  <a:pt x="4470833" y="3563104"/>
-                  <a:pt x="4711571" y="3396357"/>
-                  <a:pt x="4968517" y="3411427"/>
-                </a:cubicBezTo>
-                <a:close/>
-                <a:moveTo>
-                  <a:pt x="4362805" y="855055"/>
-                </a:moveTo>
-                <a:cubicBezTo>
-                  <a:pt x="4384656" y="856336"/>
-                  <a:pt x="4406701" y="859827"/>
-                  <a:pt x="4428674" y="865682"/>
-                </a:cubicBezTo>
-                <a:cubicBezTo>
-                  <a:pt x="4604455" y="912524"/>
-                  <a:pt x="4708982" y="1092997"/>
-                  <a:pt x="4662139" y="1268778"/>
-                </a:cubicBezTo>
-                <a:cubicBezTo>
-                  <a:pt x="4615296" y="1444559"/>
-                  <a:pt x="4434824" y="1549086"/>
-                  <a:pt x="4259044" y="1502244"/>
-                </a:cubicBezTo>
-                <a:cubicBezTo>
-                  <a:pt x="4083261" y="1455402"/>
-                  <a:pt x="3978736" y="1274928"/>
-                  <a:pt x="4025578" y="1099146"/>
-                </a:cubicBezTo>
-                <a:cubicBezTo>
-                  <a:pt x="4066564" y="945337"/>
-                  <a:pt x="4209864" y="846084"/>
-                  <a:pt x="4362805" y="855055"/>
-                </a:cubicBezTo>
-                <a:close/>
-                <a:moveTo>
-                  <a:pt x="0" y="0"/>
-                </a:moveTo>
-                <a:lnTo>
-                  <a:pt x="3267758" y="0"/>
-                </a:lnTo>
-                <a:lnTo>
-                  <a:pt x="3305063" y="63726"/>
-                </a:lnTo>
-                <a:cubicBezTo>
-                  <a:pt x="3369183" y="191635"/>
-                  <a:pt x="3406589" y="329370"/>
-                  <a:pt x="3406985" y="462295"/>
-                </a:cubicBezTo>
-                <a:cubicBezTo>
-                  <a:pt x="3408485" y="962453"/>
-                  <a:pt x="2891543" y="1144904"/>
-                  <a:pt x="2970594" y="1557974"/>
-                </a:cubicBezTo>
-                <a:cubicBezTo>
-                  <a:pt x="3032280" y="1880398"/>
-                  <a:pt x="3449119" y="2040925"/>
-                  <a:pt x="3515337" y="2066142"/>
-                </a:cubicBezTo>
-                <a:cubicBezTo>
-                  <a:pt x="4015284" y="2256630"/>
-                  <a:pt x="4332227" y="1913363"/>
-                  <a:pt x="4650938" y="2132151"/>
-                </a:cubicBezTo>
-                <a:cubicBezTo>
-                  <a:pt x="4853731" y="2271360"/>
-                  <a:pt x="4965324" y="2574996"/>
-                  <a:pt x="4897972" y="2795603"/>
-                </a:cubicBezTo>
-                <a:cubicBezTo>
-                  <a:pt x="4830989" y="3014971"/>
-                  <a:pt x="4662056" y="3104561"/>
-                  <a:pt x="4062979" y="3417553"/>
-                </a:cubicBezTo>
-                <a:cubicBezTo>
-                  <a:pt x="3838920" y="3534602"/>
-                  <a:pt x="3512702" y="3705038"/>
-                  <a:pt x="3501188" y="3937791"/>
-                </a:cubicBezTo>
-                <a:cubicBezTo>
-                  <a:pt x="3482029" y="4324932"/>
-                  <a:pt x="4394257" y="4674655"/>
-                  <a:pt x="4449937" y="4695499"/>
-                </a:cubicBezTo>
-                <a:cubicBezTo>
-                  <a:pt x="4884270" y="4858160"/>
-                  <a:pt x="5186431" y="4793445"/>
-                  <a:pt x="5440291" y="4956658"/>
-                </a:cubicBezTo>
-                <a:cubicBezTo>
-                  <a:pt x="5797237" y="5186171"/>
-                  <a:pt x="5933047" y="5687465"/>
-                  <a:pt x="5762821" y="6073049"/>
-                </a:cubicBezTo>
-                <a:cubicBezTo>
-                  <a:pt x="5566196" y="6518425"/>
-                  <a:pt x="4842241" y="6698608"/>
-                  <a:pt x="4438972" y="6432286"/>
-                </a:cubicBezTo>
-                <a:cubicBezTo>
-                  <a:pt x="4148514" y="6240453"/>
-                  <a:pt x="4125510" y="5878795"/>
-                  <a:pt x="3687617" y="5512601"/>
-                </a:cubicBezTo>
-                <a:cubicBezTo>
-                  <a:pt x="3487248" y="5345038"/>
-                  <a:pt x="3330804" y="5214736"/>
-                  <a:pt x="3137471" y="5228621"/>
-                </a:cubicBezTo>
-                <a:cubicBezTo>
-                  <a:pt x="2702082" y="5259873"/>
-                  <a:pt x="2676865" y="5988253"/>
-                  <a:pt x="2219026" y="6103852"/>
-                </a:cubicBezTo>
-                <a:cubicBezTo>
-                  <a:pt x="1741606" y="6224379"/>
-                  <a:pt x="1457366" y="5508411"/>
-                  <a:pt x="962609" y="5594024"/>
-                </a:cubicBezTo>
-                <a:cubicBezTo>
-                  <a:pt x="494464" y="5675021"/>
-                  <a:pt x="474925" y="6363960"/>
-                  <a:pt x="9468" y="6709780"/>
-                </a:cubicBezTo>
-                <a:lnTo>
-                  <a:pt x="0" y="6715849"/>
-                </a:lnTo>
-                <a:close/>
-              </a:path>
-            </a:pathLst>
-          </a:custGeom>
-          <a:ln>
-            <a:noFill/>
-          </a:ln>
-        </p:spPr>
-        <p:style>
-          <a:lnRef idx="2">
-            <a:schemeClr val="accent1">
-              <a:shade val="50000"/>
-            </a:schemeClr>
-          </a:lnRef>
-          <a:fillRef idx="1">
-            <a:schemeClr val="accent1"/>
-          </a:fillRef>
-          <a:effectRef idx="0">
-            <a:schemeClr val="accent1"/>
-          </a:effectRef>
-          <a:fontRef idx="minor">
-            <a:schemeClr val="lt1"/>
-          </a:fontRef>
-        </p:style>
-        <p:txBody>
-          <a:bodyPr wrap="square" rtlCol="0" anchor="ctr">
-            <a:noAutofit/>
-          </a:bodyPr>
-          <a:lstStyle/>
-          <a:p>
-            <a:pPr algn="ctr"/>
-            <a:endParaRPr lang="en-US"/>
-          </a:p>
-        </p:txBody>
-      </p:sp>
-      <p:sp>
-        <p:nvSpPr>
           <p:cNvPr id="2" name="Titel 1">
             <a:extLst>
               <a:ext uri="{FF2B5EF4-FFF2-40B4-BE49-F238E27FC236}">
-                <a16:creationId xmlns:a16="http://schemas.microsoft.com/office/drawing/2014/main" id="{A891F676-C4DB-7220-3AA3-B33B3933E4DF}"/>
+                <a16:creationId xmlns:a16="http://schemas.microsoft.com/office/drawing/2014/main" id="{7BB58A8E-4081-6988-80C8-58E30689BF3D}"/>
               </a:ext>
             </a:extLst>
           </p:cNvPr>
@@ -19023,29 +23298,175 @@
             <p:ph type="title"/>
           </p:nvPr>
         </p:nvSpPr>
-        <p:spPr>
-          <a:xfrm>
-            <a:off x="244220" y="663960"/>
-            <a:ext cx="2987417" cy="3228104"/>
-          </a:xfrm>
-        </p:spPr>
+        <p:spPr/>
         <p:txBody>
-          <a:bodyPr vert="horz" lIns="91440" tIns="45720" rIns="91440" bIns="45720" rtlCol="0" anchor="b">
-            <a:normAutofit/>
-          </a:bodyPr>
+          <a:bodyPr/>
           <a:lstStyle/>
           <a:p>
             <a:r>
-              <a:rPr lang="en-US" dirty="0"/>
-              <a:t>Demo</a:t>
+              <a:rPr lang="en-US" dirty="0" err="1"/>
+              <a:t>Veröffentlichung</a:t>
             </a:r>
+            <a:endParaRPr lang="en-US" dirty="0"/>
           </a:p>
         </p:txBody>
       </p:sp>
+      <p:pic>
+        <p:nvPicPr>
+          <p:cNvPr id="4" name="Grafik 3">
+            <a:extLst>
+              <a:ext uri="{FF2B5EF4-FFF2-40B4-BE49-F238E27FC236}">
+                <a16:creationId xmlns:a16="http://schemas.microsoft.com/office/drawing/2014/main" id="{6FB0CFA9-172D-D138-60E9-F71D10B0D965}"/>
+              </a:ext>
+            </a:extLst>
+          </p:cNvPr>
+          <p:cNvPicPr>
+            <a:picLocks noChangeAspect="1"/>
+          </p:cNvPicPr>
+          <p:nvPr/>
+        </p:nvPicPr>
+        <p:blipFill>
+          <a:blip r:embed="rId2"/>
+          <a:stretch>
+            <a:fillRect/>
+          </a:stretch>
+        </p:blipFill>
+        <p:spPr>
+          <a:xfrm>
+            <a:off x="800572" y="2375909"/>
+            <a:ext cx="4626712" cy="819924"/>
+          </a:xfrm>
+          <a:prstGeom prst="rect">
+            <a:avLst/>
+          </a:prstGeom>
+          <a:ln>
+            <a:solidFill>
+              <a:schemeClr val="tx1">
+                <a:lumMod val="95000"/>
+                <a:lumOff val="5000"/>
+              </a:schemeClr>
+            </a:solidFill>
+          </a:ln>
+        </p:spPr>
+      </p:pic>
+      <p:pic>
+        <p:nvPicPr>
+          <p:cNvPr id="6" name="Grafik 5">
+            <a:extLst>
+              <a:ext uri="{FF2B5EF4-FFF2-40B4-BE49-F238E27FC236}">
+                <a16:creationId xmlns:a16="http://schemas.microsoft.com/office/drawing/2014/main" id="{27790BFD-A56A-D775-F700-DD319ED5970B}"/>
+              </a:ext>
+            </a:extLst>
+          </p:cNvPr>
+          <p:cNvPicPr>
+            <a:picLocks noChangeAspect="1"/>
+          </p:cNvPicPr>
+          <p:nvPr/>
+        </p:nvPicPr>
+        <p:blipFill>
+          <a:blip r:embed="rId3"/>
+          <a:stretch>
+            <a:fillRect/>
+          </a:stretch>
+        </p:blipFill>
+        <p:spPr>
+          <a:xfrm>
+            <a:off x="800572" y="3256674"/>
+            <a:ext cx="3348734" cy="994915"/>
+          </a:xfrm>
+          <a:prstGeom prst="rect">
+            <a:avLst/>
+          </a:prstGeom>
+          <a:ln>
+            <a:solidFill>
+              <a:schemeClr val="tx1">
+                <a:lumMod val="95000"/>
+                <a:lumOff val="5000"/>
+              </a:schemeClr>
+            </a:solidFill>
+          </a:ln>
+        </p:spPr>
+      </p:pic>
+      <p:pic>
+        <p:nvPicPr>
+          <p:cNvPr id="8" name="Grafik 7">
+            <a:extLst>
+              <a:ext uri="{FF2B5EF4-FFF2-40B4-BE49-F238E27FC236}">
+                <a16:creationId xmlns:a16="http://schemas.microsoft.com/office/drawing/2014/main" id="{07C50C4D-902F-E5AD-5140-B5339243E45A}"/>
+              </a:ext>
+            </a:extLst>
+          </p:cNvPr>
+          <p:cNvPicPr>
+            <a:picLocks noChangeAspect="1"/>
+          </p:cNvPicPr>
+          <p:nvPr/>
+        </p:nvPicPr>
+        <p:blipFill>
+          <a:blip r:embed="rId4"/>
+          <a:stretch>
+            <a:fillRect/>
+          </a:stretch>
+        </p:blipFill>
+        <p:spPr>
+          <a:xfrm>
+            <a:off x="800572" y="4312430"/>
+            <a:ext cx="3167579" cy="1006520"/>
+          </a:xfrm>
+          <a:prstGeom prst="rect">
+            <a:avLst/>
+          </a:prstGeom>
+          <a:ln>
+            <a:solidFill>
+              <a:schemeClr val="tx1">
+                <a:lumMod val="95000"/>
+                <a:lumOff val="5000"/>
+              </a:schemeClr>
+            </a:solidFill>
+          </a:ln>
+        </p:spPr>
+      </p:pic>
+      <p:pic>
+        <p:nvPicPr>
+          <p:cNvPr id="10" name="Grafik 9">
+            <a:extLst>
+              <a:ext uri="{FF2B5EF4-FFF2-40B4-BE49-F238E27FC236}">
+                <a16:creationId xmlns:a16="http://schemas.microsoft.com/office/drawing/2014/main" id="{CA4B5349-3EAA-9B07-205E-891428026F66}"/>
+              </a:ext>
+            </a:extLst>
+          </p:cNvPr>
+          <p:cNvPicPr>
+            <a:picLocks noChangeAspect="1"/>
+          </p:cNvPicPr>
+          <p:nvPr/>
+        </p:nvPicPr>
+        <p:blipFill>
+          <a:blip r:embed="rId5"/>
+          <a:stretch>
+            <a:fillRect/>
+          </a:stretch>
+        </p:blipFill>
+        <p:spPr>
+          <a:xfrm>
+            <a:off x="800572" y="5379791"/>
+            <a:ext cx="2434334" cy="1012510"/>
+          </a:xfrm>
+          <a:prstGeom prst="rect">
+            <a:avLst/>
+          </a:prstGeom>
+          <a:ln>
+            <a:solidFill>
+              <a:schemeClr val="tx1">
+                <a:lumMod val="95000"/>
+                <a:lumOff val="5000"/>
+              </a:schemeClr>
+            </a:solidFill>
+          </a:ln>
+        </p:spPr>
+      </p:pic>
     </p:spTree>
     <p:extLst>
       <p:ext uri="{BB962C8B-B14F-4D97-AF65-F5344CB8AC3E}">
-        <p14:creationId xmlns:p14="http://schemas.microsoft.com/office/powerpoint/2010/main" val="3281632767"/>
+        <p14:creationId xmlns:p14="http://schemas.microsoft.com/office/powerpoint/2010/main" val="1923263333"/>
       </p:ext>
     </p:extLst>
   </p:cSld>
